--- a/Model.pptx
+++ b/Model.pptx
@@ -356,7 +356,7 @@
           <a:p>
             <a:fld id="{9EBC2C52-0F88-43B1-9D10-F8AF0F8A9233}" type="slidenum">
               <a:rPr lang="fr-CH" smtClean="0"/>
-              <a:t>‹N°›</a:t>
+              <a:t>‹#›</a:t>
             </a:fld>
             <a:endParaRPr lang="fr-CH"/>
           </a:p>
@@ -668,7 +668,7 @@
           <a:p>
             <a:fld id="{B6C26031-9BBE-4C0C-8AED-88662A9AF39F}" type="slidenum">
               <a:rPr lang="fr-CH" smtClean="0"/>
-              <a:t>‹N°›</a:t>
+              <a:t>‹#›</a:t>
             </a:fld>
             <a:endParaRPr lang="fr-CH"/>
           </a:p>
@@ -868,7 +868,7 @@
           <a:p>
             <a:fld id="{B6C26031-9BBE-4C0C-8AED-88662A9AF39F}" type="slidenum">
               <a:rPr lang="fr-CH" smtClean="0"/>
-              <a:t>‹N°›</a:t>
+              <a:t>‹#›</a:t>
             </a:fld>
             <a:endParaRPr lang="fr-CH"/>
           </a:p>
@@ -1078,7 +1078,7 @@
           <a:p>
             <a:fld id="{B6C26031-9BBE-4C0C-8AED-88662A9AF39F}" type="slidenum">
               <a:rPr lang="fr-CH" smtClean="0"/>
-              <a:t>‹N°›</a:t>
+              <a:t>‹#›</a:t>
             </a:fld>
             <a:endParaRPr lang="fr-CH"/>
           </a:p>
@@ -1278,7 +1278,7 @@
           <a:p>
             <a:fld id="{B6C26031-9BBE-4C0C-8AED-88662A9AF39F}" type="slidenum">
               <a:rPr lang="fr-CH" smtClean="0"/>
-              <a:t>‹N°›</a:t>
+              <a:t>‹#›</a:t>
             </a:fld>
             <a:endParaRPr lang="fr-CH"/>
           </a:p>
@@ -1554,7 +1554,7 @@
           <a:p>
             <a:fld id="{B6C26031-9BBE-4C0C-8AED-88662A9AF39F}" type="slidenum">
               <a:rPr lang="fr-CH" smtClean="0"/>
-              <a:t>‹N°›</a:t>
+              <a:t>‹#›</a:t>
             </a:fld>
             <a:endParaRPr lang="fr-CH"/>
           </a:p>
@@ -1822,7 +1822,7 @@
           <a:p>
             <a:fld id="{B6C26031-9BBE-4C0C-8AED-88662A9AF39F}" type="slidenum">
               <a:rPr lang="fr-CH" smtClean="0"/>
-              <a:t>‹N°›</a:t>
+              <a:t>‹#›</a:t>
             </a:fld>
             <a:endParaRPr lang="fr-CH"/>
           </a:p>
@@ -2237,7 +2237,7 @@
           <a:p>
             <a:fld id="{B6C26031-9BBE-4C0C-8AED-88662A9AF39F}" type="slidenum">
               <a:rPr lang="fr-CH" smtClean="0"/>
-              <a:t>‹N°›</a:t>
+              <a:t>‹#›</a:t>
             </a:fld>
             <a:endParaRPr lang="fr-CH"/>
           </a:p>
@@ -2379,7 +2379,7 @@
           <a:p>
             <a:fld id="{B6C26031-9BBE-4C0C-8AED-88662A9AF39F}" type="slidenum">
               <a:rPr lang="fr-CH" smtClean="0"/>
-              <a:t>‹N°›</a:t>
+              <a:t>‹#›</a:t>
             </a:fld>
             <a:endParaRPr lang="fr-CH"/>
           </a:p>
@@ -2492,7 +2492,7 @@
           <a:p>
             <a:fld id="{B6C26031-9BBE-4C0C-8AED-88662A9AF39F}" type="slidenum">
               <a:rPr lang="fr-CH" smtClean="0"/>
-              <a:t>‹N°›</a:t>
+              <a:t>‹#›</a:t>
             </a:fld>
             <a:endParaRPr lang="fr-CH"/>
           </a:p>
@@ -2805,7 +2805,7 @@
           <a:p>
             <a:fld id="{B6C26031-9BBE-4C0C-8AED-88662A9AF39F}" type="slidenum">
               <a:rPr lang="fr-CH" smtClean="0"/>
-              <a:t>‹N°›</a:t>
+              <a:t>‹#›</a:t>
             </a:fld>
             <a:endParaRPr lang="fr-CH"/>
           </a:p>
@@ -3094,7 +3094,7 @@
           <a:p>
             <a:fld id="{B6C26031-9BBE-4C0C-8AED-88662A9AF39F}" type="slidenum">
               <a:rPr lang="fr-CH" smtClean="0"/>
-              <a:t>‹N°›</a:t>
+              <a:t>‹#›</a:t>
             </a:fld>
             <a:endParaRPr lang="fr-CH"/>
           </a:p>
@@ -3373,7 +3373,7 @@
           <a:p>
             <a:fld id="{B6C26031-9BBE-4C0C-8AED-88662A9AF39F}" type="slidenum">
               <a:rPr lang="fr-CH" smtClean="0"/>
-              <a:t>‹N°›</a:t>
+              <a:t>‹#›</a:t>
             </a:fld>
             <a:endParaRPr lang="fr-CH"/>
           </a:p>
@@ -3714,7 +3714,7 @@
         </p:nvSpPr>
         <p:spPr>
           <a:xfrm>
-            <a:off x="2338275" y="2833837"/>
+            <a:off x="2338138" y="1983660"/>
             <a:ext cx="654410" cy="369332"/>
           </a:xfrm>
           <a:prstGeom prst="rect">
@@ -4949,7 +4949,7 @@
         </p:nvGrpSpPr>
         <p:grpSpPr>
           <a:xfrm>
-            <a:off x="9031349" y="2994060"/>
+            <a:off x="9039946" y="2759841"/>
             <a:ext cx="658554" cy="126781"/>
             <a:chOff x="7640514" y="2212828"/>
             <a:chExt cx="990028" cy="188536"/>
@@ -5164,7 +5164,7 @@
         </p:nvGrpSpPr>
         <p:grpSpPr>
           <a:xfrm>
-            <a:off x="9049584" y="3387906"/>
+            <a:off x="9049202" y="3442934"/>
             <a:ext cx="658556" cy="118015"/>
             <a:chOff x="7701483" y="2472628"/>
             <a:chExt cx="990030" cy="188536"/>
@@ -5379,7 +5379,7 @@
         </p:nvGrpSpPr>
         <p:grpSpPr>
           <a:xfrm>
-            <a:off x="9039946" y="4229516"/>
+            <a:off x="9039564" y="4266256"/>
             <a:ext cx="658554" cy="118015"/>
             <a:chOff x="7682980" y="3100476"/>
             <a:chExt cx="990028" cy="188537"/>
@@ -5594,7 +5594,7 @@
         </p:nvGrpSpPr>
         <p:grpSpPr>
           <a:xfrm>
-            <a:off x="9039946" y="3808511"/>
+            <a:off x="9039564" y="3845251"/>
             <a:ext cx="658554" cy="118014"/>
             <a:chOff x="7686993" y="2780427"/>
             <a:chExt cx="990028" cy="188535"/>
@@ -5812,8 +5812,8 @@
         </p:nvCxnSpPr>
         <p:spPr>
           <a:xfrm>
-            <a:off x="9678822" y="3051177"/>
-            <a:ext cx="455968" cy="341397"/>
+            <a:off x="9697246" y="2819746"/>
+            <a:ext cx="437544" cy="572828"/>
           </a:xfrm>
           <a:prstGeom prst="line">
             <a:avLst/>
@@ -5856,8 +5856,8 @@
         </p:nvCxnSpPr>
         <p:spPr>
           <a:xfrm flipV="1">
-            <a:off x="9707541" y="3402692"/>
-            <a:ext cx="422795" cy="41184"/>
+            <a:off x="9707758" y="3402692"/>
+            <a:ext cx="422578" cy="99542"/>
           </a:xfrm>
           <a:prstGeom prst="line">
             <a:avLst/>
@@ -5900,8 +5900,8 @@
         </p:nvCxnSpPr>
         <p:spPr>
           <a:xfrm flipV="1">
-            <a:off x="9695618" y="3412810"/>
-            <a:ext cx="439172" cy="452576"/>
+            <a:off x="9701658" y="3412810"/>
+            <a:ext cx="433132" cy="485972"/>
           </a:xfrm>
           <a:prstGeom prst="line">
             <a:avLst/>
@@ -5944,8 +5944,8 @@
         </p:nvCxnSpPr>
         <p:spPr>
           <a:xfrm flipV="1">
-            <a:off x="9694309" y="3417001"/>
-            <a:ext cx="451233" cy="871520"/>
+            <a:off x="9692043" y="3417001"/>
+            <a:ext cx="453499" cy="910732"/>
           </a:xfrm>
           <a:prstGeom prst="line">
             <a:avLst/>
@@ -7967,8 +7967,8 @@
         </p:nvCxnSpPr>
         <p:spPr>
           <a:xfrm flipH="1">
-            <a:off x="7781751" y="4296508"/>
-            <a:ext cx="1262649" cy="1057677"/>
+            <a:off x="7781751" y="4333248"/>
+            <a:ext cx="1262267" cy="1020937"/>
           </a:xfrm>
           <a:prstGeom prst="line">
             <a:avLst/>
@@ -8013,8 +8013,8 @@
         </p:nvCxnSpPr>
         <p:spPr>
           <a:xfrm flipH="1">
-            <a:off x="7837049" y="3444780"/>
-            <a:ext cx="1212535" cy="301645"/>
+            <a:off x="7837049" y="3499809"/>
+            <a:ext cx="1212153" cy="246616"/>
           </a:xfrm>
           <a:prstGeom prst="line">
             <a:avLst/>
@@ -8052,14 +8052,13 @@
           </p:cNvPr>
           <p:cNvCxnSpPr>
             <a:cxnSpLocks/>
-            <a:stCxn id="275" idx="2"/>
           </p:cNvCxnSpPr>
           <p:nvPr/>
         </p:nvCxnSpPr>
         <p:spPr>
           <a:xfrm flipH="1" flipV="1">
-            <a:off x="6586204" y="3044483"/>
-            <a:ext cx="2445145" cy="10676"/>
+            <a:off x="6521086" y="2187697"/>
+            <a:ext cx="2532980" cy="616244"/>
           </a:xfrm>
           <a:prstGeom prst="line">
             <a:avLst/>
@@ -8120,7 +8119,7 @@
                   <a:schemeClr val="accent6"/>
                 </a:solidFill>
               </a:rPr>
-              <a:t>TCd5</a:t>
+              <a:t>TCd6</a:t>
             </a:r>
           </a:p>
         </p:txBody>
@@ -8221,8 +8220,8 @@
         </p:nvCxnSpPr>
         <p:spPr>
           <a:xfrm flipH="1">
-            <a:off x="7777297" y="3865386"/>
-            <a:ext cx="1262650" cy="634633"/>
+            <a:off x="7777297" y="3902126"/>
+            <a:ext cx="1262267" cy="597893"/>
           </a:xfrm>
           <a:prstGeom prst="line">
             <a:avLst/>
@@ -8283,7 +8282,7 @@
                   <a:schemeClr val="accent2"/>
                 </a:solidFill>
               </a:rPr>
-              <a:t>TCd6</a:t>
+              <a:t>TCd7</a:t>
             </a:r>
           </a:p>
         </p:txBody>
@@ -8371,8 +8370,8 @@
           </a:p>
         </p:txBody>
       </p:sp>
-      <mc:AlternateContent xmlns:mc="http://schemas.openxmlformats.org/markup-compatibility/2006" xmlns:a14="http://schemas.microsoft.com/office/drawing/2010/main">
-        <mc:Choice Requires="a14">
+      <mc:AlternateContent xmlns:mc="http://schemas.openxmlformats.org/markup-compatibility/2006">
+        <mc:Choice xmlns:a14="http://schemas.microsoft.com/office/drawing/2010/main" Requires="a14">
           <p:sp>
             <p:nvSpPr>
               <p:cNvPr id="31" name="ZoneTexte 30">
@@ -8387,7 +8386,7 @@
             </p:nvSpPr>
             <p:spPr>
               <a:xfrm>
-                <a:off x="3809488" y="3303747"/>
+                <a:off x="3809351" y="2453570"/>
                 <a:ext cx="341760" cy="230832"/>
               </a:xfrm>
               <a:prstGeom prst="rect">
@@ -8450,7 +8449,7 @@
             </p:txBody>
           </p:sp>
         </mc:Choice>
-        <mc:Fallback xmlns="">
+        <mc:Fallback>
           <p:sp>
             <p:nvSpPr>
               <p:cNvPr id="31" name="ZoneTexte 30">
@@ -8467,7 +8466,7 @@
             </p:nvSpPr>
             <p:spPr>
               <a:xfrm>
-                <a:off x="3809488" y="3303747"/>
+                <a:off x="3809351" y="2453570"/>
                 <a:ext cx="341760" cy="230832"/>
               </a:xfrm>
               <a:prstGeom prst="rect">
@@ -8476,7 +8475,7 @@
               <a:blipFill>
                 <a:blip r:embed="rId2"/>
                 <a:stretch>
-                  <a:fillRect/>
+                  <a:fillRect b="-2632"/>
                 </a:stretch>
               </a:blipFill>
             </p:spPr>
@@ -8485,7 +8484,7 @@
               <a:lstStyle/>
               <a:p>
                 <a:r>
-                  <a:rPr lang="fr-CH">
+                  <a:rPr lang="en-GB">
                     <a:noFill/>
                   </a:rPr>
                   <a:t> </a:t>
@@ -8495,8 +8494,8 @@
           </p:sp>
         </mc:Fallback>
       </mc:AlternateContent>
-      <mc:AlternateContent xmlns:mc="http://schemas.openxmlformats.org/markup-compatibility/2006" xmlns:a14="http://schemas.microsoft.com/office/drawing/2010/main">
-        <mc:Choice Requires="a14">
+      <mc:AlternateContent xmlns:mc="http://schemas.openxmlformats.org/markup-compatibility/2006">
+        <mc:Choice xmlns:a14="http://schemas.microsoft.com/office/drawing/2010/main" Requires="a14">
           <p:sp>
             <p:nvSpPr>
               <p:cNvPr id="388" name="ZoneTexte 387">
@@ -8511,7 +8510,7 @@
             </p:nvSpPr>
             <p:spPr>
               <a:xfrm>
-                <a:off x="6522508" y="2743264"/>
+                <a:off x="6522371" y="1893087"/>
                 <a:ext cx="325409" cy="230832"/>
               </a:xfrm>
               <a:prstGeom prst="rect">
@@ -8574,7 +8573,7 @@
             </p:txBody>
           </p:sp>
         </mc:Choice>
-        <mc:Fallback xmlns="">
+        <mc:Fallback>
           <p:sp>
             <p:nvSpPr>
               <p:cNvPr id="388" name="ZoneTexte 387">
@@ -8591,7 +8590,7 @@
             </p:nvSpPr>
             <p:spPr>
               <a:xfrm>
-                <a:off x="6522508" y="2743264"/>
+                <a:off x="6522371" y="1893087"/>
                 <a:ext cx="325409" cy="230832"/>
               </a:xfrm>
               <a:prstGeom prst="rect">
@@ -8600,7 +8599,7 @@
               <a:blipFill>
                 <a:blip r:embed="rId3"/>
                 <a:stretch>
-                  <a:fillRect b="-2632"/>
+                  <a:fillRect b="-2703"/>
                 </a:stretch>
               </a:blipFill>
             </p:spPr>
@@ -8609,7 +8608,7 @@
               <a:lstStyle/>
               <a:p>
                 <a:r>
-                  <a:rPr lang="fr-CH">
+                  <a:rPr lang="en-GB">
                     <a:noFill/>
                   </a:rPr>
                   <a:t> </a:t>
@@ -9022,7 +9021,7 @@
         </p:nvSpPr>
         <p:spPr>
           <a:xfrm>
-            <a:off x="9241162" y="3942350"/>
+            <a:off x="9240780" y="3979090"/>
             <a:ext cx="201632" cy="230832"/>
           </a:xfrm>
           <a:prstGeom prst="rect">
@@ -9045,7 +9044,7 @@
                   <a:schemeClr val="accent3"/>
                 </a:solidFill>
               </a:rPr>
-              <a:t>4</a:t>
+              <a:t>5</a:t>
             </a:r>
             <a:endParaRPr lang="en-GB" sz="900" dirty="0">
               <a:solidFill>
@@ -9071,7 +9070,7 @@
         </p:nvCxnSpPr>
         <p:spPr>
           <a:xfrm>
-            <a:off x="9241162" y="3970746"/>
+            <a:off x="9240780" y="4007486"/>
             <a:ext cx="299102" cy="0"/>
           </a:xfrm>
           <a:prstGeom prst="straightConnector1">
@@ -9110,7 +9109,7 @@
         </p:nvSpPr>
         <p:spPr>
           <a:xfrm>
-            <a:off x="9232128" y="4369618"/>
+            <a:off x="9231746" y="4406358"/>
             <a:ext cx="201632" cy="230832"/>
           </a:xfrm>
           <a:prstGeom prst="rect">
@@ -9133,7 +9132,7 @@
                   <a:schemeClr val="accent3"/>
                 </a:solidFill>
               </a:rPr>
-              <a:t>5</a:t>
+              <a:t>6</a:t>
             </a:r>
             <a:endParaRPr lang="en-GB" sz="900" dirty="0">
               <a:solidFill>
@@ -9159,7 +9158,7 @@
         </p:nvCxnSpPr>
         <p:spPr>
           <a:xfrm>
-            <a:off x="9232128" y="4398014"/>
+            <a:off x="9231746" y="4434754"/>
             <a:ext cx="299102" cy="0"/>
           </a:xfrm>
           <a:prstGeom prst="straightConnector1">
@@ -9198,7 +9197,7 @@
         </p:nvSpPr>
         <p:spPr>
           <a:xfrm>
-            <a:off x="9248551" y="3526072"/>
+            <a:off x="9248169" y="3581100"/>
             <a:ext cx="201632" cy="230832"/>
           </a:xfrm>
           <a:prstGeom prst="rect">
@@ -9216,18 +9215,13 @@
           <a:lstStyle/>
           <a:p>
             <a:r>
-              <a:rPr lang="en-US" sz="900" dirty="0">
+              <a:rPr lang="en-GB" sz="900" dirty="0">
                 <a:solidFill>
                   <a:schemeClr val="accent3"/>
                 </a:solidFill>
               </a:rPr>
-              <a:t>3</a:t>
+              <a:t>4</a:t>
             </a:r>
-            <a:endParaRPr lang="en-GB" sz="900" dirty="0">
-              <a:solidFill>
-                <a:schemeClr val="accent3"/>
-              </a:solidFill>
-            </a:endParaRPr>
           </a:p>
         </p:txBody>
       </p:sp>
@@ -9247,7 +9241,7 @@
         </p:nvCxnSpPr>
         <p:spPr>
           <a:xfrm>
-            <a:off x="9248551" y="3554468"/>
+            <a:off x="9224296" y="3598875"/>
             <a:ext cx="299102" cy="0"/>
           </a:xfrm>
           <a:prstGeom prst="straightConnector1">
@@ -9286,7 +9280,7 @@
         </p:nvSpPr>
         <p:spPr>
           <a:xfrm>
-            <a:off x="9225872" y="3137856"/>
+            <a:off x="9244294" y="2910750"/>
             <a:ext cx="201632" cy="230832"/>
           </a:xfrm>
           <a:prstGeom prst="rect">
@@ -9335,7 +9329,7 @@
         </p:nvCxnSpPr>
         <p:spPr>
           <a:xfrm>
-            <a:off x="9225872" y="3166252"/>
+            <a:off x="9234469" y="2932033"/>
             <a:ext cx="299102" cy="0"/>
           </a:xfrm>
           <a:prstGeom prst="straightConnector1">
@@ -9374,7 +9368,7 @@
         </p:nvSpPr>
         <p:spPr>
           <a:xfrm>
-            <a:off x="8931496" y="4248243"/>
+            <a:off x="8931114" y="4284983"/>
             <a:ext cx="236562" cy="230832"/>
           </a:xfrm>
           <a:prstGeom prst="rect">
@@ -9397,7 +9391,7 @@
                   <a:schemeClr val="accent3"/>
                 </a:solidFill>
               </a:rPr>
-              <a:t>6</a:t>
+              <a:t>7</a:t>
             </a:r>
             <a:endParaRPr lang="en-GB" sz="900" dirty="0">
               <a:solidFill>
@@ -9421,7 +9415,7 @@
         </p:nvSpPr>
         <p:spPr>
           <a:xfrm>
-            <a:off x="8934537" y="3825193"/>
+            <a:off x="8934155" y="3861933"/>
             <a:ext cx="236562" cy="230832"/>
           </a:xfrm>
           <a:prstGeom prst="rect">
@@ -9444,7 +9438,7 @@
                   <a:schemeClr val="accent3"/>
                 </a:solidFill>
               </a:rPr>
-              <a:t>5</a:t>
+              <a:t>6</a:t>
             </a:r>
           </a:p>
         </p:txBody>
@@ -9463,7 +9457,7 @@
         </p:nvSpPr>
         <p:spPr>
           <a:xfrm>
-            <a:off x="8949232" y="3400652"/>
+            <a:off x="8948850" y="3455680"/>
             <a:ext cx="236562" cy="230832"/>
           </a:xfrm>
           <a:prstGeom prst="rect">
@@ -9486,7 +9480,7 @@
                   <a:schemeClr val="accent3"/>
                 </a:solidFill>
               </a:rPr>
-              <a:t>4</a:t>
+              <a:t>5</a:t>
             </a:r>
             <a:endParaRPr lang="en-GB" sz="900" dirty="0">
               <a:solidFill>
@@ -9510,7 +9504,7 @@
         </p:nvSpPr>
         <p:spPr>
           <a:xfrm>
-            <a:off x="8927188" y="3019498"/>
+            <a:off x="8935785" y="2785279"/>
             <a:ext cx="236562" cy="230832"/>
           </a:xfrm>
           <a:prstGeom prst="rect">
@@ -9557,7 +9551,7 @@
         </p:nvSpPr>
         <p:spPr>
           <a:xfrm>
-            <a:off x="10039401" y="3200269"/>
+            <a:off x="10023946" y="3146202"/>
             <a:ext cx="236562" cy="230832"/>
           </a:xfrm>
           <a:prstGeom prst="rect">
@@ -10227,8 +10221,8 @@
           </a:fontRef>
         </p:style>
       </p:cxnSp>
-      <mc:AlternateContent xmlns:mc="http://schemas.openxmlformats.org/markup-compatibility/2006">
-        <mc:Choice xmlns:a14="http://schemas.microsoft.com/office/drawing/2010/main" Requires="a14">
+      <mc:AlternateContent xmlns:mc="http://schemas.openxmlformats.org/markup-compatibility/2006" xmlns:a14="http://schemas.microsoft.com/office/drawing/2010/main">
+        <mc:Choice Requires="a14">
           <p:sp>
             <p:nvSpPr>
               <p:cNvPr id="451" name="ZoneTexte 450">
@@ -10300,7 +10294,7 @@
             </p:txBody>
           </p:sp>
         </mc:Choice>
-        <mc:Fallback>
+        <mc:Fallback xmlns="">
           <p:sp>
             <p:nvSpPr>
               <p:cNvPr id="451" name="ZoneTexte 450">
@@ -10345,8 +10339,8 @@
           </p:sp>
         </mc:Fallback>
       </mc:AlternateContent>
-      <mc:AlternateContent xmlns:mc="http://schemas.openxmlformats.org/markup-compatibility/2006">
-        <mc:Choice xmlns:a14="http://schemas.microsoft.com/office/drawing/2010/main" Requires="a14">
+      <mc:AlternateContent xmlns:mc="http://schemas.openxmlformats.org/markup-compatibility/2006" xmlns:a14="http://schemas.microsoft.com/office/drawing/2010/main">
+        <mc:Choice Requires="a14">
           <p:sp>
             <p:nvSpPr>
               <p:cNvPr id="452" name="ZoneTexte 451">
@@ -10430,7 +10424,7 @@
             </p:txBody>
           </p:sp>
         </mc:Choice>
-        <mc:Fallback>
+        <mc:Fallback xmlns="">
           <p:sp>
             <p:nvSpPr>
               <p:cNvPr id="452" name="ZoneTexte 451">
@@ -10489,7 +10483,7 @@
         </p:nvGrpSpPr>
         <p:grpSpPr>
           <a:xfrm>
-            <a:off x="2967090" y="2712583"/>
+            <a:off x="2966953" y="1862406"/>
             <a:ext cx="3672414" cy="654714"/>
             <a:chOff x="2967090" y="1630338"/>
             <a:chExt cx="3672414" cy="654714"/>
@@ -15787,8 +15781,8 @@
             </a:p>
           </p:txBody>
         </p:sp>
-        <mc:AlternateContent xmlns:mc="http://schemas.openxmlformats.org/markup-compatibility/2006">
-          <mc:Choice xmlns:a14="http://schemas.microsoft.com/office/drawing/2010/main" Requires="a14">
+        <mc:AlternateContent xmlns:mc="http://schemas.openxmlformats.org/markup-compatibility/2006" xmlns:a14="http://schemas.microsoft.com/office/drawing/2010/main">
+          <mc:Choice Requires="a14">
             <p:sp>
               <p:nvSpPr>
                 <p:cNvPr id="425" name="ZoneTexte 424">
@@ -15860,7 +15854,7 @@
               </p:txBody>
             </p:sp>
           </mc:Choice>
-          <mc:Fallback>
+          <mc:Fallback xmlns="">
             <p:sp>
               <p:nvSpPr>
                 <p:cNvPr id="425" name="ZoneTexte 424">
@@ -15905,8 +15899,8 @@
             </p:sp>
           </mc:Fallback>
         </mc:AlternateContent>
-        <mc:AlternateContent xmlns:mc="http://schemas.openxmlformats.org/markup-compatibility/2006">
-          <mc:Choice xmlns:a14="http://schemas.microsoft.com/office/drawing/2010/main" Requires="a14">
+        <mc:AlternateContent xmlns:mc="http://schemas.openxmlformats.org/markup-compatibility/2006" xmlns:a14="http://schemas.microsoft.com/office/drawing/2010/main">
+          <mc:Choice Requires="a14">
             <p:sp>
               <p:nvSpPr>
                 <p:cNvPr id="426" name="ZoneTexte 425">
@@ -15984,7 +15978,7 @@
               </p:txBody>
             </p:sp>
           </mc:Choice>
-          <mc:Fallback>
+          <mc:Fallback xmlns="">
             <p:sp>
               <p:nvSpPr>
                 <p:cNvPr id="426" name="ZoneTexte 425">
@@ -16029,8 +16023,8 @@
             </p:sp>
           </mc:Fallback>
         </mc:AlternateContent>
-        <mc:AlternateContent xmlns:mc="http://schemas.openxmlformats.org/markup-compatibility/2006">
-          <mc:Choice xmlns:a14="http://schemas.microsoft.com/office/drawing/2010/main" Requires="a14">
+        <mc:AlternateContent xmlns:mc="http://schemas.openxmlformats.org/markup-compatibility/2006" xmlns:a14="http://schemas.microsoft.com/office/drawing/2010/main">
+          <mc:Choice Requires="a14">
             <p:sp>
               <p:nvSpPr>
                 <p:cNvPr id="428" name="ZoneTexte 427">
@@ -16108,7 +16102,7 @@
               </p:txBody>
             </p:sp>
           </mc:Choice>
-          <mc:Fallback>
+          <mc:Fallback xmlns="">
             <p:sp>
               <p:nvSpPr>
                 <p:cNvPr id="428" name="ZoneTexte 427">
@@ -16705,7 +16699,7 @@
         </p:nvGrpSpPr>
         <p:grpSpPr>
           <a:xfrm>
-            <a:off x="2966695" y="1617086"/>
+            <a:off x="2966184" y="1038009"/>
             <a:ext cx="3673183" cy="654714"/>
             <a:chOff x="2967090" y="1630338"/>
             <a:chExt cx="3673183" cy="654714"/>
@@ -20169,7 +20163,7 @@
         </p:nvSpPr>
         <p:spPr>
           <a:xfrm>
-            <a:off x="2333209" y="1736660"/>
+            <a:off x="2332698" y="1157583"/>
             <a:ext cx="654410" cy="369332"/>
           </a:xfrm>
           <a:prstGeom prst="rect">
@@ -20208,7 +20202,7 @@
         </p:nvGrpSpPr>
         <p:grpSpPr>
           <a:xfrm>
-            <a:off x="2966695" y="508872"/>
+            <a:off x="2966184" y="201016"/>
             <a:ext cx="3668806" cy="654714"/>
             <a:chOff x="2967090" y="1630338"/>
             <a:chExt cx="3668806" cy="654714"/>
@@ -23672,7 +23666,7 @@
         </p:nvSpPr>
         <p:spPr>
           <a:xfrm>
-            <a:off x="2333209" y="657238"/>
+            <a:off x="2332698" y="349382"/>
             <a:ext cx="654410" cy="369332"/>
           </a:xfrm>
           <a:prstGeom prst="rect">
@@ -23697,8 +23691,8 @@
           </a:p>
         </p:txBody>
       </p:sp>
-      <mc:AlternateContent xmlns:mc="http://schemas.openxmlformats.org/markup-compatibility/2006" xmlns:a14="http://schemas.microsoft.com/office/drawing/2010/main">
-        <mc:Choice Requires="a14">
+      <mc:AlternateContent xmlns:mc="http://schemas.openxmlformats.org/markup-compatibility/2006">
+        <mc:Choice xmlns:a14="http://schemas.microsoft.com/office/drawing/2010/main" Requires="a14">
           <p:sp>
             <p:nvSpPr>
               <p:cNvPr id="843" name="ZoneTexte 842">
@@ -23713,7 +23707,7 @@
             </p:nvSpPr>
             <p:spPr>
               <a:xfrm>
-                <a:off x="6495436" y="1651593"/>
+                <a:off x="6494925" y="1072516"/>
                 <a:ext cx="325409" cy="230832"/>
               </a:xfrm>
               <a:prstGeom prst="rect">
@@ -23776,7 +23770,7 @@
             </p:txBody>
           </p:sp>
         </mc:Choice>
-        <mc:Fallback xmlns="">
+        <mc:Fallback>
           <p:sp>
             <p:nvSpPr>
               <p:cNvPr id="843" name="ZoneTexte 842">
@@ -23793,7 +23787,7 @@
             </p:nvSpPr>
             <p:spPr>
               <a:xfrm>
-                <a:off x="6495436" y="1651593"/>
+                <a:off x="6494925" y="1072516"/>
                 <a:ext cx="325409" cy="230832"/>
               </a:xfrm>
               <a:prstGeom prst="rect">
@@ -23811,7 +23805,7 @@
               <a:lstStyle/>
               <a:p>
                 <a:r>
-                  <a:rPr lang="fr-CH">
+                  <a:rPr lang="en-GB">
                     <a:noFill/>
                   </a:rPr>
                   <a:t> </a:t>
@@ -23821,8 +23815,8 @@
           </p:sp>
         </mc:Fallback>
       </mc:AlternateContent>
-      <mc:AlternateContent xmlns:mc="http://schemas.openxmlformats.org/markup-compatibility/2006" xmlns:a14="http://schemas.microsoft.com/office/drawing/2010/main">
-        <mc:Choice Requires="a14">
+      <mc:AlternateContent xmlns:mc="http://schemas.openxmlformats.org/markup-compatibility/2006">
+        <mc:Choice xmlns:a14="http://schemas.microsoft.com/office/drawing/2010/main" Requires="a14">
           <p:sp>
             <p:nvSpPr>
               <p:cNvPr id="844" name="ZoneTexte 843">
@@ -23837,7 +23831,7 @@
             </p:nvSpPr>
             <p:spPr>
               <a:xfrm>
-                <a:off x="6503969" y="566447"/>
+                <a:off x="6503458" y="258591"/>
                 <a:ext cx="325409" cy="230832"/>
               </a:xfrm>
               <a:prstGeom prst="rect">
@@ -23900,7 +23894,7 @@
             </p:txBody>
           </p:sp>
         </mc:Choice>
-        <mc:Fallback xmlns="">
+        <mc:Fallback>
           <p:sp>
             <p:nvSpPr>
               <p:cNvPr id="844" name="ZoneTexte 843">
@@ -23917,16 +23911,16 @@
             </p:nvSpPr>
             <p:spPr>
               <a:xfrm>
-                <a:off x="6503969" y="566447"/>
+                <a:off x="6503458" y="258591"/>
                 <a:ext cx="325409" cy="230832"/>
               </a:xfrm>
               <a:prstGeom prst="rect">
                 <a:avLst/>
               </a:prstGeom>
               <a:blipFill>
-                <a:blip r:embed="rId12"/>
+                <a:blip r:embed="rId13"/>
                 <a:stretch>
-                  <a:fillRect/>
+                  <a:fillRect b="-2632"/>
                 </a:stretch>
               </a:blipFill>
             </p:spPr>
@@ -23935,7 +23929,7 @@
               <a:lstStyle/>
               <a:p>
                 <a:r>
-                  <a:rPr lang="fr-CH">
+                  <a:rPr lang="en-GB">
                     <a:noFill/>
                   </a:rPr>
                   <a:t> </a:t>
@@ -23959,7 +23953,7 @@
         </p:nvGrpSpPr>
         <p:grpSpPr>
           <a:xfrm>
-            <a:off x="9035755" y="2660330"/>
+            <a:off x="9044352" y="2426111"/>
             <a:ext cx="658554" cy="118015"/>
             <a:chOff x="7640514" y="2212828"/>
             <a:chExt cx="990028" cy="188536"/>
@@ -24174,7 +24168,7 @@
         </p:nvSpPr>
         <p:spPr>
           <a:xfrm>
-            <a:off x="9230278" y="2795360"/>
+            <a:off x="9238875" y="2561141"/>
             <a:ext cx="201632" cy="230832"/>
           </a:xfrm>
           <a:prstGeom prst="rect">
@@ -24223,7 +24217,7 @@
         </p:nvCxnSpPr>
         <p:spPr>
           <a:xfrm>
-            <a:off x="9230278" y="2823756"/>
+            <a:off x="9238875" y="2589537"/>
             <a:ext cx="299102" cy="0"/>
           </a:xfrm>
           <a:prstGeom prst="straightConnector1">
@@ -24262,7 +24256,7 @@
         </p:nvSpPr>
         <p:spPr>
           <a:xfrm>
-            <a:off x="8938974" y="2679431"/>
+            <a:off x="8947571" y="2445212"/>
             <a:ext cx="236562" cy="230832"/>
           </a:xfrm>
           <a:prstGeom prst="rect">
@@ -24309,7 +24303,7 @@
         </p:nvGrpSpPr>
         <p:grpSpPr>
           <a:xfrm>
-            <a:off x="9035755" y="2284232"/>
+            <a:off x="9044352" y="2050013"/>
             <a:ext cx="658554" cy="118015"/>
             <a:chOff x="7640514" y="2212828"/>
             <a:chExt cx="990028" cy="188536"/>
@@ -24524,7 +24518,7 @@
         </p:nvSpPr>
         <p:spPr>
           <a:xfrm>
-            <a:off x="9230278" y="2419262"/>
+            <a:off x="9238875" y="2185043"/>
             <a:ext cx="201632" cy="230832"/>
           </a:xfrm>
           <a:prstGeom prst="rect">
@@ -24573,7 +24567,7 @@
         </p:nvCxnSpPr>
         <p:spPr>
           <a:xfrm>
-            <a:off x="9230278" y="2447658"/>
+            <a:off x="9238875" y="2213439"/>
             <a:ext cx="299102" cy="0"/>
           </a:xfrm>
           <a:prstGeom prst="straightConnector1">
@@ -24612,7 +24606,7 @@
         </p:nvSpPr>
         <p:spPr>
           <a:xfrm>
-            <a:off x="8932765" y="2367194"/>
+            <a:off x="8941362" y="2132975"/>
             <a:ext cx="236562" cy="230832"/>
           </a:xfrm>
           <a:prstGeom prst="rect">
@@ -24662,8 +24656,8 @@
         </p:nvCxnSpPr>
         <p:spPr>
           <a:xfrm>
-            <a:off x="9686425" y="2716793"/>
-            <a:ext cx="448365" cy="675781"/>
+            <a:off x="9702560" y="2480562"/>
+            <a:ext cx="432230" cy="912012"/>
           </a:xfrm>
           <a:prstGeom prst="line">
             <a:avLst/>
@@ -24706,8 +24700,8 @@
         </p:nvCxnSpPr>
         <p:spPr>
           <a:xfrm>
-            <a:off x="9687502" y="2345059"/>
-            <a:ext cx="447288" cy="1047515"/>
+            <a:off x="9707129" y="2106476"/>
+            <a:ext cx="427661" cy="1286098"/>
           </a:xfrm>
           <a:prstGeom prst="line">
             <a:avLst/>
@@ -24751,8 +24745,8 @@
         </p:nvCxnSpPr>
         <p:spPr>
           <a:xfrm flipH="1" flipV="1">
-            <a:off x="6534358" y="1941698"/>
-            <a:ext cx="2505851" cy="765389"/>
+            <a:off x="6533847" y="1362621"/>
+            <a:ext cx="2514959" cy="1110247"/>
           </a:xfrm>
           <a:prstGeom prst="line">
             <a:avLst/>
@@ -24797,8 +24791,8 @@
         </p:nvCxnSpPr>
         <p:spPr>
           <a:xfrm flipH="1" flipV="1">
-            <a:off x="6534358" y="833484"/>
-            <a:ext cx="2505851" cy="1497505"/>
+            <a:off x="6533847" y="525628"/>
+            <a:ext cx="2514959" cy="1571142"/>
           </a:xfrm>
           <a:prstGeom prst="line">
             <a:avLst/>
@@ -24825,8 +24819,8 @@
           </a:fontRef>
         </p:style>
       </p:cxnSp>
-      <mc:AlternateContent xmlns:mc="http://schemas.openxmlformats.org/markup-compatibility/2006" xmlns:a14="http://schemas.microsoft.com/office/drawing/2010/main">
-        <mc:Choice Requires="a14">
+      <mc:AlternateContent xmlns:mc="http://schemas.openxmlformats.org/markup-compatibility/2006">
+        <mc:Choice xmlns:a14="http://schemas.microsoft.com/office/drawing/2010/main" Requires="a14">
           <p:sp>
             <p:nvSpPr>
               <p:cNvPr id="574" name="ZoneTexte 573">
@@ -24841,7 +24835,7 @@
             </p:nvSpPr>
             <p:spPr>
               <a:xfrm>
-                <a:off x="3854913" y="2214022"/>
+                <a:off x="3854402" y="1634945"/>
                 <a:ext cx="341760" cy="230832"/>
               </a:xfrm>
               <a:prstGeom prst="rect">
@@ -24904,7 +24898,7 @@
             </p:txBody>
           </p:sp>
         </mc:Choice>
-        <mc:Fallback xmlns="">
+        <mc:Fallback>
           <p:sp>
             <p:nvSpPr>
               <p:cNvPr id="574" name="ZoneTexte 573">
@@ -24921,14 +24915,14 @@
             </p:nvSpPr>
             <p:spPr>
               <a:xfrm>
-                <a:off x="3854913" y="2214022"/>
+                <a:off x="3854402" y="1634945"/>
                 <a:ext cx="341760" cy="230832"/>
               </a:xfrm>
               <a:prstGeom prst="rect">
                 <a:avLst/>
               </a:prstGeom>
               <a:blipFill>
-                <a:blip r:embed="rId13"/>
+                <a:blip r:embed="rId2"/>
                 <a:stretch>
                   <a:fillRect b="-2632"/>
                 </a:stretch>
@@ -24939,7 +24933,7 @@
               <a:lstStyle/>
               <a:p>
                 <a:r>
-                  <a:rPr lang="fr-CH">
+                  <a:rPr lang="en-GB">
                     <a:noFill/>
                   </a:rPr>
                   <a:t> </a:t>
@@ -24949,8 +24943,8 @@
           </p:sp>
         </mc:Fallback>
       </mc:AlternateContent>
-      <mc:AlternateContent xmlns:mc="http://schemas.openxmlformats.org/markup-compatibility/2006" xmlns:a14="http://schemas.microsoft.com/office/drawing/2010/main">
-        <mc:Choice Requires="a14">
+      <mc:AlternateContent xmlns:mc="http://schemas.openxmlformats.org/markup-compatibility/2006">
+        <mc:Choice xmlns:a14="http://schemas.microsoft.com/office/drawing/2010/main" Requires="a14">
           <p:sp>
             <p:nvSpPr>
               <p:cNvPr id="758" name="ZoneTexte 757">
@@ -24965,7 +24959,7 @@
             </p:nvSpPr>
             <p:spPr>
               <a:xfrm>
-                <a:off x="3839695" y="1093416"/>
+                <a:off x="3839184" y="785560"/>
                 <a:ext cx="341760" cy="230832"/>
               </a:xfrm>
               <a:prstGeom prst="rect">
@@ -25028,7 +25022,7 @@
             </p:txBody>
           </p:sp>
         </mc:Choice>
-        <mc:Fallback xmlns="">
+        <mc:Fallback>
           <p:sp>
             <p:nvSpPr>
               <p:cNvPr id="758" name="ZoneTexte 757">
@@ -25045,16 +25039,16 @@
             </p:nvSpPr>
             <p:spPr>
               <a:xfrm>
-                <a:off x="3839695" y="1093416"/>
+                <a:off x="3839184" y="785560"/>
                 <a:ext cx="341760" cy="230832"/>
               </a:xfrm>
               <a:prstGeom prst="rect">
                 <a:avLst/>
               </a:prstGeom>
               <a:blipFill>
-                <a:blip r:embed="rId13"/>
+                <a:blip r:embed="rId14"/>
                 <a:stretch>
-                  <a:fillRect b="-2632"/>
+                  <a:fillRect/>
                 </a:stretch>
               </a:blipFill>
             </p:spPr>
@@ -25063,7 +25057,7 @@
               <a:lstStyle/>
               <a:p>
                 <a:r>
-                  <a:rPr lang="fr-CH">
+                  <a:rPr lang="en-GB">
                     <a:noFill/>
                   </a:rPr>
                   <a:t> </a:t>
@@ -25130,7 +25124,7 @@
                     <a:schemeClr val="accent1"/>
                   </a:solidFill>
                 </a:rPr>
-                <a:t>TCd8</a:t>
+                <a:t>TCd9</a:t>
               </a:r>
             </a:p>
           </p:txBody>
@@ -27300,8 +27294,8 @@
             </a:p>
           </p:txBody>
         </p:sp>
-        <mc:AlternateContent xmlns:mc="http://schemas.openxmlformats.org/markup-compatibility/2006">
-          <mc:Choice xmlns:a14="http://schemas.microsoft.com/office/drawing/2010/main" Requires="a14">
+        <mc:AlternateContent xmlns:mc="http://schemas.openxmlformats.org/markup-compatibility/2006" xmlns:a14="http://schemas.microsoft.com/office/drawing/2010/main">
+          <mc:Choice Requires="a14">
             <p:sp>
               <p:nvSpPr>
                 <p:cNvPr id="781" name="ZoneTexte 780">
@@ -27379,7 +27373,7 @@
               </p:txBody>
             </p:sp>
           </mc:Choice>
-          <mc:Fallback>
+          <mc:Fallback xmlns="">
             <p:sp>
               <p:nvSpPr>
                 <p:cNvPr id="781" name="ZoneTexte 780">
@@ -27403,7 +27397,7 @@
                   <a:avLst/>
                 </a:prstGeom>
                 <a:blipFill>
-                  <a:blip r:embed="rId14"/>
+                  <a:blip r:embed="rId15"/>
                   <a:stretch>
                     <a:fillRect b="-2632"/>
                   </a:stretch>
@@ -27424,8 +27418,8 @@
             </p:sp>
           </mc:Fallback>
         </mc:AlternateContent>
-        <mc:AlternateContent xmlns:mc="http://schemas.openxmlformats.org/markup-compatibility/2006">
-          <mc:Choice xmlns:a14="http://schemas.microsoft.com/office/drawing/2010/main" Requires="a14">
+        <mc:AlternateContent xmlns:mc="http://schemas.openxmlformats.org/markup-compatibility/2006" xmlns:a14="http://schemas.microsoft.com/office/drawing/2010/main">
+          <mc:Choice Requires="a14">
             <p:sp>
               <p:nvSpPr>
                 <p:cNvPr id="782" name="ZoneTexte 781">
@@ -27497,7 +27491,7 @@
               </p:txBody>
             </p:sp>
           </mc:Choice>
-          <mc:Fallback>
+          <mc:Fallback xmlns="">
             <p:sp>
               <p:nvSpPr>
                 <p:cNvPr id="782" name="ZoneTexte 781">
@@ -27521,7 +27515,7 @@
                   <a:avLst/>
                 </a:prstGeom>
                 <a:blipFill>
-                  <a:blip r:embed="rId15"/>
+                  <a:blip r:embed="rId16"/>
                   <a:stretch>
                     <a:fillRect l="-22727" r="-4545" b="-24000"/>
                   </a:stretch>
@@ -28289,7 +28283,7 @@
         </p:nvGrpSpPr>
         <p:grpSpPr>
           <a:xfrm>
-            <a:off x="9034846" y="4692004"/>
+            <a:off x="9034464" y="4728744"/>
             <a:ext cx="658554" cy="118015"/>
             <a:chOff x="7682980" y="3100476"/>
             <a:chExt cx="990028" cy="188537"/>
@@ -28504,7 +28498,7 @@
         </p:nvSpPr>
         <p:spPr>
           <a:xfrm>
-            <a:off x="9227028" y="4832106"/>
+            <a:off x="9226646" y="4868846"/>
             <a:ext cx="201632" cy="230832"/>
           </a:xfrm>
           <a:prstGeom prst="rect">
@@ -28527,7 +28521,7 @@
                   <a:schemeClr val="accent3"/>
                 </a:solidFill>
               </a:rPr>
-              <a:t>6</a:t>
+              <a:t>7</a:t>
             </a:r>
             <a:endParaRPr lang="en-GB" sz="900" dirty="0">
               <a:solidFill>
@@ -28553,7 +28547,7 @@
         </p:nvCxnSpPr>
         <p:spPr>
           <a:xfrm>
-            <a:off x="9227028" y="4860502"/>
+            <a:off x="9226646" y="4897242"/>
             <a:ext cx="299102" cy="0"/>
           </a:xfrm>
           <a:prstGeom prst="straightConnector1">
@@ -28592,7 +28586,7 @@
         </p:nvSpPr>
         <p:spPr>
           <a:xfrm>
-            <a:off x="8923765" y="4709930"/>
+            <a:off x="8923383" y="4746670"/>
             <a:ext cx="236562" cy="230832"/>
           </a:xfrm>
           <a:prstGeom prst="rect">
@@ -28610,18 +28604,13 @@
           <a:lstStyle/>
           <a:p>
             <a:r>
-              <a:rPr lang="en-US" sz="900" dirty="0">
+              <a:rPr lang="en-GB" sz="900" dirty="0">
                 <a:solidFill>
                   <a:schemeClr val="accent3"/>
                 </a:solidFill>
               </a:rPr>
-              <a:t>7</a:t>
+              <a:t>8</a:t>
             </a:r>
-            <a:endParaRPr lang="en-GB" sz="900" dirty="0">
-              <a:solidFill>
-                <a:schemeClr val="accent3"/>
-              </a:solidFill>
-            </a:endParaRPr>
           </a:p>
         </p:txBody>
       </p:sp>
@@ -30426,8 +30415,8 @@
             </a:p>
           </p:txBody>
         </p:sp>
-        <mc:AlternateContent xmlns:mc="http://schemas.openxmlformats.org/markup-compatibility/2006">
-          <mc:Choice xmlns:a14="http://schemas.microsoft.com/office/drawing/2010/main" Requires="a14">
+        <mc:AlternateContent xmlns:mc="http://schemas.openxmlformats.org/markup-compatibility/2006" xmlns:a14="http://schemas.microsoft.com/office/drawing/2010/main">
+          <mc:Choice Requires="a14">
             <p:sp>
               <p:nvSpPr>
                 <p:cNvPr id="869" name="ZoneTexte 868">
@@ -30499,7 +30488,7 @@
               </p:txBody>
             </p:sp>
           </mc:Choice>
-          <mc:Fallback>
+          <mc:Fallback xmlns="">
             <p:sp>
               <p:nvSpPr>
                 <p:cNvPr id="869" name="ZoneTexte 868">
@@ -30544,8 +30533,8 @@
             </p:sp>
           </mc:Fallback>
         </mc:AlternateContent>
-        <mc:AlternateContent xmlns:mc="http://schemas.openxmlformats.org/markup-compatibility/2006">
-          <mc:Choice xmlns:a14="http://schemas.microsoft.com/office/drawing/2010/main" Requires="a14">
+        <mc:AlternateContent xmlns:mc="http://schemas.openxmlformats.org/markup-compatibility/2006" xmlns:a14="http://schemas.microsoft.com/office/drawing/2010/main">
+          <mc:Choice Requires="a14">
             <p:sp>
               <p:nvSpPr>
                 <p:cNvPr id="870" name="ZoneTexte 869">
@@ -30623,7 +30612,7 @@
               </p:txBody>
             </p:sp>
           </mc:Choice>
-          <mc:Fallback>
+          <mc:Fallback xmlns="">
             <p:sp>
               <p:nvSpPr>
                 <p:cNvPr id="870" name="ZoneTexte 869">
@@ -30647,7 +30636,7 @@
                   <a:avLst/>
                 </a:prstGeom>
                 <a:blipFill>
-                  <a:blip r:embed="rId14"/>
+                  <a:blip r:embed="rId15"/>
                   <a:stretch>
                     <a:fillRect b="-2632"/>
                   </a:stretch>
@@ -30668,8 +30657,8 @@
             </p:sp>
           </mc:Fallback>
         </mc:AlternateContent>
-        <mc:AlternateContent xmlns:mc="http://schemas.openxmlformats.org/markup-compatibility/2006">
-          <mc:Choice xmlns:a14="http://schemas.microsoft.com/office/drawing/2010/main" Requires="a14">
+        <mc:AlternateContent xmlns:mc="http://schemas.openxmlformats.org/markup-compatibility/2006" xmlns:a14="http://schemas.microsoft.com/office/drawing/2010/main">
+          <mc:Choice Requires="a14">
             <p:sp>
               <p:nvSpPr>
                 <p:cNvPr id="871" name="ZoneTexte 870">
@@ -30747,7 +30736,7 @@
               </p:txBody>
             </p:sp>
           </mc:Choice>
-          <mc:Fallback>
+          <mc:Fallback xmlns="">
             <p:sp>
               <p:nvSpPr>
                 <p:cNvPr id="871" name="ZoneTexte 870">
@@ -30771,7 +30760,7 @@
                   <a:avLst/>
                 </a:prstGeom>
                 <a:blipFill>
-                  <a:blip r:embed="rId16"/>
+                  <a:blip r:embed="rId17"/>
                   <a:stretch>
                     <a:fillRect/>
                   </a:stretch>
@@ -31301,8 +31290,8 @@
         </p:nvCxnSpPr>
         <p:spPr>
           <a:xfrm flipH="1">
-            <a:off x="7777297" y="4748878"/>
-            <a:ext cx="1257549" cy="1604019"/>
+            <a:off x="7777297" y="4785618"/>
+            <a:ext cx="1257167" cy="1567279"/>
           </a:xfrm>
           <a:prstGeom prst="line">
             <a:avLst/>
@@ -31346,8 +31335,8 @@
         </p:nvCxnSpPr>
         <p:spPr>
           <a:xfrm flipV="1">
-            <a:off x="9687983" y="3417001"/>
-            <a:ext cx="457559" cy="1334010"/>
+            <a:off x="9701658" y="3417001"/>
+            <a:ext cx="443884" cy="1363289"/>
           </a:xfrm>
           <a:prstGeom prst="line">
             <a:avLst/>
@@ -31407,11 +31396,4201 @@
                   <a:schemeClr val="accent2"/>
                 </a:solidFill>
               </a:rPr>
-              <a:t>TCd7</a:t>
+              <a:t>TCd8</a:t>
             </a:r>
           </a:p>
         </p:txBody>
       </p:sp>
+      <p:sp>
+        <p:nvSpPr>
+          <p:cNvPr id="696" name="ZoneTexte 615">
+            <a:extLst>
+              <a:ext uri="{FF2B5EF4-FFF2-40B4-BE49-F238E27FC236}">
+                <a16:creationId xmlns:a16="http://schemas.microsoft.com/office/drawing/2014/main" id="{A8F056A5-5B69-479B-866C-13AD1C944E78}"/>
+              </a:ext>
+            </a:extLst>
+          </p:cNvPr>
+          <p:cNvSpPr txBox="1"/>
+          <p:nvPr/>
+        </p:nvSpPr>
+        <p:spPr>
+          <a:xfrm>
+            <a:off x="2330917" y="2835000"/>
+            <a:ext cx="654410" cy="369332"/>
+          </a:xfrm>
+          <a:prstGeom prst="rect">
+            <a:avLst/>
+          </a:prstGeom>
+          <a:noFill/>
+        </p:spPr>
+        <p:txBody>
+          <a:bodyPr wrap="none" rtlCol="0">
+            <a:spAutoFit/>
+          </a:bodyPr>
+          <a:lstStyle/>
+          <a:p>
+            <a:r>
+              <a:rPr lang="fr-CH" dirty="0">
+                <a:solidFill>
+                  <a:srgbClr val="FF0000"/>
+                </a:solidFill>
+              </a:rPr>
+              <a:t>TCd5</a:t>
+            </a:r>
+          </a:p>
+        </p:txBody>
+      </p:sp>
+      <mc:AlternateContent xmlns:mc="http://schemas.openxmlformats.org/markup-compatibility/2006">
+        <mc:Choice xmlns:a14="http://schemas.microsoft.com/office/drawing/2010/main" Requires="a14">
+          <p:sp>
+            <p:nvSpPr>
+              <p:cNvPr id="697" name="ZoneTexte 30">
+                <a:extLst>
+                  <a:ext uri="{FF2B5EF4-FFF2-40B4-BE49-F238E27FC236}">
+                    <a16:creationId xmlns:a16="http://schemas.microsoft.com/office/drawing/2014/main" id="{F15874A6-AB0C-4612-BD33-89B96E830525}"/>
+                  </a:ext>
+                </a:extLst>
+              </p:cNvPr>
+              <p:cNvSpPr txBox="1"/>
+              <p:nvPr/>
+            </p:nvSpPr>
+            <p:spPr>
+              <a:xfrm>
+                <a:off x="3802130" y="3304910"/>
+                <a:ext cx="341760" cy="230832"/>
+              </a:xfrm>
+              <a:prstGeom prst="rect">
+                <a:avLst/>
+              </a:prstGeom>
+              <a:noFill/>
+            </p:spPr>
+            <p:txBody>
+              <a:bodyPr wrap="none" rtlCol="0">
+                <a:spAutoFit/>
+              </a:bodyPr>
+              <a:lstStyle/>
+              <a:p>
+                <a:pPr/>
+                <a14:m>
+                  <m:oMathPara xmlns:m="http://schemas.openxmlformats.org/officeDocument/2006/math">
+                    <m:oMathParaPr>
+                      <m:jc m:val="centerGroup"/>
+                    </m:oMathParaPr>
+                    <m:oMath xmlns:m="http://schemas.openxmlformats.org/officeDocument/2006/math">
+                      <m:sSub>
+                        <m:sSubPr>
+                          <m:ctrlPr>
+                            <a:rPr lang="fr-CH" sz="900" i="1" smtClean="0">
+                              <a:solidFill>
+                                <a:schemeClr val="tx1"/>
+                              </a:solidFill>
+                              <a:latin typeface="Cambria Math" panose="02040503050406030204" pitchFamily="18" charset="0"/>
+                            </a:rPr>
+                          </m:ctrlPr>
+                        </m:sSubPr>
+                        <m:e>
+                          <m:r>
+                            <a:rPr lang="fr-CH" sz="900" i="1" smtClean="0">
+                              <a:solidFill>
+                                <a:schemeClr val="tx1"/>
+                              </a:solidFill>
+                              <a:latin typeface="Cambria Math" panose="02040503050406030204" pitchFamily="18" charset="0"/>
+                            </a:rPr>
+                            <m:t>𝜙</m:t>
+                          </m:r>
+                        </m:e>
+                        <m:sub>
+                          <m:r>
+                            <a:rPr lang="fr-CH" sz="900" i="1" smtClean="0">
+                              <a:solidFill>
+                                <a:schemeClr val="tx1"/>
+                              </a:solidFill>
+                              <a:latin typeface="Cambria Math" panose="02040503050406030204" pitchFamily="18" charset="0"/>
+                            </a:rPr>
+                            <m:t>0</m:t>
+                          </m:r>
+                        </m:sub>
+                      </m:sSub>
+                    </m:oMath>
+                  </m:oMathPara>
+                </a14:m>
+                <a:endParaRPr lang="fr-CH" sz="900" dirty="0"/>
+              </a:p>
+            </p:txBody>
+          </p:sp>
+        </mc:Choice>
+        <mc:Fallback>
+          <p:sp>
+            <p:nvSpPr>
+              <p:cNvPr id="697" name="ZoneTexte 30">
+                <a:extLst>
+                  <a:ext uri="{FF2B5EF4-FFF2-40B4-BE49-F238E27FC236}">
+                    <a16:creationId xmlns:a16="http://schemas.microsoft.com/office/drawing/2014/main" id="{F15874A6-AB0C-4612-BD33-89B96E830525}"/>
+                  </a:ext>
+                </a:extLst>
+              </p:cNvPr>
+              <p:cNvSpPr txBox="1">
+                <a:spLocks noRot="1" noChangeAspect="1" noMove="1" noResize="1" noEditPoints="1" noAdjustHandles="1" noChangeArrowheads="1" noChangeShapeType="1" noTextEdit="1"/>
+              </p:cNvSpPr>
+              <p:nvPr/>
+            </p:nvSpPr>
+            <p:spPr>
+              <a:xfrm>
+                <a:off x="3802130" y="3304910"/>
+                <a:ext cx="341760" cy="230832"/>
+              </a:xfrm>
+              <a:prstGeom prst="rect">
+                <a:avLst/>
+              </a:prstGeom>
+              <a:blipFill>
+                <a:blip r:embed="rId8"/>
+                <a:stretch>
+                  <a:fillRect b="-2632"/>
+                </a:stretch>
+              </a:blipFill>
+            </p:spPr>
+            <p:txBody>
+              <a:bodyPr/>
+              <a:lstStyle/>
+              <a:p>
+                <a:r>
+                  <a:rPr lang="en-GB">
+                    <a:noFill/>
+                  </a:rPr>
+                  <a:t> </a:t>
+                </a:r>
+              </a:p>
+            </p:txBody>
+          </p:sp>
+        </mc:Fallback>
+      </mc:AlternateContent>
+      <mc:AlternateContent xmlns:mc="http://schemas.openxmlformats.org/markup-compatibility/2006">
+        <mc:Choice xmlns:a14="http://schemas.microsoft.com/office/drawing/2010/main" Requires="a14">
+          <p:sp>
+            <p:nvSpPr>
+              <p:cNvPr id="698" name="ZoneTexte 387">
+                <a:extLst>
+                  <a:ext uri="{FF2B5EF4-FFF2-40B4-BE49-F238E27FC236}">
+                    <a16:creationId xmlns:a16="http://schemas.microsoft.com/office/drawing/2014/main" id="{5827AA54-698E-43EA-85F6-4BF6CE079C06}"/>
+                  </a:ext>
+                </a:extLst>
+              </p:cNvPr>
+              <p:cNvSpPr txBox="1"/>
+              <p:nvPr/>
+            </p:nvSpPr>
+            <p:spPr>
+              <a:xfrm>
+                <a:off x="6515150" y="2744427"/>
+                <a:ext cx="325409" cy="230832"/>
+              </a:xfrm>
+              <a:prstGeom prst="rect">
+                <a:avLst/>
+              </a:prstGeom>
+              <a:noFill/>
+            </p:spPr>
+            <p:txBody>
+              <a:bodyPr wrap="none" rtlCol="0">
+                <a:spAutoFit/>
+              </a:bodyPr>
+              <a:lstStyle/>
+              <a:p>
+                <a:pPr/>
+                <a14:m>
+                  <m:oMathPara xmlns:m="http://schemas.openxmlformats.org/officeDocument/2006/math">
+                    <m:oMathParaPr>
+                      <m:jc m:val="centerGroup"/>
+                    </m:oMathParaPr>
+                    <m:oMath xmlns:m="http://schemas.openxmlformats.org/officeDocument/2006/math">
+                      <m:sSub>
+                        <m:sSubPr>
+                          <m:ctrlPr>
+                            <a:rPr lang="fr-CH" sz="900" i="1" smtClean="0">
+                              <a:solidFill>
+                                <a:schemeClr val="tx1"/>
+                              </a:solidFill>
+                              <a:latin typeface="Cambria Math" panose="02040503050406030204" pitchFamily="18" charset="0"/>
+                            </a:rPr>
+                          </m:ctrlPr>
+                        </m:sSubPr>
+                        <m:e>
+                          <m:r>
+                            <a:rPr lang="fr-CH" sz="900" i="1" smtClean="0">
+                              <a:solidFill>
+                                <a:schemeClr val="tx1"/>
+                              </a:solidFill>
+                              <a:latin typeface="Cambria Math" panose="02040503050406030204" pitchFamily="18" charset="0"/>
+                            </a:rPr>
+                            <m:t>𝜙</m:t>
+                          </m:r>
+                        </m:e>
+                        <m:sub>
+                          <m:r>
+                            <a:rPr lang="en-GB" sz="900" b="0" i="1" smtClean="0">
+                              <a:solidFill>
+                                <a:schemeClr val="tx1"/>
+                              </a:solidFill>
+                              <a:latin typeface="Cambria Math" panose="02040503050406030204" pitchFamily="18" charset="0"/>
+                            </a:rPr>
+                            <m:t>𝑖</m:t>
+                          </m:r>
+                        </m:sub>
+                      </m:sSub>
+                    </m:oMath>
+                  </m:oMathPara>
+                </a14:m>
+                <a:endParaRPr lang="fr-CH" sz="900" dirty="0"/>
+              </a:p>
+            </p:txBody>
+          </p:sp>
+        </mc:Choice>
+        <mc:Fallback>
+          <p:sp>
+            <p:nvSpPr>
+              <p:cNvPr id="698" name="ZoneTexte 387">
+                <a:extLst>
+                  <a:ext uri="{FF2B5EF4-FFF2-40B4-BE49-F238E27FC236}">
+                    <a16:creationId xmlns:a16="http://schemas.microsoft.com/office/drawing/2014/main" id="{5827AA54-698E-43EA-85F6-4BF6CE079C06}"/>
+                  </a:ext>
+                </a:extLst>
+              </p:cNvPr>
+              <p:cNvSpPr txBox="1">
+                <a:spLocks noRot="1" noChangeAspect="1" noMove="1" noResize="1" noEditPoints="1" noAdjustHandles="1" noChangeArrowheads="1" noChangeShapeType="1" noTextEdit="1"/>
+              </p:cNvSpPr>
+              <p:nvPr/>
+            </p:nvSpPr>
+            <p:spPr>
+              <a:xfrm>
+                <a:off x="6515150" y="2744427"/>
+                <a:ext cx="325409" cy="230832"/>
+              </a:xfrm>
+              <a:prstGeom prst="rect">
+                <a:avLst/>
+              </a:prstGeom>
+              <a:blipFill>
+                <a:blip r:embed="rId13"/>
+                <a:stretch>
+                  <a:fillRect b="-2632"/>
+                </a:stretch>
+              </a:blipFill>
+            </p:spPr>
+            <p:txBody>
+              <a:bodyPr/>
+              <a:lstStyle/>
+              <a:p>
+                <a:r>
+                  <a:rPr lang="en-GB">
+                    <a:noFill/>
+                  </a:rPr>
+                  <a:t> </a:t>
+                </a:r>
+              </a:p>
+            </p:txBody>
+          </p:sp>
+        </mc:Fallback>
+      </mc:AlternateContent>
+      <p:grpSp>
+        <p:nvGrpSpPr>
+          <p:cNvPr id="699" name="Groupe 1">
+            <a:extLst>
+              <a:ext uri="{FF2B5EF4-FFF2-40B4-BE49-F238E27FC236}">
+                <a16:creationId xmlns:a16="http://schemas.microsoft.com/office/drawing/2014/main" id="{8B24FF58-4D17-4E72-A4CF-095DB5F85B85}"/>
+              </a:ext>
+            </a:extLst>
+          </p:cNvPr>
+          <p:cNvGrpSpPr/>
+          <p:nvPr/>
+        </p:nvGrpSpPr>
+        <p:grpSpPr>
+          <a:xfrm>
+            <a:off x="2959732" y="2713746"/>
+            <a:ext cx="3672414" cy="654714"/>
+            <a:chOff x="2967090" y="1630338"/>
+            <a:chExt cx="3672414" cy="654714"/>
+          </a:xfrm>
+        </p:grpSpPr>
+        <p:cxnSp>
+          <p:nvCxnSpPr>
+            <p:cNvPr id="700" name="Connecteur droit 6">
+              <a:extLst>
+                <a:ext uri="{FF2B5EF4-FFF2-40B4-BE49-F238E27FC236}">
+                  <a16:creationId xmlns:a16="http://schemas.microsoft.com/office/drawing/2014/main" id="{8F7B7E1E-C740-4BBE-8CC9-B2FCE72E445A}"/>
+                </a:ext>
+              </a:extLst>
+            </p:cNvPr>
+            <p:cNvCxnSpPr>
+              <a:cxnSpLocks/>
+            </p:cNvCxnSpPr>
+            <p:nvPr/>
+          </p:nvCxnSpPr>
+          <p:spPr>
+            <a:xfrm>
+              <a:off x="3856960" y="1960440"/>
+              <a:ext cx="265316" cy="0"/>
+            </a:xfrm>
+            <a:prstGeom prst="line">
+              <a:avLst/>
+            </a:prstGeom>
+            <a:noFill/>
+            <a:ln w="12700">
+              <a:solidFill>
+                <a:srgbClr val="FF0000"/>
+              </a:solidFill>
+            </a:ln>
+          </p:spPr>
+          <p:style>
+            <a:lnRef idx="1">
+              <a:schemeClr val="accent1"/>
+            </a:lnRef>
+            <a:fillRef idx="0">
+              <a:schemeClr val="accent1"/>
+            </a:fillRef>
+            <a:effectRef idx="0">
+              <a:schemeClr val="accent1"/>
+            </a:effectRef>
+            <a:fontRef idx="minor">
+              <a:schemeClr val="tx1"/>
+            </a:fontRef>
+          </p:style>
+        </p:cxnSp>
+        <p:cxnSp>
+          <p:nvCxnSpPr>
+            <p:cNvPr id="701" name="Connecteur droit 8">
+              <a:extLst>
+                <a:ext uri="{FF2B5EF4-FFF2-40B4-BE49-F238E27FC236}">
+                  <a16:creationId xmlns:a16="http://schemas.microsoft.com/office/drawing/2014/main" id="{1091C3A5-2844-4BEE-96C0-9C3CA9B5EF4B}"/>
+                </a:ext>
+              </a:extLst>
+            </p:cNvPr>
+            <p:cNvCxnSpPr>
+              <a:cxnSpLocks/>
+            </p:cNvCxnSpPr>
+            <p:nvPr/>
+          </p:nvCxnSpPr>
+          <p:spPr>
+            <a:xfrm>
+              <a:off x="3015744" y="1954950"/>
+              <a:ext cx="475954" cy="5490"/>
+            </a:xfrm>
+            <a:prstGeom prst="line">
+              <a:avLst/>
+            </a:prstGeom>
+            <a:noFill/>
+            <a:ln w="12700">
+              <a:solidFill>
+                <a:srgbClr val="FF0000"/>
+              </a:solidFill>
+            </a:ln>
+          </p:spPr>
+          <p:style>
+            <a:lnRef idx="1">
+              <a:schemeClr val="accent1"/>
+            </a:lnRef>
+            <a:fillRef idx="0">
+              <a:schemeClr val="accent1"/>
+            </a:fillRef>
+            <a:effectRef idx="0">
+              <a:schemeClr val="accent1"/>
+            </a:effectRef>
+            <a:fontRef idx="minor">
+              <a:schemeClr val="tx1"/>
+            </a:fontRef>
+          </p:style>
+        </p:cxnSp>
+        <p:sp>
+          <p:nvSpPr>
+            <p:cNvPr id="702" name="Rectangle 701">
+              <a:extLst>
+                <a:ext uri="{FF2B5EF4-FFF2-40B4-BE49-F238E27FC236}">
+                  <a16:creationId xmlns:a16="http://schemas.microsoft.com/office/drawing/2014/main" id="{61D518B2-1EF8-44B2-ADEF-9A2A329A6B2A}"/>
+                </a:ext>
+              </a:extLst>
+            </p:cNvPr>
+            <p:cNvSpPr/>
+            <p:nvPr/>
+          </p:nvSpPr>
+          <p:spPr>
+            <a:xfrm>
+              <a:off x="3491698" y="1901433"/>
+              <a:ext cx="369965" cy="118015"/>
+            </a:xfrm>
+            <a:prstGeom prst="rect">
+              <a:avLst/>
+            </a:prstGeom>
+            <a:noFill/>
+            <a:ln w="12700">
+              <a:solidFill>
+                <a:srgbClr val="FF0000"/>
+              </a:solidFill>
+            </a:ln>
+          </p:spPr>
+          <p:style>
+            <a:lnRef idx="2">
+              <a:schemeClr val="accent1">
+                <a:shade val="50000"/>
+              </a:schemeClr>
+            </a:lnRef>
+            <a:fillRef idx="1">
+              <a:schemeClr val="accent1"/>
+            </a:fillRef>
+            <a:effectRef idx="0">
+              <a:schemeClr val="accent1"/>
+            </a:effectRef>
+            <a:fontRef idx="minor">
+              <a:schemeClr val="lt1"/>
+            </a:fontRef>
+          </p:style>
+          <p:txBody>
+            <a:bodyPr rtlCol="0" anchor="ctr"/>
+            <a:lstStyle/>
+            <a:p>
+              <a:pPr algn="ctr"/>
+              <a:endParaRPr lang="fr-CH" sz="900"/>
+            </a:p>
+          </p:txBody>
+        </p:sp>
+        <p:sp>
+          <p:nvSpPr>
+            <p:cNvPr id="706" name="Rectangle 705">
+              <a:extLst>
+                <a:ext uri="{FF2B5EF4-FFF2-40B4-BE49-F238E27FC236}">
+                  <a16:creationId xmlns:a16="http://schemas.microsoft.com/office/drawing/2014/main" id="{E2043561-783C-4233-8202-686F9E5E728F}"/>
+                </a:ext>
+              </a:extLst>
+            </p:cNvPr>
+            <p:cNvSpPr/>
+            <p:nvPr/>
+          </p:nvSpPr>
+          <p:spPr>
+            <a:xfrm>
+              <a:off x="4126979" y="1901433"/>
+              <a:ext cx="369965" cy="118015"/>
+            </a:xfrm>
+            <a:prstGeom prst="rect">
+              <a:avLst/>
+            </a:prstGeom>
+            <a:noFill/>
+            <a:ln w="12700">
+              <a:solidFill>
+                <a:srgbClr val="FF0000"/>
+              </a:solidFill>
+            </a:ln>
+          </p:spPr>
+          <p:style>
+            <a:lnRef idx="2">
+              <a:schemeClr val="accent1">
+                <a:shade val="50000"/>
+              </a:schemeClr>
+            </a:lnRef>
+            <a:fillRef idx="1">
+              <a:schemeClr val="accent1"/>
+            </a:fillRef>
+            <a:effectRef idx="0">
+              <a:schemeClr val="accent1"/>
+            </a:effectRef>
+            <a:fontRef idx="minor">
+              <a:schemeClr val="lt1"/>
+            </a:fontRef>
+          </p:style>
+          <p:txBody>
+            <a:bodyPr rtlCol="0" anchor="ctr"/>
+            <a:lstStyle/>
+            <a:p>
+              <a:pPr algn="ctr"/>
+              <a:endParaRPr lang="fr-CH" sz="900"/>
+            </a:p>
+          </p:txBody>
+        </p:sp>
+        <p:sp>
+          <p:nvSpPr>
+            <p:cNvPr id="707" name="Rectangle 706">
+              <a:extLst>
+                <a:ext uri="{FF2B5EF4-FFF2-40B4-BE49-F238E27FC236}">
+                  <a16:creationId xmlns:a16="http://schemas.microsoft.com/office/drawing/2014/main" id="{6A5E5626-4D04-496F-90AF-0BB2F68E5B22}"/>
+                </a:ext>
+              </a:extLst>
+            </p:cNvPr>
+            <p:cNvSpPr/>
+            <p:nvPr/>
+          </p:nvSpPr>
+          <p:spPr>
+            <a:xfrm>
+              <a:off x="4762259" y="1901433"/>
+              <a:ext cx="369965" cy="118015"/>
+            </a:xfrm>
+            <a:prstGeom prst="rect">
+              <a:avLst/>
+            </a:prstGeom>
+            <a:noFill/>
+            <a:ln w="12700">
+              <a:solidFill>
+                <a:srgbClr val="FF0000"/>
+              </a:solidFill>
+            </a:ln>
+          </p:spPr>
+          <p:style>
+            <a:lnRef idx="2">
+              <a:schemeClr val="accent1">
+                <a:shade val="50000"/>
+              </a:schemeClr>
+            </a:lnRef>
+            <a:fillRef idx="1">
+              <a:schemeClr val="accent1"/>
+            </a:fillRef>
+            <a:effectRef idx="0">
+              <a:schemeClr val="accent1"/>
+            </a:effectRef>
+            <a:fontRef idx="minor">
+              <a:schemeClr val="lt1"/>
+            </a:fontRef>
+          </p:style>
+          <p:txBody>
+            <a:bodyPr rtlCol="0" anchor="ctr"/>
+            <a:lstStyle/>
+            <a:p>
+              <a:pPr algn="ctr"/>
+              <a:endParaRPr lang="fr-CH" sz="900"/>
+            </a:p>
+          </p:txBody>
+        </p:sp>
+        <p:cxnSp>
+          <p:nvCxnSpPr>
+            <p:cNvPr id="708" name="Connecteur droit 2">
+              <a:extLst>
+                <a:ext uri="{FF2B5EF4-FFF2-40B4-BE49-F238E27FC236}">
+                  <a16:creationId xmlns:a16="http://schemas.microsoft.com/office/drawing/2014/main" id="{2B3EF523-AFE9-4640-BE17-9AC08757BE42}"/>
+                </a:ext>
+              </a:extLst>
+            </p:cNvPr>
+            <p:cNvCxnSpPr>
+              <a:cxnSpLocks/>
+              <a:stCxn id="706" idx="3"/>
+              <a:endCxn id="707" idx="1"/>
+            </p:cNvCxnSpPr>
+            <p:nvPr/>
+          </p:nvCxnSpPr>
+          <p:spPr>
+            <a:xfrm>
+              <a:off x="4496944" y="1960440"/>
+              <a:ext cx="265315" cy="0"/>
+            </a:xfrm>
+            <a:prstGeom prst="line">
+              <a:avLst/>
+            </a:prstGeom>
+            <a:noFill/>
+            <a:ln w="12700">
+              <a:solidFill>
+                <a:srgbClr val="FF0000"/>
+              </a:solidFill>
+            </a:ln>
+          </p:spPr>
+          <p:style>
+            <a:lnRef idx="1">
+              <a:schemeClr val="accent1"/>
+            </a:lnRef>
+            <a:fillRef idx="0">
+              <a:schemeClr val="accent1"/>
+            </a:fillRef>
+            <a:effectRef idx="0">
+              <a:schemeClr val="accent1"/>
+            </a:effectRef>
+            <a:fontRef idx="minor">
+              <a:schemeClr val="tx1"/>
+            </a:fontRef>
+          </p:style>
+        </p:cxnSp>
+        <p:grpSp>
+          <p:nvGrpSpPr>
+            <p:cNvPr id="709" name="Groupe 38">
+              <a:extLst>
+                <a:ext uri="{FF2B5EF4-FFF2-40B4-BE49-F238E27FC236}">
+                  <a16:creationId xmlns:a16="http://schemas.microsoft.com/office/drawing/2014/main" id="{C0F6D6F7-BE61-4068-A63A-1CA410283517}"/>
+                </a:ext>
+              </a:extLst>
+            </p:cNvPr>
+            <p:cNvGrpSpPr/>
+            <p:nvPr/>
+          </p:nvGrpSpPr>
+          <p:grpSpPr>
+            <a:xfrm>
+              <a:off x="2967090" y="1884961"/>
+              <a:ext cx="48912" cy="139978"/>
+              <a:chOff x="1538662" y="1143263"/>
+              <a:chExt cx="73531" cy="223624"/>
+            </a:xfrm>
+            <a:noFill/>
+          </p:grpSpPr>
+          <p:cxnSp>
+            <p:nvCxnSpPr>
+              <p:cNvPr id="956" name="Connecteur droit 10">
+                <a:extLst>
+                  <a:ext uri="{FF2B5EF4-FFF2-40B4-BE49-F238E27FC236}">
+                    <a16:creationId xmlns:a16="http://schemas.microsoft.com/office/drawing/2014/main" id="{76005689-DD7B-4875-AA79-B49F0660CE8A}"/>
+                  </a:ext>
+                </a:extLst>
+              </p:cNvPr>
+              <p:cNvCxnSpPr>
+                <a:cxnSpLocks/>
+              </p:cNvCxnSpPr>
+              <p:nvPr/>
+            </p:nvCxnSpPr>
+            <p:spPr>
+              <a:xfrm>
+                <a:off x="1612193" y="1143263"/>
+                <a:ext cx="0" cy="223624"/>
+              </a:xfrm>
+              <a:prstGeom prst="line">
+                <a:avLst/>
+              </a:prstGeom>
+              <a:grpFill/>
+              <a:ln w="12700">
+                <a:solidFill>
+                  <a:srgbClr val="FF0000"/>
+                </a:solidFill>
+              </a:ln>
+            </p:spPr>
+            <p:style>
+              <a:lnRef idx="1">
+                <a:schemeClr val="accent1"/>
+              </a:lnRef>
+              <a:fillRef idx="0">
+                <a:schemeClr val="accent1"/>
+              </a:fillRef>
+              <a:effectRef idx="0">
+                <a:schemeClr val="accent1"/>
+              </a:effectRef>
+              <a:fontRef idx="minor">
+                <a:schemeClr val="tx1"/>
+              </a:fontRef>
+            </p:style>
+          </p:cxnSp>
+          <p:cxnSp>
+            <p:nvCxnSpPr>
+              <p:cNvPr id="957" name="Connecteur droit 13">
+                <a:extLst>
+                  <a:ext uri="{FF2B5EF4-FFF2-40B4-BE49-F238E27FC236}">
+                    <a16:creationId xmlns:a16="http://schemas.microsoft.com/office/drawing/2014/main" id="{5EC9E281-AE78-40B3-9CC2-2C2E04CC18CA}"/>
+                  </a:ext>
+                </a:extLst>
+              </p:cNvPr>
+              <p:cNvCxnSpPr>
+                <a:cxnSpLocks/>
+              </p:cNvCxnSpPr>
+              <p:nvPr/>
+            </p:nvCxnSpPr>
+            <p:spPr>
+              <a:xfrm flipH="1">
+                <a:off x="1538662" y="1187124"/>
+                <a:ext cx="67873" cy="68396"/>
+              </a:xfrm>
+              <a:prstGeom prst="line">
+                <a:avLst/>
+              </a:prstGeom>
+              <a:grpFill/>
+              <a:ln w="12700">
+                <a:solidFill>
+                  <a:srgbClr val="FF0000"/>
+                </a:solidFill>
+              </a:ln>
+            </p:spPr>
+            <p:style>
+              <a:lnRef idx="1">
+                <a:schemeClr val="accent1"/>
+              </a:lnRef>
+              <a:fillRef idx="0">
+                <a:schemeClr val="accent1"/>
+              </a:fillRef>
+              <a:effectRef idx="0">
+                <a:schemeClr val="accent1"/>
+              </a:effectRef>
+              <a:fontRef idx="minor">
+                <a:schemeClr val="tx1"/>
+              </a:fontRef>
+            </p:style>
+          </p:cxnSp>
+          <p:cxnSp>
+            <p:nvCxnSpPr>
+              <p:cNvPr id="958" name="Connecteur droit 35">
+                <a:extLst>
+                  <a:ext uri="{FF2B5EF4-FFF2-40B4-BE49-F238E27FC236}">
+                    <a16:creationId xmlns:a16="http://schemas.microsoft.com/office/drawing/2014/main" id="{6DD8B946-BC9F-49B0-8D47-11FB65ACCEDB}"/>
+                  </a:ext>
+                </a:extLst>
+              </p:cNvPr>
+              <p:cNvCxnSpPr>
+                <a:cxnSpLocks/>
+              </p:cNvCxnSpPr>
+              <p:nvPr/>
+            </p:nvCxnSpPr>
+            <p:spPr>
+              <a:xfrm flipH="1">
+                <a:off x="1541491" y="1238421"/>
+                <a:ext cx="67873" cy="68396"/>
+              </a:xfrm>
+              <a:prstGeom prst="line">
+                <a:avLst/>
+              </a:prstGeom>
+              <a:grpFill/>
+              <a:ln w="12700">
+                <a:solidFill>
+                  <a:srgbClr val="FF0000"/>
+                </a:solidFill>
+              </a:ln>
+            </p:spPr>
+            <p:style>
+              <a:lnRef idx="1">
+                <a:schemeClr val="accent1"/>
+              </a:lnRef>
+              <a:fillRef idx="0">
+                <a:schemeClr val="accent1"/>
+              </a:fillRef>
+              <a:effectRef idx="0">
+                <a:schemeClr val="accent1"/>
+              </a:effectRef>
+              <a:fontRef idx="minor">
+                <a:schemeClr val="tx1"/>
+              </a:fontRef>
+            </p:style>
+          </p:cxnSp>
+          <p:cxnSp>
+            <p:nvCxnSpPr>
+              <p:cNvPr id="959" name="Connecteur droit 37">
+                <a:extLst>
+                  <a:ext uri="{FF2B5EF4-FFF2-40B4-BE49-F238E27FC236}">
+                    <a16:creationId xmlns:a16="http://schemas.microsoft.com/office/drawing/2014/main" id="{0CADC442-D2F0-4078-A142-D097093CDB6E}"/>
+                  </a:ext>
+                </a:extLst>
+              </p:cNvPr>
+              <p:cNvCxnSpPr>
+                <a:cxnSpLocks/>
+              </p:cNvCxnSpPr>
+              <p:nvPr/>
+            </p:nvCxnSpPr>
+            <p:spPr>
+              <a:xfrm flipH="1">
+                <a:off x="1538662" y="1294328"/>
+                <a:ext cx="67873" cy="68396"/>
+              </a:xfrm>
+              <a:prstGeom prst="line">
+                <a:avLst/>
+              </a:prstGeom>
+              <a:grpFill/>
+              <a:ln w="12700">
+                <a:solidFill>
+                  <a:srgbClr val="FF0000"/>
+                </a:solidFill>
+              </a:ln>
+            </p:spPr>
+            <p:style>
+              <a:lnRef idx="1">
+                <a:schemeClr val="accent1"/>
+              </a:lnRef>
+              <a:fillRef idx="0">
+                <a:schemeClr val="accent1"/>
+              </a:fillRef>
+              <a:effectRef idx="0">
+                <a:schemeClr val="accent1"/>
+              </a:effectRef>
+              <a:fontRef idx="minor">
+                <a:schemeClr val="tx1"/>
+              </a:fontRef>
+            </p:style>
+          </p:cxnSp>
+        </p:grpSp>
+        <p:cxnSp>
+          <p:nvCxnSpPr>
+            <p:cNvPr id="710" name="Connecteur droit 16">
+              <a:extLst>
+                <a:ext uri="{FF2B5EF4-FFF2-40B4-BE49-F238E27FC236}">
+                  <a16:creationId xmlns:a16="http://schemas.microsoft.com/office/drawing/2014/main" id="{6434482D-ABD0-438F-8BE3-F9691AD3F712}"/>
+                </a:ext>
+              </a:extLst>
+            </p:cNvPr>
+            <p:cNvCxnSpPr>
+              <a:cxnSpLocks/>
+            </p:cNvCxnSpPr>
+            <p:nvPr/>
+          </p:nvCxnSpPr>
+          <p:spPr>
+            <a:xfrm>
+              <a:off x="3994317" y="1960440"/>
+              <a:ext cx="1" cy="279455"/>
+            </a:xfrm>
+            <a:prstGeom prst="line">
+              <a:avLst/>
+            </a:prstGeom>
+            <a:noFill/>
+            <a:ln w="12700">
+              <a:solidFill>
+                <a:srgbClr val="FF0000"/>
+              </a:solidFill>
+            </a:ln>
+          </p:spPr>
+          <p:style>
+            <a:lnRef idx="1">
+              <a:schemeClr val="accent1"/>
+            </a:lnRef>
+            <a:fillRef idx="0">
+              <a:schemeClr val="accent1"/>
+            </a:fillRef>
+            <a:effectRef idx="0">
+              <a:schemeClr val="accent1"/>
+            </a:effectRef>
+            <a:fontRef idx="minor">
+              <a:schemeClr val="tx1"/>
+            </a:fontRef>
+          </p:style>
+        </p:cxnSp>
+        <p:sp>
+          <p:nvSpPr>
+            <p:cNvPr id="711" name="Ellipse 18">
+              <a:extLst>
+                <a:ext uri="{FF2B5EF4-FFF2-40B4-BE49-F238E27FC236}">
+                  <a16:creationId xmlns:a16="http://schemas.microsoft.com/office/drawing/2014/main" id="{D116B571-4B31-48A1-BC62-2CEF280E4A8D}"/>
+                </a:ext>
+              </a:extLst>
+            </p:cNvPr>
+            <p:cNvSpPr/>
+            <p:nvPr/>
+          </p:nvSpPr>
+          <p:spPr>
+            <a:xfrm>
+              <a:off x="3927991" y="2054288"/>
+              <a:ext cx="132654" cy="114573"/>
+            </a:xfrm>
+            <a:prstGeom prst="ellipse">
+              <a:avLst/>
+            </a:prstGeom>
+            <a:solidFill>
+              <a:srgbClr val="FFFF00"/>
+            </a:solidFill>
+            <a:ln w="12700">
+              <a:solidFill>
+                <a:srgbClr val="FF0000"/>
+              </a:solidFill>
+            </a:ln>
+          </p:spPr>
+          <p:style>
+            <a:lnRef idx="2">
+              <a:schemeClr val="accent1">
+                <a:shade val="50000"/>
+              </a:schemeClr>
+            </a:lnRef>
+            <a:fillRef idx="1">
+              <a:schemeClr val="accent1"/>
+            </a:fillRef>
+            <a:effectRef idx="0">
+              <a:schemeClr val="accent1"/>
+            </a:effectRef>
+            <a:fontRef idx="minor">
+              <a:schemeClr val="lt1"/>
+            </a:fontRef>
+          </p:style>
+          <p:txBody>
+            <a:bodyPr rtlCol="0" anchor="ctr"/>
+            <a:lstStyle/>
+            <a:p>
+              <a:pPr algn="ctr"/>
+              <a:endParaRPr lang="fr-CH" sz="900"/>
+            </a:p>
+          </p:txBody>
+        </p:sp>
+        <p:grpSp>
+          <p:nvGrpSpPr>
+            <p:cNvPr id="712" name="Groupe 39">
+              <a:extLst>
+                <a:ext uri="{FF2B5EF4-FFF2-40B4-BE49-F238E27FC236}">
+                  <a16:creationId xmlns:a16="http://schemas.microsoft.com/office/drawing/2014/main" id="{80A3ABCF-92E1-48C6-B7F3-27CF340446CB}"/>
+                </a:ext>
+              </a:extLst>
+            </p:cNvPr>
+            <p:cNvGrpSpPr/>
+            <p:nvPr/>
+          </p:nvGrpSpPr>
+          <p:grpSpPr>
+            <a:xfrm rot="16200000">
+              <a:off x="3971974" y="2188335"/>
+              <a:ext cx="44687" cy="148747"/>
+              <a:chOff x="1538662" y="1143263"/>
+              <a:chExt cx="73531" cy="223624"/>
+            </a:xfrm>
+            <a:noFill/>
+          </p:grpSpPr>
+          <p:cxnSp>
+            <p:nvCxnSpPr>
+              <p:cNvPr id="952" name="Connecteur droit 40">
+                <a:extLst>
+                  <a:ext uri="{FF2B5EF4-FFF2-40B4-BE49-F238E27FC236}">
+                    <a16:creationId xmlns:a16="http://schemas.microsoft.com/office/drawing/2014/main" id="{11DE703A-8E74-4597-AADF-AB08237EA82F}"/>
+                  </a:ext>
+                </a:extLst>
+              </p:cNvPr>
+              <p:cNvCxnSpPr>
+                <a:cxnSpLocks/>
+              </p:cNvCxnSpPr>
+              <p:nvPr/>
+            </p:nvCxnSpPr>
+            <p:spPr>
+              <a:xfrm>
+                <a:off x="1612193" y="1143263"/>
+                <a:ext cx="0" cy="223624"/>
+              </a:xfrm>
+              <a:prstGeom prst="line">
+                <a:avLst/>
+              </a:prstGeom>
+              <a:grpFill/>
+              <a:ln w="12700">
+                <a:solidFill>
+                  <a:srgbClr val="FF0000"/>
+                </a:solidFill>
+              </a:ln>
+            </p:spPr>
+            <p:style>
+              <a:lnRef idx="1">
+                <a:schemeClr val="accent1"/>
+              </a:lnRef>
+              <a:fillRef idx="0">
+                <a:schemeClr val="accent1"/>
+              </a:fillRef>
+              <a:effectRef idx="0">
+                <a:schemeClr val="accent1"/>
+              </a:effectRef>
+              <a:fontRef idx="minor">
+                <a:schemeClr val="tx1"/>
+              </a:fontRef>
+            </p:style>
+          </p:cxnSp>
+          <p:cxnSp>
+            <p:nvCxnSpPr>
+              <p:cNvPr id="953" name="Connecteur droit 41">
+                <a:extLst>
+                  <a:ext uri="{FF2B5EF4-FFF2-40B4-BE49-F238E27FC236}">
+                    <a16:creationId xmlns:a16="http://schemas.microsoft.com/office/drawing/2014/main" id="{E932C9D4-8792-4847-8321-B56399FFA198}"/>
+                  </a:ext>
+                </a:extLst>
+              </p:cNvPr>
+              <p:cNvCxnSpPr>
+                <a:cxnSpLocks/>
+              </p:cNvCxnSpPr>
+              <p:nvPr/>
+            </p:nvCxnSpPr>
+            <p:spPr>
+              <a:xfrm flipH="1">
+                <a:off x="1538662" y="1187124"/>
+                <a:ext cx="67873" cy="68396"/>
+              </a:xfrm>
+              <a:prstGeom prst="line">
+                <a:avLst/>
+              </a:prstGeom>
+              <a:grpFill/>
+              <a:ln w="12700">
+                <a:solidFill>
+                  <a:srgbClr val="FF0000"/>
+                </a:solidFill>
+              </a:ln>
+            </p:spPr>
+            <p:style>
+              <a:lnRef idx="1">
+                <a:schemeClr val="accent1"/>
+              </a:lnRef>
+              <a:fillRef idx="0">
+                <a:schemeClr val="accent1"/>
+              </a:fillRef>
+              <a:effectRef idx="0">
+                <a:schemeClr val="accent1"/>
+              </a:effectRef>
+              <a:fontRef idx="minor">
+                <a:schemeClr val="tx1"/>
+              </a:fontRef>
+            </p:style>
+          </p:cxnSp>
+          <p:cxnSp>
+            <p:nvCxnSpPr>
+              <p:cNvPr id="954" name="Connecteur droit 42">
+                <a:extLst>
+                  <a:ext uri="{FF2B5EF4-FFF2-40B4-BE49-F238E27FC236}">
+                    <a16:creationId xmlns:a16="http://schemas.microsoft.com/office/drawing/2014/main" id="{99AEEF65-B8D4-4E44-9F44-339426A3FF41}"/>
+                  </a:ext>
+                </a:extLst>
+              </p:cNvPr>
+              <p:cNvCxnSpPr>
+                <a:cxnSpLocks/>
+              </p:cNvCxnSpPr>
+              <p:nvPr/>
+            </p:nvCxnSpPr>
+            <p:spPr>
+              <a:xfrm flipH="1">
+                <a:off x="1541491" y="1238421"/>
+                <a:ext cx="67873" cy="68396"/>
+              </a:xfrm>
+              <a:prstGeom prst="line">
+                <a:avLst/>
+              </a:prstGeom>
+              <a:grpFill/>
+              <a:ln w="12700">
+                <a:solidFill>
+                  <a:srgbClr val="FF0000"/>
+                </a:solidFill>
+              </a:ln>
+            </p:spPr>
+            <p:style>
+              <a:lnRef idx="1">
+                <a:schemeClr val="accent1"/>
+              </a:lnRef>
+              <a:fillRef idx="0">
+                <a:schemeClr val="accent1"/>
+              </a:fillRef>
+              <a:effectRef idx="0">
+                <a:schemeClr val="accent1"/>
+              </a:effectRef>
+              <a:fontRef idx="minor">
+                <a:schemeClr val="tx1"/>
+              </a:fontRef>
+            </p:style>
+          </p:cxnSp>
+          <p:cxnSp>
+            <p:nvCxnSpPr>
+              <p:cNvPr id="955" name="Connecteur droit 43">
+                <a:extLst>
+                  <a:ext uri="{FF2B5EF4-FFF2-40B4-BE49-F238E27FC236}">
+                    <a16:creationId xmlns:a16="http://schemas.microsoft.com/office/drawing/2014/main" id="{9B9542B7-F63A-4418-9585-26A787AE8DCE}"/>
+                  </a:ext>
+                </a:extLst>
+              </p:cNvPr>
+              <p:cNvCxnSpPr>
+                <a:cxnSpLocks/>
+              </p:cNvCxnSpPr>
+              <p:nvPr/>
+            </p:nvCxnSpPr>
+            <p:spPr>
+              <a:xfrm flipH="1">
+                <a:off x="1538662" y="1294328"/>
+                <a:ext cx="67873" cy="68396"/>
+              </a:xfrm>
+              <a:prstGeom prst="line">
+                <a:avLst/>
+              </a:prstGeom>
+              <a:grpFill/>
+              <a:ln w="12700">
+                <a:solidFill>
+                  <a:srgbClr val="FF0000"/>
+                </a:solidFill>
+              </a:ln>
+            </p:spPr>
+            <p:style>
+              <a:lnRef idx="1">
+                <a:schemeClr val="accent1"/>
+              </a:lnRef>
+              <a:fillRef idx="0">
+                <a:schemeClr val="accent1"/>
+              </a:fillRef>
+              <a:effectRef idx="0">
+                <a:schemeClr val="accent1"/>
+              </a:effectRef>
+              <a:fontRef idx="minor">
+                <a:schemeClr val="tx1"/>
+              </a:fontRef>
+            </p:style>
+          </p:cxnSp>
+        </p:grpSp>
+        <p:grpSp>
+          <p:nvGrpSpPr>
+            <p:cNvPr id="713" name="Groupe 49">
+              <a:extLst>
+                <a:ext uri="{FF2B5EF4-FFF2-40B4-BE49-F238E27FC236}">
+                  <a16:creationId xmlns:a16="http://schemas.microsoft.com/office/drawing/2014/main" id="{6FBC8AED-DEDA-4977-89D3-6CE662E924D7}"/>
+                </a:ext>
+              </a:extLst>
+            </p:cNvPr>
+            <p:cNvGrpSpPr/>
+            <p:nvPr/>
+          </p:nvGrpSpPr>
+          <p:grpSpPr>
+            <a:xfrm>
+              <a:off x="4564560" y="1962060"/>
+              <a:ext cx="148753" cy="319463"/>
+              <a:chOff x="7018098" y="1530389"/>
+              <a:chExt cx="223625" cy="510363"/>
+            </a:xfrm>
+            <a:noFill/>
+          </p:grpSpPr>
+          <p:cxnSp>
+            <p:nvCxnSpPr>
+              <p:cNvPr id="943" name="Connecteur droit 9">
+                <a:extLst>
+                  <a:ext uri="{FF2B5EF4-FFF2-40B4-BE49-F238E27FC236}">
+                    <a16:creationId xmlns:a16="http://schemas.microsoft.com/office/drawing/2014/main" id="{74A2EB44-493B-4454-BDC7-B100D9F0432D}"/>
+                  </a:ext>
+                </a:extLst>
+              </p:cNvPr>
+              <p:cNvCxnSpPr/>
+              <p:nvPr/>
+            </p:nvCxnSpPr>
+            <p:spPr>
+              <a:xfrm>
+                <a:off x="7124778" y="1530389"/>
+                <a:ext cx="0" cy="183037"/>
+              </a:xfrm>
+              <a:prstGeom prst="line">
+                <a:avLst/>
+              </a:prstGeom>
+              <a:grpFill/>
+              <a:ln w="12700">
+                <a:solidFill>
+                  <a:srgbClr val="FF0000"/>
+                </a:solidFill>
+              </a:ln>
+            </p:spPr>
+            <p:style>
+              <a:lnRef idx="1">
+                <a:schemeClr val="accent1"/>
+              </a:lnRef>
+              <a:fillRef idx="0">
+                <a:schemeClr val="accent1"/>
+              </a:fillRef>
+              <a:effectRef idx="0">
+                <a:schemeClr val="accent1"/>
+              </a:effectRef>
+              <a:fontRef idx="minor">
+                <a:schemeClr val="tx1"/>
+              </a:fontRef>
+            </p:style>
+          </p:cxnSp>
+          <p:cxnSp>
+            <p:nvCxnSpPr>
+              <p:cNvPr id="944" name="Connecteur droit 15">
+                <a:extLst>
+                  <a:ext uri="{FF2B5EF4-FFF2-40B4-BE49-F238E27FC236}">
+                    <a16:creationId xmlns:a16="http://schemas.microsoft.com/office/drawing/2014/main" id="{1D94E808-AB73-4A86-BA4E-B98A663B8ADF}"/>
+                  </a:ext>
+                </a:extLst>
+              </p:cNvPr>
+              <p:cNvCxnSpPr/>
+              <p:nvPr/>
+            </p:nvCxnSpPr>
+            <p:spPr>
+              <a:xfrm>
+                <a:off x="7018098" y="1713426"/>
+                <a:ext cx="213360" cy="0"/>
+              </a:xfrm>
+              <a:prstGeom prst="line">
+                <a:avLst/>
+              </a:prstGeom>
+              <a:grpFill/>
+              <a:ln w="12700">
+                <a:solidFill>
+                  <a:srgbClr val="FF0000"/>
+                </a:solidFill>
+              </a:ln>
+            </p:spPr>
+            <p:style>
+              <a:lnRef idx="1">
+                <a:schemeClr val="accent1"/>
+              </a:lnRef>
+              <a:fillRef idx="0">
+                <a:schemeClr val="accent1"/>
+              </a:fillRef>
+              <a:effectRef idx="0">
+                <a:schemeClr val="accent1"/>
+              </a:effectRef>
+              <a:fontRef idx="minor">
+                <a:schemeClr val="tx1"/>
+              </a:fontRef>
+            </p:style>
+          </p:cxnSp>
+          <p:cxnSp>
+            <p:nvCxnSpPr>
+              <p:cNvPr id="945" name="Connecteur droit 24">
+                <a:extLst>
+                  <a:ext uri="{FF2B5EF4-FFF2-40B4-BE49-F238E27FC236}">
+                    <a16:creationId xmlns:a16="http://schemas.microsoft.com/office/drawing/2014/main" id="{C1412667-5FBF-4FAB-8BD8-335ED7F31669}"/>
+                  </a:ext>
+                </a:extLst>
+              </p:cNvPr>
+              <p:cNvCxnSpPr/>
+              <p:nvPr/>
+            </p:nvCxnSpPr>
+            <p:spPr>
+              <a:xfrm>
+                <a:off x="7018098" y="1785650"/>
+                <a:ext cx="213360" cy="0"/>
+              </a:xfrm>
+              <a:prstGeom prst="line">
+                <a:avLst/>
+              </a:prstGeom>
+              <a:grpFill/>
+              <a:ln w="12700">
+                <a:solidFill>
+                  <a:srgbClr val="FF0000"/>
+                </a:solidFill>
+              </a:ln>
+            </p:spPr>
+            <p:style>
+              <a:lnRef idx="1">
+                <a:schemeClr val="accent1"/>
+              </a:lnRef>
+              <a:fillRef idx="0">
+                <a:schemeClr val="accent1"/>
+              </a:fillRef>
+              <a:effectRef idx="0">
+                <a:schemeClr val="accent1"/>
+              </a:effectRef>
+              <a:fontRef idx="minor">
+                <a:schemeClr val="tx1"/>
+              </a:fontRef>
+            </p:style>
+          </p:cxnSp>
+          <p:cxnSp>
+            <p:nvCxnSpPr>
+              <p:cNvPr id="946" name="Connecteur droit 25">
+                <a:extLst>
+                  <a:ext uri="{FF2B5EF4-FFF2-40B4-BE49-F238E27FC236}">
+                    <a16:creationId xmlns:a16="http://schemas.microsoft.com/office/drawing/2014/main" id="{B836C6AB-8AEB-4B55-9626-E7CB1501295B}"/>
+                  </a:ext>
+                </a:extLst>
+              </p:cNvPr>
+              <p:cNvCxnSpPr/>
+              <p:nvPr/>
+            </p:nvCxnSpPr>
+            <p:spPr>
+              <a:xfrm>
+                <a:off x="7124778" y="1784184"/>
+                <a:ext cx="0" cy="183037"/>
+              </a:xfrm>
+              <a:prstGeom prst="line">
+                <a:avLst/>
+              </a:prstGeom>
+              <a:grpFill/>
+              <a:ln w="12700">
+                <a:solidFill>
+                  <a:srgbClr val="FF0000"/>
+                </a:solidFill>
+              </a:ln>
+            </p:spPr>
+            <p:style>
+              <a:lnRef idx="1">
+                <a:schemeClr val="accent1"/>
+              </a:lnRef>
+              <a:fillRef idx="0">
+                <a:schemeClr val="accent1"/>
+              </a:fillRef>
+              <a:effectRef idx="0">
+                <a:schemeClr val="accent1"/>
+              </a:effectRef>
+              <a:fontRef idx="minor">
+                <a:schemeClr val="tx1"/>
+              </a:fontRef>
+            </p:style>
+          </p:cxnSp>
+          <p:grpSp>
+            <p:nvGrpSpPr>
+              <p:cNvPr id="947" name="Groupe 44">
+                <a:extLst>
+                  <a:ext uri="{FF2B5EF4-FFF2-40B4-BE49-F238E27FC236}">
+                    <a16:creationId xmlns:a16="http://schemas.microsoft.com/office/drawing/2014/main" id="{461B9D90-0537-49D6-9589-D675B65B1D72}"/>
+                  </a:ext>
+                </a:extLst>
+              </p:cNvPr>
+              <p:cNvGrpSpPr/>
+              <p:nvPr/>
+            </p:nvGrpSpPr>
+            <p:grpSpPr>
+              <a:xfrm rot="16200000">
+                <a:off x="7093145" y="1892175"/>
+                <a:ext cx="73531" cy="223624"/>
+                <a:chOff x="1538662" y="1143263"/>
+                <a:chExt cx="73531" cy="223624"/>
+              </a:xfrm>
+              <a:grpFill/>
+            </p:grpSpPr>
+            <p:cxnSp>
+              <p:nvCxnSpPr>
+                <p:cNvPr id="948" name="Connecteur droit 45">
+                  <a:extLst>
+                    <a:ext uri="{FF2B5EF4-FFF2-40B4-BE49-F238E27FC236}">
+                      <a16:creationId xmlns:a16="http://schemas.microsoft.com/office/drawing/2014/main" id="{8A8E5613-A6BC-4A2E-ABDD-7E3E4403B412}"/>
+                    </a:ext>
+                  </a:extLst>
+                </p:cNvPr>
+                <p:cNvCxnSpPr>
+                  <a:cxnSpLocks/>
+                </p:cNvCxnSpPr>
+                <p:nvPr/>
+              </p:nvCxnSpPr>
+              <p:spPr>
+                <a:xfrm>
+                  <a:off x="1612193" y="1143263"/>
+                  <a:ext cx="0" cy="223624"/>
+                </a:xfrm>
+                <a:prstGeom prst="line">
+                  <a:avLst/>
+                </a:prstGeom>
+                <a:grpFill/>
+                <a:ln w="12700">
+                  <a:solidFill>
+                    <a:srgbClr val="FF0000"/>
+                  </a:solidFill>
+                </a:ln>
+              </p:spPr>
+              <p:style>
+                <a:lnRef idx="1">
+                  <a:schemeClr val="accent1"/>
+                </a:lnRef>
+                <a:fillRef idx="0">
+                  <a:schemeClr val="accent1"/>
+                </a:fillRef>
+                <a:effectRef idx="0">
+                  <a:schemeClr val="accent1"/>
+                </a:effectRef>
+                <a:fontRef idx="minor">
+                  <a:schemeClr val="tx1"/>
+                </a:fontRef>
+              </p:style>
+            </p:cxnSp>
+            <p:cxnSp>
+              <p:nvCxnSpPr>
+                <p:cNvPr id="949" name="Connecteur droit 46">
+                  <a:extLst>
+                    <a:ext uri="{FF2B5EF4-FFF2-40B4-BE49-F238E27FC236}">
+                      <a16:creationId xmlns:a16="http://schemas.microsoft.com/office/drawing/2014/main" id="{AFB337ED-3EA1-40E6-BB42-32C4464CF6D0}"/>
+                    </a:ext>
+                  </a:extLst>
+                </p:cNvPr>
+                <p:cNvCxnSpPr>
+                  <a:cxnSpLocks/>
+                </p:cNvCxnSpPr>
+                <p:nvPr/>
+              </p:nvCxnSpPr>
+              <p:spPr>
+                <a:xfrm flipH="1">
+                  <a:off x="1538662" y="1187124"/>
+                  <a:ext cx="67873" cy="68396"/>
+                </a:xfrm>
+                <a:prstGeom prst="line">
+                  <a:avLst/>
+                </a:prstGeom>
+                <a:grpFill/>
+                <a:ln w="12700">
+                  <a:solidFill>
+                    <a:srgbClr val="FF0000"/>
+                  </a:solidFill>
+                </a:ln>
+              </p:spPr>
+              <p:style>
+                <a:lnRef idx="1">
+                  <a:schemeClr val="accent1"/>
+                </a:lnRef>
+                <a:fillRef idx="0">
+                  <a:schemeClr val="accent1"/>
+                </a:fillRef>
+                <a:effectRef idx="0">
+                  <a:schemeClr val="accent1"/>
+                </a:effectRef>
+                <a:fontRef idx="minor">
+                  <a:schemeClr val="tx1"/>
+                </a:fontRef>
+              </p:style>
+            </p:cxnSp>
+            <p:cxnSp>
+              <p:nvCxnSpPr>
+                <p:cNvPr id="950" name="Connecteur droit 47">
+                  <a:extLst>
+                    <a:ext uri="{FF2B5EF4-FFF2-40B4-BE49-F238E27FC236}">
+                      <a16:creationId xmlns:a16="http://schemas.microsoft.com/office/drawing/2014/main" id="{A3B1DDD7-34E5-4CE0-AB6C-48D721A2AD91}"/>
+                    </a:ext>
+                  </a:extLst>
+                </p:cNvPr>
+                <p:cNvCxnSpPr>
+                  <a:cxnSpLocks/>
+                </p:cNvCxnSpPr>
+                <p:nvPr/>
+              </p:nvCxnSpPr>
+              <p:spPr>
+                <a:xfrm flipH="1">
+                  <a:off x="1541491" y="1238421"/>
+                  <a:ext cx="67873" cy="68396"/>
+                </a:xfrm>
+                <a:prstGeom prst="line">
+                  <a:avLst/>
+                </a:prstGeom>
+                <a:grpFill/>
+                <a:ln w="12700">
+                  <a:solidFill>
+                    <a:srgbClr val="FF0000"/>
+                  </a:solidFill>
+                </a:ln>
+              </p:spPr>
+              <p:style>
+                <a:lnRef idx="1">
+                  <a:schemeClr val="accent1"/>
+                </a:lnRef>
+                <a:fillRef idx="0">
+                  <a:schemeClr val="accent1"/>
+                </a:fillRef>
+                <a:effectRef idx="0">
+                  <a:schemeClr val="accent1"/>
+                </a:effectRef>
+                <a:fontRef idx="minor">
+                  <a:schemeClr val="tx1"/>
+                </a:fontRef>
+              </p:style>
+            </p:cxnSp>
+            <p:cxnSp>
+              <p:nvCxnSpPr>
+                <p:cNvPr id="951" name="Connecteur droit 48">
+                  <a:extLst>
+                    <a:ext uri="{FF2B5EF4-FFF2-40B4-BE49-F238E27FC236}">
+                      <a16:creationId xmlns:a16="http://schemas.microsoft.com/office/drawing/2014/main" id="{7BC6C633-8D27-4A03-820B-E4A94235A66D}"/>
+                    </a:ext>
+                  </a:extLst>
+                </p:cNvPr>
+                <p:cNvCxnSpPr>
+                  <a:cxnSpLocks/>
+                </p:cNvCxnSpPr>
+                <p:nvPr/>
+              </p:nvCxnSpPr>
+              <p:spPr>
+                <a:xfrm flipH="1">
+                  <a:off x="1538662" y="1294328"/>
+                  <a:ext cx="67873" cy="68396"/>
+                </a:xfrm>
+                <a:prstGeom prst="line">
+                  <a:avLst/>
+                </a:prstGeom>
+                <a:grpFill/>
+                <a:ln w="12700">
+                  <a:solidFill>
+                    <a:srgbClr val="FF0000"/>
+                  </a:solidFill>
+                </a:ln>
+              </p:spPr>
+              <p:style>
+                <a:lnRef idx="1">
+                  <a:schemeClr val="accent1"/>
+                </a:lnRef>
+                <a:fillRef idx="0">
+                  <a:schemeClr val="accent1"/>
+                </a:fillRef>
+                <a:effectRef idx="0">
+                  <a:schemeClr val="accent1"/>
+                </a:effectRef>
+                <a:fontRef idx="minor">
+                  <a:schemeClr val="tx1"/>
+                </a:fontRef>
+              </p:style>
+            </p:cxnSp>
+          </p:grpSp>
+        </p:grpSp>
+        <p:cxnSp>
+          <p:nvCxnSpPr>
+            <p:cNvPr id="715" name="Connecteur droit 52">
+              <a:extLst>
+                <a:ext uri="{FF2B5EF4-FFF2-40B4-BE49-F238E27FC236}">
+                  <a16:creationId xmlns:a16="http://schemas.microsoft.com/office/drawing/2014/main" id="{D1188C7B-DFCB-440F-BB2A-E2ABEDBB1658}"/>
+                </a:ext>
+              </a:extLst>
+            </p:cNvPr>
+            <p:cNvCxnSpPr>
+              <a:cxnSpLocks/>
+              <a:stCxn id="707" idx="3"/>
+            </p:cNvCxnSpPr>
+            <p:nvPr/>
+          </p:nvCxnSpPr>
+          <p:spPr>
+            <a:xfrm flipV="1">
+              <a:off x="5132224" y="1957835"/>
+              <a:ext cx="262910" cy="2606"/>
+            </a:xfrm>
+            <a:prstGeom prst="line">
+              <a:avLst/>
+            </a:prstGeom>
+            <a:noFill/>
+            <a:ln w="12700">
+              <a:solidFill>
+                <a:srgbClr val="FF0000"/>
+              </a:solidFill>
+            </a:ln>
+          </p:spPr>
+          <p:style>
+            <a:lnRef idx="1">
+              <a:schemeClr val="accent1"/>
+            </a:lnRef>
+            <a:fillRef idx="0">
+              <a:schemeClr val="accent1"/>
+            </a:fillRef>
+            <a:effectRef idx="0">
+              <a:schemeClr val="accent1"/>
+            </a:effectRef>
+            <a:fontRef idx="minor">
+              <a:schemeClr val="tx1"/>
+            </a:fontRef>
+          </p:style>
+        </p:cxnSp>
+        <p:sp>
+          <p:nvSpPr>
+            <p:cNvPr id="716" name="Rectangle 715">
+              <a:extLst>
+                <a:ext uri="{FF2B5EF4-FFF2-40B4-BE49-F238E27FC236}">
+                  <a16:creationId xmlns:a16="http://schemas.microsoft.com/office/drawing/2014/main" id="{9DB5C431-8898-4DCE-BECE-17B057C2BC11}"/>
+                </a:ext>
+              </a:extLst>
+            </p:cNvPr>
+            <p:cNvSpPr/>
+            <p:nvPr/>
+          </p:nvSpPr>
+          <p:spPr>
+            <a:xfrm>
+              <a:off x="5395134" y="1906925"/>
+              <a:ext cx="369965" cy="118015"/>
+            </a:xfrm>
+            <a:prstGeom prst="rect">
+              <a:avLst/>
+            </a:prstGeom>
+            <a:noFill/>
+            <a:ln w="12700">
+              <a:solidFill>
+                <a:srgbClr val="FF0000"/>
+              </a:solidFill>
+            </a:ln>
+          </p:spPr>
+          <p:style>
+            <a:lnRef idx="2">
+              <a:schemeClr val="accent1">
+                <a:shade val="50000"/>
+              </a:schemeClr>
+            </a:lnRef>
+            <a:fillRef idx="1">
+              <a:schemeClr val="accent1"/>
+            </a:fillRef>
+            <a:effectRef idx="0">
+              <a:schemeClr val="accent1"/>
+            </a:effectRef>
+            <a:fontRef idx="minor">
+              <a:schemeClr val="lt1"/>
+            </a:fontRef>
+          </p:style>
+          <p:txBody>
+            <a:bodyPr rtlCol="0" anchor="ctr"/>
+            <a:lstStyle/>
+            <a:p>
+              <a:pPr algn="ctr"/>
+              <a:endParaRPr lang="fr-CH" sz="900"/>
+            </a:p>
+          </p:txBody>
+        </p:sp>
+        <p:sp>
+          <p:nvSpPr>
+            <p:cNvPr id="717" name="Rectangle 716">
+              <a:extLst>
+                <a:ext uri="{FF2B5EF4-FFF2-40B4-BE49-F238E27FC236}">
+                  <a16:creationId xmlns:a16="http://schemas.microsoft.com/office/drawing/2014/main" id="{FBDA4792-7C44-45B5-B1C4-1E7BD747A5D5}"/>
+                </a:ext>
+              </a:extLst>
+            </p:cNvPr>
+            <p:cNvSpPr/>
+            <p:nvPr/>
+          </p:nvSpPr>
+          <p:spPr>
+            <a:xfrm>
+              <a:off x="6030414" y="1906925"/>
+              <a:ext cx="369965" cy="118015"/>
+            </a:xfrm>
+            <a:prstGeom prst="rect">
+              <a:avLst/>
+            </a:prstGeom>
+            <a:noFill/>
+            <a:ln w="12700">
+              <a:solidFill>
+                <a:srgbClr val="FF0000"/>
+              </a:solidFill>
+            </a:ln>
+          </p:spPr>
+          <p:style>
+            <a:lnRef idx="2">
+              <a:schemeClr val="accent1">
+                <a:shade val="50000"/>
+              </a:schemeClr>
+            </a:lnRef>
+            <a:fillRef idx="1">
+              <a:schemeClr val="accent1"/>
+            </a:fillRef>
+            <a:effectRef idx="0">
+              <a:schemeClr val="accent1"/>
+            </a:effectRef>
+            <a:fontRef idx="minor">
+              <a:schemeClr val="lt1"/>
+            </a:fontRef>
+          </p:style>
+          <p:txBody>
+            <a:bodyPr rtlCol="0" anchor="ctr"/>
+            <a:lstStyle/>
+            <a:p>
+              <a:pPr algn="ctr"/>
+              <a:endParaRPr lang="fr-CH" sz="900" dirty="0"/>
+            </a:p>
+          </p:txBody>
+        </p:sp>
+        <p:cxnSp>
+          <p:nvCxnSpPr>
+            <p:cNvPr id="718" name="Connecteur droit 59">
+              <a:extLst>
+                <a:ext uri="{FF2B5EF4-FFF2-40B4-BE49-F238E27FC236}">
+                  <a16:creationId xmlns:a16="http://schemas.microsoft.com/office/drawing/2014/main" id="{FE948386-6D8A-41E9-BC69-B5A749824E9F}"/>
+                </a:ext>
+              </a:extLst>
+            </p:cNvPr>
+            <p:cNvCxnSpPr>
+              <a:cxnSpLocks/>
+            </p:cNvCxnSpPr>
+            <p:nvPr/>
+          </p:nvCxnSpPr>
+          <p:spPr>
+            <a:xfrm>
+              <a:off x="5765098" y="1955229"/>
+              <a:ext cx="265315" cy="0"/>
+            </a:xfrm>
+            <a:prstGeom prst="line">
+              <a:avLst/>
+            </a:prstGeom>
+            <a:noFill/>
+            <a:ln w="12700">
+              <a:solidFill>
+                <a:srgbClr val="FF0000"/>
+              </a:solidFill>
+            </a:ln>
+          </p:spPr>
+          <p:style>
+            <a:lnRef idx="1">
+              <a:schemeClr val="accent1"/>
+            </a:lnRef>
+            <a:fillRef idx="0">
+              <a:schemeClr val="accent1"/>
+            </a:fillRef>
+            <a:effectRef idx="0">
+              <a:schemeClr val="accent1"/>
+            </a:effectRef>
+            <a:fontRef idx="minor">
+              <a:schemeClr val="tx1"/>
+            </a:fontRef>
+          </p:style>
+        </p:cxnSp>
+        <p:grpSp>
+          <p:nvGrpSpPr>
+            <p:cNvPr id="719" name="Groupe 60">
+              <a:extLst>
+                <a:ext uri="{FF2B5EF4-FFF2-40B4-BE49-F238E27FC236}">
+                  <a16:creationId xmlns:a16="http://schemas.microsoft.com/office/drawing/2014/main" id="{9E3752DB-50F8-4F0D-95B2-A5321C75DAD0}"/>
+                </a:ext>
+              </a:extLst>
+            </p:cNvPr>
+            <p:cNvGrpSpPr/>
+            <p:nvPr/>
+          </p:nvGrpSpPr>
+          <p:grpSpPr>
+            <a:xfrm>
+              <a:off x="5817458" y="1955229"/>
+              <a:ext cx="148753" cy="319463"/>
+              <a:chOff x="7018098" y="1530389"/>
+              <a:chExt cx="223625" cy="510363"/>
+            </a:xfrm>
+            <a:noFill/>
+          </p:grpSpPr>
+          <p:cxnSp>
+            <p:nvCxnSpPr>
+              <p:cNvPr id="934" name="Connecteur droit 61">
+                <a:extLst>
+                  <a:ext uri="{FF2B5EF4-FFF2-40B4-BE49-F238E27FC236}">
+                    <a16:creationId xmlns:a16="http://schemas.microsoft.com/office/drawing/2014/main" id="{1C771BD0-37B2-4DFE-AE5B-2FFC095C2C7A}"/>
+                  </a:ext>
+                </a:extLst>
+              </p:cNvPr>
+              <p:cNvCxnSpPr/>
+              <p:nvPr/>
+            </p:nvCxnSpPr>
+            <p:spPr>
+              <a:xfrm>
+                <a:off x="7124778" y="1530389"/>
+                <a:ext cx="0" cy="183037"/>
+              </a:xfrm>
+              <a:prstGeom prst="line">
+                <a:avLst/>
+              </a:prstGeom>
+              <a:grpFill/>
+              <a:ln w="12700">
+                <a:solidFill>
+                  <a:srgbClr val="FF0000"/>
+                </a:solidFill>
+              </a:ln>
+            </p:spPr>
+            <p:style>
+              <a:lnRef idx="1">
+                <a:schemeClr val="accent1"/>
+              </a:lnRef>
+              <a:fillRef idx="0">
+                <a:schemeClr val="accent1"/>
+              </a:fillRef>
+              <a:effectRef idx="0">
+                <a:schemeClr val="accent1"/>
+              </a:effectRef>
+              <a:fontRef idx="minor">
+                <a:schemeClr val="tx1"/>
+              </a:fontRef>
+            </p:style>
+          </p:cxnSp>
+          <p:cxnSp>
+            <p:nvCxnSpPr>
+              <p:cNvPr id="935" name="Connecteur droit 62">
+                <a:extLst>
+                  <a:ext uri="{FF2B5EF4-FFF2-40B4-BE49-F238E27FC236}">
+                    <a16:creationId xmlns:a16="http://schemas.microsoft.com/office/drawing/2014/main" id="{21C688A4-27A0-45B6-A791-E7B666EBCC5B}"/>
+                  </a:ext>
+                </a:extLst>
+              </p:cNvPr>
+              <p:cNvCxnSpPr/>
+              <p:nvPr/>
+            </p:nvCxnSpPr>
+            <p:spPr>
+              <a:xfrm>
+                <a:off x="7018098" y="1713426"/>
+                <a:ext cx="213360" cy="0"/>
+              </a:xfrm>
+              <a:prstGeom prst="line">
+                <a:avLst/>
+              </a:prstGeom>
+              <a:grpFill/>
+              <a:ln w="12700">
+                <a:solidFill>
+                  <a:srgbClr val="FF0000"/>
+                </a:solidFill>
+              </a:ln>
+            </p:spPr>
+            <p:style>
+              <a:lnRef idx="1">
+                <a:schemeClr val="accent1"/>
+              </a:lnRef>
+              <a:fillRef idx="0">
+                <a:schemeClr val="accent1"/>
+              </a:fillRef>
+              <a:effectRef idx="0">
+                <a:schemeClr val="accent1"/>
+              </a:effectRef>
+              <a:fontRef idx="minor">
+                <a:schemeClr val="tx1"/>
+              </a:fontRef>
+            </p:style>
+          </p:cxnSp>
+          <p:cxnSp>
+            <p:nvCxnSpPr>
+              <p:cNvPr id="936" name="Connecteur droit 63">
+                <a:extLst>
+                  <a:ext uri="{FF2B5EF4-FFF2-40B4-BE49-F238E27FC236}">
+                    <a16:creationId xmlns:a16="http://schemas.microsoft.com/office/drawing/2014/main" id="{C244B7C5-D439-47CD-949F-FF4D8E961A46}"/>
+                  </a:ext>
+                </a:extLst>
+              </p:cNvPr>
+              <p:cNvCxnSpPr/>
+              <p:nvPr/>
+            </p:nvCxnSpPr>
+            <p:spPr>
+              <a:xfrm>
+                <a:off x="7018098" y="1785650"/>
+                <a:ext cx="213360" cy="0"/>
+              </a:xfrm>
+              <a:prstGeom prst="line">
+                <a:avLst/>
+              </a:prstGeom>
+              <a:grpFill/>
+              <a:ln w="12700">
+                <a:solidFill>
+                  <a:srgbClr val="FF0000"/>
+                </a:solidFill>
+              </a:ln>
+            </p:spPr>
+            <p:style>
+              <a:lnRef idx="1">
+                <a:schemeClr val="accent1"/>
+              </a:lnRef>
+              <a:fillRef idx="0">
+                <a:schemeClr val="accent1"/>
+              </a:fillRef>
+              <a:effectRef idx="0">
+                <a:schemeClr val="accent1"/>
+              </a:effectRef>
+              <a:fontRef idx="minor">
+                <a:schemeClr val="tx1"/>
+              </a:fontRef>
+            </p:style>
+          </p:cxnSp>
+          <p:cxnSp>
+            <p:nvCxnSpPr>
+              <p:cNvPr id="937" name="Connecteur droit 64">
+                <a:extLst>
+                  <a:ext uri="{FF2B5EF4-FFF2-40B4-BE49-F238E27FC236}">
+                    <a16:creationId xmlns:a16="http://schemas.microsoft.com/office/drawing/2014/main" id="{CBD93198-3097-48B9-B814-E236967F2777}"/>
+                  </a:ext>
+                </a:extLst>
+              </p:cNvPr>
+              <p:cNvCxnSpPr/>
+              <p:nvPr/>
+            </p:nvCxnSpPr>
+            <p:spPr>
+              <a:xfrm>
+                <a:off x="7124778" y="1784184"/>
+                <a:ext cx="0" cy="183037"/>
+              </a:xfrm>
+              <a:prstGeom prst="line">
+                <a:avLst/>
+              </a:prstGeom>
+              <a:grpFill/>
+              <a:ln w="12700">
+                <a:solidFill>
+                  <a:srgbClr val="FF0000"/>
+                </a:solidFill>
+              </a:ln>
+            </p:spPr>
+            <p:style>
+              <a:lnRef idx="1">
+                <a:schemeClr val="accent1"/>
+              </a:lnRef>
+              <a:fillRef idx="0">
+                <a:schemeClr val="accent1"/>
+              </a:fillRef>
+              <a:effectRef idx="0">
+                <a:schemeClr val="accent1"/>
+              </a:effectRef>
+              <a:fontRef idx="minor">
+                <a:schemeClr val="tx1"/>
+              </a:fontRef>
+            </p:style>
+          </p:cxnSp>
+          <p:grpSp>
+            <p:nvGrpSpPr>
+              <p:cNvPr id="938" name="Groupe 65">
+                <a:extLst>
+                  <a:ext uri="{FF2B5EF4-FFF2-40B4-BE49-F238E27FC236}">
+                    <a16:creationId xmlns:a16="http://schemas.microsoft.com/office/drawing/2014/main" id="{A4E37124-88FA-4496-9099-BB7451AE6AD8}"/>
+                  </a:ext>
+                </a:extLst>
+              </p:cNvPr>
+              <p:cNvGrpSpPr/>
+              <p:nvPr/>
+            </p:nvGrpSpPr>
+            <p:grpSpPr>
+              <a:xfrm rot="16200000">
+                <a:off x="7093145" y="1892175"/>
+                <a:ext cx="73531" cy="223624"/>
+                <a:chOff x="1538662" y="1143263"/>
+                <a:chExt cx="73531" cy="223624"/>
+              </a:xfrm>
+              <a:grpFill/>
+            </p:grpSpPr>
+            <p:cxnSp>
+              <p:nvCxnSpPr>
+                <p:cNvPr id="939" name="Connecteur droit 66">
+                  <a:extLst>
+                    <a:ext uri="{FF2B5EF4-FFF2-40B4-BE49-F238E27FC236}">
+                      <a16:creationId xmlns:a16="http://schemas.microsoft.com/office/drawing/2014/main" id="{2F2FB81A-8EA2-4BB2-A06C-A065CE41513D}"/>
+                    </a:ext>
+                  </a:extLst>
+                </p:cNvPr>
+                <p:cNvCxnSpPr>
+                  <a:cxnSpLocks/>
+                </p:cNvCxnSpPr>
+                <p:nvPr/>
+              </p:nvCxnSpPr>
+              <p:spPr>
+                <a:xfrm>
+                  <a:off x="1612193" y="1143263"/>
+                  <a:ext cx="0" cy="223624"/>
+                </a:xfrm>
+                <a:prstGeom prst="line">
+                  <a:avLst/>
+                </a:prstGeom>
+                <a:grpFill/>
+                <a:ln w="12700">
+                  <a:solidFill>
+                    <a:srgbClr val="FF0000"/>
+                  </a:solidFill>
+                </a:ln>
+              </p:spPr>
+              <p:style>
+                <a:lnRef idx="1">
+                  <a:schemeClr val="accent1"/>
+                </a:lnRef>
+                <a:fillRef idx="0">
+                  <a:schemeClr val="accent1"/>
+                </a:fillRef>
+                <a:effectRef idx="0">
+                  <a:schemeClr val="accent1"/>
+                </a:effectRef>
+                <a:fontRef idx="minor">
+                  <a:schemeClr val="tx1"/>
+                </a:fontRef>
+              </p:style>
+            </p:cxnSp>
+            <p:cxnSp>
+              <p:nvCxnSpPr>
+                <p:cNvPr id="940" name="Connecteur droit 67">
+                  <a:extLst>
+                    <a:ext uri="{FF2B5EF4-FFF2-40B4-BE49-F238E27FC236}">
+                      <a16:creationId xmlns:a16="http://schemas.microsoft.com/office/drawing/2014/main" id="{F360FB3E-0514-4023-A55E-9B85918EC055}"/>
+                    </a:ext>
+                  </a:extLst>
+                </p:cNvPr>
+                <p:cNvCxnSpPr>
+                  <a:cxnSpLocks/>
+                </p:cNvCxnSpPr>
+                <p:nvPr/>
+              </p:nvCxnSpPr>
+              <p:spPr>
+                <a:xfrm flipH="1">
+                  <a:off x="1538662" y="1187124"/>
+                  <a:ext cx="67873" cy="68396"/>
+                </a:xfrm>
+                <a:prstGeom prst="line">
+                  <a:avLst/>
+                </a:prstGeom>
+                <a:grpFill/>
+                <a:ln w="12700">
+                  <a:solidFill>
+                    <a:srgbClr val="FF0000"/>
+                  </a:solidFill>
+                </a:ln>
+              </p:spPr>
+              <p:style>
+                <a:lnRef idx="1">
+                  <a:schemeClr val="accent1"/>
+                </a:lnRef>
+                <a:fillRef idx="0">
+                  <a:schemeClr val="accent1"/>
+                </a:fillRef>
+                <a:effectRef idx="0">
+                  <a:schemeClr val="accent1"/>
+                </a:effectRef>
+                <a:fontRef idx="minor">
+                  <a:schemeClr val="tx1"/>
+                </a:fontRef>
+              </p:style>
+            </p:cxnSp>
+            <p:cxnSp>
+              <p:nvCxnSpPr>
+                <p:cNvPr id="941" name="Connecteur droit 68">
+                  <a:extLst>
+                    <a:ext uri="{FF2B5EF4-FFF2-40B4-BE49-F238E27FC236}">
+                      <a16:creationId xmlns:a16="http://schemas.microsoft.com/office/drawing/2014/main" id="{D7F47D7B-756E-4820-B0BB-A6F04C70BE9B}"/>
+                    </a:ext>
+                  </a:extLst>
+                </p:cNvPr>
+                <p:cNvCxnSpPr>
+                  <a:cxnSpLocks/>
+                </p:cNvCxnSpPr>
+                <p:nvPr/>
+              </p:nvCxnSpPr>
+              <p:spPr>
+                <a:xfrm flipH="1">
+                  <a:off x="1541491" y="1238421"/>
+                  <a:ext cx="67873" cy="68396"/>
+                </a:xfrm>
+                <a:prstGeom prst="line">
+                  <a:avLst/>
+                </a:prstGeom>
+                <a:grpFill/>
+                <a:ln w="12700">
+                  <a:solidFill>
+                    <a:srgbClr val="FF0000"/>
+                  </a:solidFill>
+                </a:ln>
+              </p:spPr>
+              <p:style>
+                <a:lnRef idx="1">
+                  <a:schemeClr val="accent1"/>
+                </a:lnRef>
+                <a:fillRef idx="0">
+                  <a:schemeClr val="accent1"/>
+                </a:fillRef>
+                <a:effectRef idx="0">
+                  <a:schemeClr val="accent1"/>
+                </a:effectRef>
+                <a:fontRef idx="minor">
+                  <a:schemeClr val="tx1"/>
+                </a:fontRef>
+              </p:style>
+            </p:cxnSp>
+            <p:cxnSp>
+              <p:nvCxnSpPr>
+                <p:cNvPr id="942" name="Connecteur droit 69">
+                  <a:extLst>
+                    <a:ext uri="{FF2B5EF4-FFF2-40B4-BE49-F238E27FC236}">
+                      <a16:creationId xmlns:a16="http://schemas.microsoft.com/office/drawing/2014/main" id="{E4F3FD15-8FB7-4C60-AC08-82FCD353FC95}"/>
+                    </a:ext>
+                  </a:extLst>
+                </p:cNvPr>
+                <p:cNvCxnSpPr>
+                  <a:cxnSpLocks/>
+                </p:cNvCxnSpPr>
+                <p:nvPr/>
+              </p:nvCxnSpPr>
+              <p:spPr>
+                <a:xfrm flipH="1">
+                  <a:off x="1538662" y="1294328"/>
+                  <a:ext cx="67873" cy="68396"/>
+                </a:xfrm>
+                <a:prstGeom prst="line">
+                  <a:avLst/>
+                </a:prstGeom>
+                <a:grpFill/>
+                <a:ln w="12700">
+                  <a:solidFill>
+                    <a:srgbClr val="FF0000"/>
+                  </a:solidFill>
+                </a:ln>
+              </p:spPr>
+              <p:style>
+                <a:lnRef idx="1">
+                  <a:schemeClr val="accent1"/>
+                </a:lnRef>
+                <a:fillRef idx="0">
+                  <a:schemeClr val="accent1"/>
+                </a:fillRef>
+                <a:effectRef idx="0">
+                  <a:schemeClr val="accent1"/>
+                </a:effectRef>
+                <a:fontRef idx="minor">
+                  <a:schemeClr val="tx1"/>
+                </a:fontRef>
+              </p:style>
+            </p:cxnSp>
+          </p:grpSp>
+        </p:grpSp>
+        <p:cxnSp>
+          <p:nvCxnSpPr>
+            <p:cNvPr id="720" name="Connecteur droit 70">
+              <a:extLst>
+                <a:ext uri="{FF2B5EF4-FFF2-40B4-BE49-F238E27FC236}">
+                  <a16:creationId xmlns:a16="http://schemas.microsoft.com/office/drawing/2014/main" id="{BF38E4DD-1399-4891-A622-5077F3E4CBDC}"/>
+                </a:ext>
+              </a:extLst>
+            </p:cNvPr>
+            <p:cNvCxnSpPr>
+              <a:cxnSpLocks/>
+              <a:endCxn id="724" idx="6"/>
+            </p:cNvCxnSpPr>
+            <p:nvPr/>
+          </p:nvCxnSpPr>
+          <p:spPr>
+            <a:xfrm flipV="1">
+              <a:off x="6398493" y="1954950"/>
+              <a:ext cx="136260" cy="2943"/>
+            </a:xfrm>
+            <a:prstGeom prst="line">
+              <a:avLst/>
+            </a:prstGeom>
+            <a:noFill/>
+            <a:ln w="12700">
+              <a:solidFill>
+                <a:srgbClr val="FF0000"/>
+              </a:solidFill>
+            </a:ln>
+          </p:spPr>
+          <p:style>
+            <a:lnRef idx="1">
+              <a:schemeClr val="accent1"/>
+            </a:lnRef>
+            <a:fillRef idx="0">
+              <a:schemeClr val="accent1"/>
+            </a:fillRef>
+            <a:effectRef idx="0">
+              <a:schemeClr val="accent1"/>
+            </a:effectRef>
+            <a:fontRef idx="minor">
+              <a:schemeClr val="tx1"/>
+            </a:fontRef>
+          </p:style>
+        </p:cxnSp>
+        <p:sp>
+          <p:nvSpPr>
+            <p:cNvPr id="721" name="Ellipse 97">
+              <a:extLst>
+                <a:ext uri="{FF2B5EF4-FFF2-40B4-BE49-F238E27FC236}">
+                  <a16:creationId xmlns:a16="http://schemas.microsoft.com/office/drawing/2014/main" id="{A34BA947-D311-4AF1-91F4-BB0DF6854C51}"/>
+                </a:ext>
+              </a:extLst>
+            </p:cNvPr>
+            <p:cNvSpPr/>
+            <p:nvPr/>
+          </p:nvSpPr>
+          <p:spPr>
+            <a:xfrm>
+              <a:off x="4620316" y="1947815"/>
+              <a:ext cx="30412" cy="28618"/>
+            </a:xfrm>
+            <a:prstGeom prst="ellipse">
+              <a:avLst/>
+            </a:prstGeom>
+            <a:solidFill>
+              <a:srgbClr val="FF0000"/>
+            </a:solidFill>
+            <a:ln>
+              <a:solidFill>
+                <a:srgbClr val="FF0000"/>
+              </a:solidFill>
+            </a:ln>
+          </p:spPr>
+          <p:style>
+            <a:lnRef idx="2">
+              <a:schemeClr val="accent1">
+                <a:shade val="50000"/>
+              </a:schemeClr>
+            </a:lnRef>
+            <a:fillRef idx="1">
+              <a:schemeClr val="accent1"/>
+            </a:fillRef>
+            <a:effectRef idx="0">
+              <a:schemeClr val="accent1"/>
+            </a:effectRef>
+            <a:fontRef idx="minor">
+              <a:schemeClr val="lt1"/>
+            </a:fontRef>
+          </p:style>
+          <p:txBody>
+            <a:bodyPr rtlCol="0" anchor="ctr"/>
+            <a:lstStyle/>
+            <a:p>
+              <a:pPr algn="ctr"/>
+              <a:endParaRPr lang="fr-CH" sz="900"/>
+            </a:p>
+          </p:txBody>
+        </p:sp>
+        <p:sp>
+          <p:nvSpPr>
+            <p:cNvPr id="722" name="Ellipse 98">
+              <a:extLst>
+                <a:ext uri="{FF2B5EF4-FFF2-40B4-BE49-F238E27FC236}">
+                  <a16:creationId xmlns:a16="http://schemas.microsoft.com/office/drawing/2014/main" id="{FB7AF8E1-1645-4685-91F5-CAD8A4480AFC}"/>
+                </a:ext>
+              </a:extLst>
+            </p:cNvPr>
+            <p:cNvSpPr/>
+            <p:nvPr/>
+          </p:nvSpPr>
+          <p:spPr>
+            <a:xfrm>
+              <a:off x="5248472" y="1946454"/>
+              <a:ext cx="30412" cy="28618"/>
+            </a:xfrm>
+            <a:prstGeom prst="ellipse">
+              <a:avLst/>
+            </a:prstGeom>
+            <a:solidFill>
+              <a:srgbClr val="FF0000"/>
+            </a:solidFill>
+            <a:ln>
+              <a:solidFill>
+                <a:srgbClr val="FF0000"/>
+              </a:solidFill>
+            </a:ln>
+          </p:spPr>
+          <p:style>
+            <a:lnRef idx="2">
+              <a:schemeClr val="accent1">
+                <a:shade val="50000"/>
+              </a:schemeClr>
+            </a:lnRef>
+            <a:fillRef idx="1">
+              <a:schemeClr val="accent1"/>
+            </a:fillRef>
+            <a:effectRef idx="0">
+              <a:schemeClr val="accent1"/>
+            </a:effectRef>
+            <a:fontRef idx="minor">
+              <a:schemeClr val="lt1"/>
+            </a:fontRef>
+          </p:style>
+          <p:txBody>
+            <a:bodyPr rtlCol="0" anchor="ctr"/>
+            <a:lstStyle/>
+            <a:p>
+              <a:pPr algn="ctr"/>
+              <a:endParaRPr lang="fr-CH" sz="900"/>
+            </a:p>
+          </p:txBody>
+        </p:sp>
+        <p:sp>
+          <p:nvSpPr>
+            <p:cNvPr id="723" name="Ellipse 99">
+              <a:extLst>
+                <a:ext uri="{FF2B5EF4-FFF2-40B4-BE49-F238E27FC236}">
+                  <a16:creationId xmlns:a16="http://schemas.microsoft.com/office/drawing/2014/main" id="{0A11D41F-16D7-4661-BF42-8E08040730C7}"/>
+                </a:ext>
+              </a:extLst>
+            </p:cNvPr>
+            <p:cNvSpPr/>
+            <p:nvPr/>
+          </p:nvSpPr>
+          <p:spPr>
+            <a:xfrm>
+              <a:off x="5873214" y="1941838"/>
+              <a:ext cx="30412" cy="28618"/>
+            </a:xfrm>
+            <a:prstGeom prst="ellipse">
+              <a:avLst/>
+            </a:prstGeom>
+            <a:solidFill>
+              <a:srgbClr val="FF0000"/>
+            </a:solidFill>
+            <a:ln>
+              <a:solidFill>
+                <a:srgbClr val="FF0000"/>
+              </a:solidFill>
+            </a:ln>
+          </p:spPr>
+          <p:style>
+            <a:lnRef idx="2">
+              <a:schemeClr val="accent1">
+                <a:shade val="50000"/>
+              </a:schemeClr>
+            </a:lnRef>
+            <a:fillRef idx="1">
+              <a:schemeClr val="accent1"/>
+            </a:fillRef>
+            <a:effectRef idx="0">
+              <a:schemeClr val="accent1"/>
+            </a:effectRef>
+            <a:fontRef idx="minor">
+              <a:schemeClr val="lt1"/>
+            </a:fontRef>
+          </p:style>
+          <p:txBody>
+            <a:bodyPr rtlCol="0" anchor="ctr"/>
+            <a:lstStyle/>
+            <a:p>
+              <a:pPr algn="ctr"/>
+              <a:endParaRPr lang="fr-CH" sz="900"/>
+            </a:p>
+          </p:txBody>
+        </p:sp>
+        <p:sp>
+          <p:nvSpPr>
+            <p:cNvPr id="724" name="Ellipse 100">
+              <a:extLst>
+                <a:ext uri="{FF2B5EF4-FFF2-40B4-BE49-F238E27FC236}">
+                  <a16:creationId xmlns:a16="http://schemas.microsoft.com/office/drawing/2014/main" id="{65042177-FADD-40C7-8C9A-0B53276FE609}"/>
+                </a:ext>
+              </a:extLst>
+            </p:cNvPr>
+            <p:cNvSpPr/>
+            <p:nvPr/>
+          </p:nvSpPr>
+          <p:spPr>
+            <a:xfrm>
+              <a:off x="6504341" y="1940641"/>
+              <a:ext cx="30412" cy="28618"/>
+            </a:xfrm>
+            <a:prstGeom prst="ellipse">
+              <a:avLst/>
+            </a:prstGeom>
+            <a:solidFill>
+              <a:srgbClr val="FF0000"/>
+            </a:solidFill>
+            <a:ln>
+              <a:solidFill>
+                <a:srgbClr val="FF0000"/>
+              </a:solidFill>
+            </a:ln>
+          </p:spPr>
+          <p:style>
+            <a:lnRef idx="2">
+              <a:schemeClr val="accent1">
+                <a:shade val="50000"/>
+              </a:schemeClr>
+            </a:lnRef>
+            <a:fillRef idx="1">
+              <a:schemeClr val="accent1"/>
+            </a:fillRef>
+            <a:effectRef idx="0">
+              <a:schemeClr val="accent1"/>
+            </a:effectRef>
+            <a:fontRef idx="minor">
+              <a:schemeClr val="lt1"/>
+            </a:fontRef>
+          </p:style>
+          <p:txBody>
+            <a:bodyPr rtlCol="0" anchor="ctr"/>
+            <a:lstStyle/>
+            <a:p>
+              <a:pPr algn="ctr"/>
+              <a:endParaRPr lang="fr-CH" sz="900"/>
+            </a:p>
+          </p:txBody>
+        </p:sp>
+        <p:grpSp>
+          <p:nvGrpSpPr>
+            <p:cNvPr id="725" name="Groupe 111">
+              <a:extLst>
+                <a:ext uri="{FF2B5EF4-FFF2-40B4-BE49-F238E27FC236}">
+                  <a16:creationId xmlns:a16="http://schemas.microsoft.com/office/drawing/2014/main" id="{AA3D06F5-9948-4A3E-BA44-9C7F1AAE958A}"/>
+                </a:ext>
+              </a:extLst>
+            </p:cNvPr>
+            <p:cNvGrpSpPr/>
+            <p:nvPr/>
+          </p:nvGrpSpPr>
+          <p:grpSpPr>
+            <a:xfrm>
+              <a:off x="6444563" y="1630338"/>
+              <a:ext cx="148747" cy="324612"/>
+              <a:chOff x="7249709" y="320635"/>
+              <a:chExt cx="223617" cy="518588"/>
+            </a:xfrm>
+            <a:noFill/>
+          </p:grpSpPr>
+          <p:cxnSp>
+            <p:nvCxnSpPr>
+              <p:cNvPr id="927" name="Connecteur droit 102">
+                <a:extLst>
+                  <a:ext uri="{FF2B5EF4-FFF2-40B4-BE49-F238E27FC236}">
+                    <a16:creationId xmlns:a16="http://schemas.microsoft.com/office/drawing/2014/main" id="{C2F5CC94-1AF2-4D5F-A595-3563A39CF2A9}"/>
+                  </a:ext>
+                </a:extLst>
+              </p:cNvPr>
+              <p:cNvCxnSpPr>
+                <a:cxnSpLocks/>
+              </p:cNvCxnSpPr>
+              <p:nvPr/>
+            </p:nvCxnSpPr>
+            <p:spPr>
+              <a:xfrm rot="10800000">
+                <a:off x="7361517" y="392775"/>
+                <a:ext cx="1" cy="446448"/>
+              </a:xfrm>
+              <a:prstGeom prst="line">
+                <a:avLst/>
+              </a:prstGeom>
+              <a:grpFill/>
+              <a:ln w="12700">
+                <a:solidFill>
+                  <a:srgbClr val="FF0000"/>
+                </a:solidFill>
+              </a:ln>
+            </p:spPr>
+            <p:style>
+              <a:lnRef idx="1">
+                <a:schemeClr val="accent1"/>
+              </a:lnRef>
+              <a:fillRef idx="0">
+                <a:schemeClr val="accent1"/>
+              </a:fillRef>
+              <a:effectRef idx="0">
+                <a:schemeClr val="accent1"/>
+              </a:effectRef>
+              <a:fontRef idx="minor">
+                <a:schemeClr val="tx1"/>
+              </a:fontRef>
+            </p:style>
+          </p:cxnSp>
+          <p:sp>
+            <p:nvSpPr>
+              <p:cNvPr id="928" name="Ellipse 103">
+                <a:extLst>
+                  <a:ext uri="{FF2B5EF4-FFF2-40B4-BE49-F238E27FC236}">
+                    <a16:creationId xmlns:a16="http://schemas.microsoft.com/office/drawing/2014/main" id="{ADF1C8B0-EF6D-49E1-938F-0434B081AAA3}"/>
+                  </a:ext>
+                </a:extLst>
+              </p:cNvPr>
+              <p:cNvSpPr/>
+              <p:nvPr/>
+            </p:nvSpPr>
+            <p:spPr>
+              <a:xfrm rot="10800000">
+                <a:off x="7261806" y="506257"/>
+                <a:ext cx="199423" cy="183038"/>
+              </a:xfrm>
+              <a:prstGeom prst="ellipse">
+                <a:avLst/>
+              </a:prstGeom>
+              <a:solidFill>
+                <a:srgbClr val="FFFF00"/>
+              </a:solidFill>
+              <a:ln w="12700">
+                <a:solidFill>
+                  <a:srgbClr val="FF0000"/>
+                </a:solidFill>
+              </a:ln>
+            </p:spPr>
+            <p:style>
+              <a:lnRef idx="2">
+                <a:schemeClr val="accent1">
+                  <a:shade val="50000"/>
+                </a:schemeClr>
+              </a:lnRef>
+              <a:fillRef idx="1">
+                <a:schemeClr val="accent1"/>
+              </a:fillRef>
+              <a:effectRef idx="0">
+                <a:schemeClr val="accent1"/>
+              </a:effectRef>
+              <a:fontRef idx="minor">
+                <a:schemeClr val="lt1"/>
+              </a:fontRef>
+            </p:style>
+            <p:txBody>
+              <a:bodyPr rtlCol="0" anchor="ctr"/>
+              <a:lstStyle/>
+              <a:p>
+                <a:pPr algn="ctr"/>
+                <a:endParaRPr lang="fr-CH" sz="900" dirty="0"/>
+              </a:p>
+            </p:txBody>
+          </p:sp>
+          <p:grpSp>
+            <p:nvGrpSpPr>
+              <p:cNvPr id="929" name="Groupe 104">
+                <a:extLst>
+                  <a:ext uri="{FF2B5EF4-FFF2-40B4-BE49-F238E27FC236}">
+                    <a16:creationId xmlns:a16="http://schemas.microsoft.com/office/drawing/2014/main" id="{1706391B-01B3-4580-812C-91B75D26560F}"/>
+                  </a:ext>
+                </a:extLst>
+              </p:cNvPr>
+              <p:cNvGrpSpPr/>
+              <p:nvPr/>
+            </p:nvGrpSpPr>
+            <p:grpSpPr>
+              <a:xfrm rot="5400000">
+                <a:off x="7325822" y="244522"/>
+                <a:ext cx="71391" cy="223617"/>
+                <a:chOff x="1538662" y="1143263"/>
+                <a:chExt cx="73531" cy="223624"/>
+              </a:xfrm>
+              <a:grpFill/>
+            </p:grpSpPr>
+            <p:cxnSp>
+              <p:nvCxnSpPr>
+                <p:cNvPr id="930" name="Connecteur droit 105">
+                  <a:extLst>
+                    <a:ext uri="{FF2B5EF4-FFF2-40B4-BE49-F238E27FC236}">
+                      <a16:creationId xmlns:a16="http://schemas.microsoft.com/office/drawing/2014/main" id="{95899685-FD61-4E3B-96F3-346E5667AA55}"/>
+                    </a:ext>
+                  </a:extLst>
+                </p:cNvPr>
+                <p:cNvCxnSpPr>
+                  <a:cxnSpLocks/>
+                </p:cNvCxnSpPr>
+                <p:nvPr/>
+              </p:nvCxnSpPr>
+              <p:spPr>
+                <a:xfrm>
+                  <a:off x="1612193" y="1143263"/>
+                  <a:ext cx="0" cy="223624"/>
+                </a:xfrm>
+                <a:prstGeom prst="line">
+                  <a:avLst/>
+                </a:prstGeom>
+                <a:grpFill/>
+                <a:ln w="12700">
+                  <a:solidFill>
+                    <a:srgbClr val="FF0000"/>
+                  </a:solidFill>
+                </a:ln>
+              </p:spPr>
+              <p:style>
+                <a:lnRef idx="1">
+                  <a:schemeClr val="accent1"/>
+                </a:lnRef>
+                <a:fillRef idx="0">
+                  <a:schemeClr val="accent1"/>
+                </a:fillRef>
+                <a:effectRef idx="0">
+                  <a:schemeClr val="accent1"/>
+                </a:effectRef>
+                <a:fontRef idx="minor">
+                  <a:schemeClr val="tx1"/>
+                </a:fontRef>
+              </p:style>
+            </p:cxnSp>
+            <p:cxnSp>
+              <p:nvCxnSpPr>
+                <p:cNvPr id="931" name="Connecteur droit 106">
+                  <a:extLst>
+                    <a:ext uri="{FF2B5EF4-FFF2-40B4-BE49-F238E27FC236}">
+                      <a16:creationId xmlns:a16="http://schemas.microsoft.com/office/drawing/2014/main" id="{27BD5B62-6292-46ED-8D47-FED886E29015}"/>
+                    </a:ext>
+                  </a:extLst>
+                </p:cNvPr>
+                <p:cNvCxnSpPr>
+                  <a:cxnSpLocks/>
+                </p:cNvCxnSpPr>
+                <p:nvPr/>
+              </p:nvCxnSpPr>
+              <p:spPr>
+                <a:xfrm flipH="1">
+                  <a:off x="1538662" y="1187124"/>
+                  <a:ext cx="67873" cy="68396"/>
+                </a:xfrm>
+                <a:prstGeom prst="line">
+                  <a:avLst/>
+                </a:prstGeom>
+                <a:grpFill/>
+                <a:ln w="12700">
+                  <a:solidFill>
+                    <a:srgbClr val="FF0000"/>
+                  </a:solidFill>
+                </a:ln>
+              </p:spPr>
+              <p:style>
+                <a:lnRef idx="1">
+                  <a:schemeClr val="accent1"/>
+                </a:lnRef>
+                <a:fillRef idx="0">
+                  <a:schemeClr val="accent1"/>
+                </a:fillRef>
+                <a:effectRef idx="0">
+                  <a:schemeClr val="accent1"/>
+                </a:effectRef>
+                <a:fontRef idx="minor">
+                  <a:schemeClr val="tx1"/>
+                </a:fontRef>
+              </p:style>
+            </p:cxnSp>
+            <p:cxnSp>
+              <p:nvCxnSpPr>
+                <p:cNvPr id="932" name="Connecteur droit 107">
+                  <a:extLst>
+                    <a:ext uri="{FF2B5EF4-FFF2-40B4-BE49-F238E27FC236}">
+                      <a16:creationId xmlns:a16="http://schemas.microsoft.com/office/drawing/2014/main" id="{8D6199A6-A1EB-4ED1-8691-4AAFD1196F47}"/>
+                    </a:ext>
+                  </a:extLst>
+                </p:cNvPr>
+                <p:cNvCxnSpPr>
+                  <a:cxnSpLocks/>
+                </p:cNvCxnSpPr>
+                <p:nvPr/>
+              </p:nvCxnSpPr>
+              <p:spPr>
+                <a:xfrm flipH="1">
+                  <a:off x="1541491" y="1238421"/>
+                  <a:ext cx="67873" cy="68396"/>
+                </a:xfrm>
+                <a:prstGeom prst="line">
+                  <a:avLst/>
+                </a:prstGeom>
+                <a:grpFill/>
+                <a:ln w="12700">
+                  <a:solidFill>
+                    <a:srgbClr val="FF0000"/>
+                  </a:solidFill>
+                </a:ln>
+              </p:spPr>
+              <p:style>
+                <a:lnRef idx="1">
+                  <a:schemeClr val="accent1"/>
+                </a:lnRef>
+                <a:fillRef idx="0">
+                  <a:schemeClr val="accent1"/>
+                </a:fillRef>
+                <a:effectRef idx="0">
+                  <a:schemeClr val="accent1"/>
+                </a:effectRef>
+                <a:fontRef idx="minor">
+                  <a:schemeClr val="tx1"/>
+                </a:fontRef>
+              </p:style>
+            </p:cxnSp>
+            <p:cxnSp>
+              <p:nvCxnSpPr>
+                <p:cNvPr id="933" name="Connecteur droit 108">
+                  <a:extLst>
+                    <a:ext uri="{FF2B5EF4-FFF2-40B4-BE49-F238E27FC236}">
+                      <a16:creationId xmlns:a16="http://schemas.microsoft.com/office/drawing/2014/main" id="{9D447A3F-11A5-4B40-94BB-AFBDD48E6314}"/>
+                    </a:ext>
+                  </a:extLst>
+                </p:cNvPr>
+                <p:cNvCxnSpPr>
+                  <a:cxnSpLocks/>
+                </p:cNvCxnSpPr>
+                <p:nvPr/>
+              </p:nvCxnSpPr>
+              <p:spPr>
+                <a:xfrm flipH="1">
+                  <a:off x="1538662" y="1294328"/>
+                  <a:ext cx="67873" cy="68396"/>
+                </a:xfrm>
+                <a:prstGeom prst="line">
+                  <a:avLst/>
+                </a:prstGeom>
+                <a:grpFill/>
+                <a:ln w="12700">
+                  <a:solidFill>
+                    <a:srgbClr val="FF0000"/>
+                  </a:solidFill>
+                </a:ln>
+              </p:spPr>
+              <p:style>
+                <a:lnRef idx="1">
+                  <a:schemeClr val="accent1"/>
+                </a:lnRef>
+                <a:fillRef idx="0">
+                  <a:schemeClr val="accent1"/>
+                </a:fillRef>
+                <a:effectRef idx="0">
+                  <a:schemeClr val="accent1"/>
+                </a:effectRef>
+                <a:fontRef idx="minor">
+                  <a:schemeClr val="tx1"/>
+                </a:fontRef>
+              </p:style>
+            </p:cxnSp>
+          </p:grpSp>
+        </p:grpSp>
+        <p:sp>
+          <p:nvSpPr>
+            <p:cNvPr id="726" name="TextBox 725">
+              <a:extLst>
+                <a:ext uri="{FF2B5EF4-FFF2-40B4-BE49-F238E27FC236}">
+                  <a16:creationId xmlns:a16="http://schemas.microsoft.com/office/drawing/2014/main" id="{D5DADE2D-11B6-47A1-9489-B560454BBEDE}"/>
+                </a:ext>
+              </a:extLst>
+            </p:cNvPr>
+            <p:cNvSpPr txBox="1"/>
+            <p:nvPr/>
+          </p:nvSpPr>
+          <p:spPr>
+            <a:xfrm>
+              <a:off x="6402942" y="1908974"/>
+              <a:ext cx="236562" cy="230832"/>
+            </a:xfrm>
+            <a:prstGeom prst="rect">
+              <a:avLst/>
+            </a:prstGeom>
+            <a:noFill/>
+            <a:ln>
+              <a:noFill/>
+            </a:ln>
+          </p:spPr>
+          <p:txBody>
+            <a:bodyPr wrap="square" rtlCol="0">
+              <a:spAutoFit/>
+            </a:bodyPr>
+            <a:lstStyle/>
+            <a:p>
+              <a:r>
+                <a:rPr lang="en-US" sz="900" dirty="0">
+                  <a:solidFill>
+                    <a:srgbClr val="FF0000"/>
+                  </a:solidFill>
+                </a:rPr>
+                <a:t>4</a:t>
+              </a:r>
+              <a:endParaRPr lang="en-GB" sz="900" dirty="0">
+                <a:solidFill>
+                  <a:srgbClr val="FF0000"/>
+                </a:solidFill>
+              </a:endParaRPr>
+            </a:p>
+          </p:txBody>
+        </p:sp>
+        <p:sp>
+          <p:nvSpPr>
+            <p:cNvPr id="727" name="TextBox 726">
+              <a:extLst>
+                <a:ext uri="{FF2B5EF4-FFF2-40B4-BE49-F238E27FC236}">
+                  <a16:creationId xmlns:a16="http://schemas.microsoft.com/office/drawing/2014/main" id="{B194498A-EDC6-4FC5-932C-0A5E8B1A5341}"/>
+                </a:ext>
+              </a:extLst>
+            </p:cNvPr>
+            <p:cNvSpPr txBox="1"/>
+            <p:nvPr/>
+          </p:nvSpPr>
+          <p:spPr>
+            <a:xfrm>
+              <a:off x="4510632" y="1780261"/>
+              <a:ext cx="269696" cy="230832"/>
+            </a:xfrm>
+            <a:prstGeom prst="rect">
+              <a:avLst/>
+            </a:prstGeom>
+            <a:noFill/>
+            <a:ln>
+              <a:noFill/>
+            </a:ln>
+          </p:spPr>
+          <p:txBody>
+            <a:bodyPr wrap="square" rtlCol="0">
+              <a:spAutoFit/>
+            </a:bodyPr>
+            <a:lstStyle/>
+            <a:p>
+              <a:r>
+                <a:rPr lang="en-US" sz="900" dirty="0">
+                  <a:solidFill>
+                    <a:srgbClr val="FF0000"/>
+                  </a:solidFill>
+                </a:rPr>
+                <a:t>1</a:t>
+              </a:r>
+              <a:endParaRPr lang="en-GB" sz="900" dirty="0">
+                <a:solidFill>
+                  <a:srgbClr val="FF0000"/>
+                </a:solidFill>
+              </a:endParaRPr>
+            </a:p>
+          </p:txBody>
+        </p:sp>
+        <p:sp>
+          <p:nvSpPr>
+            <p:cNvPr id="728" name="TextBox 727">
+              <a:extLst>
+                <a:ext uri="{FF2B5EF4-FFF2-40B4-BE49-F238E27FC236}">
+                  <a16:creationId xmlns:a16="http://schemas.microsoft.com/office/drawing/2014/main" id="{C588CB47-44CF-438C-BDD8-81D5C7B62025}"/>
+                </a:ext>
+              </a:extLst>
+            </p:cNvPr>
+            <p:cNvSpPr txBox="1"/>
+            <p:nvPr/>
+          </p:nvSpPr>
+          <p:spPr>
+            <a:xfrm>
+              <a:off x="5775764" y="1760381"/>
+              <a:ext cx="253908" cy="230832"/>
+            </a:xfrm>
+            <a:prstGeom prst="rect">
+              <a:avLst/>
+            </a:prstGeom>
+            <a:noFill/>
+            <a:ln>
+              <a:noFill/>
+            </a:ln>
+          </p:spPr>
+          <p:txBody>
+            <a:bodyPr wrap="square" rtlCol="0">
+              <a:spAutoFit/>
+            </a:bodyPr>
+            <a:lstStyle/>
+            <a:p>
+              <a:r>
+                <a:rPr lang="en-US" sz="900" dirty="0">
+                  <a:solidFill>
+                    <a:srgbClr val="FF0000"/>
+                  </a:solidFill>
+                </a:rPr>
+                <a:t>3</a:t>
+              </a:r>
+              <a:endParaRPr lang="en-GB" sz="900" dirty="0">
+                <a:solidFill>
+                  <a:srgbClr val="FF0000"/>
+                </a:solidFill>
+              </a:endParaRPr>
+            </a:p>
+          </p:txBody>
+        </p:sp>
+        <p:sp>
+          <p:nvSpPr>
+            <p:cNvPr id="729" name="TextBox 728">
+              <a:extLst>
+                <a:ext uri="{FF2B5EF4-FFF2-40B4-BE49-F238E27FC236}">
+                  <a16:creationId xmlns:a16="http://schemas.microsoft.com/office/drawing/2014/main" id="{841D9339-5311-4F38-A37E-145724CF313E}"/>
+                </a:ext>
+              </a:extLst>
+            </p:cNvPr>
+            <p:cNvSpPr txBox="1"/>
+            <p:nvPr/>
+          </p:nvSpPr>
+          <p:spPr>
+            <a:xfrm>
+              <a:off x="5156885" y="1770758"/>
+              <a:ext cx="212609" cy="230832"/>
+            </a:xfrm>
+            <a:prstGeom prst="rect">
+              <a:avLst/>
+            </a:prstGeom>
+            <a:noFill/>
+            <a:ln>
+              <a:noFill/>
+            </a:ln>
+          </p:spPr>
+          <p:txBody>
+            <a:bodyPr wrap="square" rtlCol="0">
+              <a:spAutoFit/>
+            </a:bodyPr>
+            <a:lstStyle/>
+            <a:p>
+              <a:r>
+                <a:rPr lang="en-US" sz="900" dirty="0">
+                  <a:solidFill>
+                    <a:srgbClr val="FF0000"/>
+                  </a:solidFill>
+                </a:rPr>
+                <a:t>2</a:t>
+              </a:r>
+              <a:endParaRPr lang="en-GB" sz="900" dirty="0">
+                <a:solidFill>
+                  <a:srgbClr val="FF0000"/>
+                </a:solidFill>
+              </a:endParaRPr>
+            </a:p>
+          </p:txBody>
+        </p:sp>
+        <p:sp>
+          <p:nvSpPr>
+            <p:cNvPr id="730" name="TextBox 729">
+              <a:extLst>
+                <a:ext uri="{FF2B5EF4-FFF2-40B4-BE49-F238E27FC236}">
+                  <a16:creationId xmlns:a16="http://schemas.microsoft.com/office/drawing/2014/main" id="{5ABA64D2-8C31-4E17-9A90-EDE25A4B04EC}"/>
+                </a:ext>
+              </a:extLst>
+            </p:cNvPr>
+            <p:cNvSpPr txBox="1"/>
+            <p:nvPr/>
+          </p:nvSpPr>
+          <p:spPr>
+            <a:xfrm>
+              <a:off x="3872678" y="1768105"/>
+              <a:ext cx="201632" cy="230832"/>
+            </a:xfrm>
+            <a:prstGeom prst="rect">
+              <a:avLst/>
+            </a:prstGeom>
+            <a:noFill/>
+            <a:ln>
+              <a:noFill/>
+            </a:ln>
+          </p:spPr>
+          <p:txBody>
+            <a:bodyPr wrap="square" rtlCol="0">
+              <a:spAutoFit/>
+            </a:bodyPr>
+            <a:lstStyle/>
+            <a:p>
+              <a:r>
+                <a:rPr lang="en-US" sz="900" dirty="0">
+                  <a:solidFill>
+                    <a:srgbClr val="FF0000"/>
+                  </a:solidFill>
+                </a:rPr>
+                <a:t>0</a:t>
+              </a:r>
+              <a:endParaRPr lang="en-GB" sz="900" dirty="0"/>
+            </a:p>
+          </p:txBody>
+        </p:sp>
+        <p:grpSp>
+          <p:nvGrpSpPr>
+            <p:cNvPr id="731" name="Groupe 27">
+              <a:extLst>
+                <a:ext uri="{FF2B5EF4-FFF2-40B4-BE49-F238E27FC236}">
+                  <a16:creationId xmlns:a16="http://schemas.microsoft.com/office/drawing/2014/main" id="{09EA0928-30DA-430E-88BF-6DA6F48F33F8}"/>
+                </a:ext>
+              </a:extLst>
+            </p:cNvPr>
+            <p:cNvGrpSpPr/>
+            <p:nvPr/>
+          </p:nvGrpSpPr>
+          <p:grpSpPr>
+            <a:xfrm>
+              <a:off x="3541231" y="2031828"/>
+              <a:ext cx="299102" cy="230832"/>
+              <a:chOff x="3557858" y="2108261"/>
+              <a:chExt cx="299102" cy="230832"/>
+            </a:xfrm>
+          </p:grpSpPr>
+          <p:sp>
+            <p:nvSpPr>
+              <p:cNvPr id="807" name="TextBox 352">
+                <a:extLst>
+                  <a:ext uri="{FF2B5EF4-FFF2-40B4-BE49-F238E27FC236}">
+                    <a16:creationId xmlns:a16="http://schemas.microsoft.com/office/drawing/2014/main" id="{D6DEDA7D-7DBB-4114-BC85-171A5D84F7F1}"/>
+                  </a:ext>
+                </a:extLst>
+              </p:cNvPr>
+              <p:cNvSpPr txBox="1"/>
+              <p:nvPr/>
+            </p:nvSpPr>
+            <p:spPr>
+              <a:xfrm>
+                <a:off x="3557858" y="2108261"/>
+                <a:ext cx="201632" cy="230832"/>
+              </a:xfrm>
+              <a:prstGeom prst="rect">
+                <a:avLst/>
+              </a:prstGeom>
+              <a:noFill/>
+              <a:ln>
+                <a:noFill/>
+              </a:ln>
+            </p:spPr>
+            <p:txBody>
+              <a:bodyPr wrap="square" rtlCol="0">
+                <a:spAutoFit/>
+              </a:bodyPr>
+              <a:lstStyle/>
+              <a:p>
+                <a:r>
+                  <a:rPr lang="en-US" sz="900" dirty="0">
+                    <a:solidFill>
+                      <a:srgbClr val="FF0000"/>
+                    </a:solidFill>
+                  </a:rPr>
+                  <a:t>0</a:t>
+                </a:r>
+                <a:endParaRPr lang="en-GB" sz="900" dirty="0"/>
+              </a:p>
+            </p:txBody>
+          </p:sp>
+          <p:cxnSp>
+            <p:nvCxnSpPr>
+              <p:cNvPr id="926" name="Connecteur droit avec flèche 23">
+                <a:extLst>
+                  <a:ext uri="{FF2B5EF4-FFF2-40B4-BE49-F238E27FC236}">
+                    <a16:creationId xmlns:a16="http://schemas.microsoft.com/office/drawing/2014/main" id="{6732EB51-308F-44C2-A659-A497D42A7A75}"/>
+                  </a:ext>
+                </a:extLst>
+              </p:cNvPr>
+              <p:cNvCxnSpPr>
+                <a:cxnSpLocks/>
+              </p:cNvCxnSpPr>
+              <p:nvPr/>
+            </p:nvCxnSpPr>
+            <p:spPr>
+              <a:xfrm>
+                <a:off x="3557858" y="2136657"/>
+                <a:ext cx="299102" cy="0"/>
+              </a:xfrm>
+              <a:prstGeom prst="straightConnector1">
+                <a:avLst/>
+              </a:prstGeom>
+              <a:ln>
+                <a:tailEnd type="triangle"/>
+              </a:ln>
+            </p:spPr>
+            <p:style>
+              <a:lnRef idx="1">
+                <a:schemeClr val="dk1"/>
+              </a:lnRef>
+              <a:fillRef idx="0">
+                <a:schemeClr val="dk1"/>
+              </a:fillRef>
+              <a:effectRef idx="0">
+                <a:schemeClr val="dk1"/>
+              </a:effectRef>
+              <a:fontRef idx="minor">
+                <a:schemeClr val="tx1"/>
+              </a:fontRef>
+            </p:style>
+          </p:cxnSp>
+        </p:grpSp>
+        <p:grpSp>
+          <p:nvGrpSpPr>
+            <p:cNvPr id="732" name="Groupe 372">
+              <a:extLst>
+                <a:ext uri="{FF2B5EF4-FFF2-40B4-BE49-F238E27FC236}">
+                  <a16:creationId xmlns:a16="http://schemas.microsoft.com/office/drawing/2014/main" id="{1DDEE87C-7137-43BC-9DDA-16C46339EB24}"/>
+                </a:ext>
+              </a:extLst>
+            </p:cNvPr>
+            <p:cNvGrpSpPr/>
+            <p:nvPr/>
+          </p:nvGrpSpPr>
+          <p:grpSpPr>
+            <a:xfrm>
+              <a:off x="4175270" y="2038378"/>
+              <a:ext cx="299102" cy="230832"/>
+              <a:chOff x="3557858" y="2108261"/>
+              <a:chExt cx="299102" cy="230832"/>
+            </a:xfrm>
+          </p:grpSpPr>
+          <p:sp>
+            <p:nvSpPr>
+              <p:cNvPr id="752" name="TextBox 352">
+                <a:extLst>
+                  <a:ext uri="{FF2B5EF4-FFF2-40B4-BE49-F238E27FC236}">
+                    <a16:creationId xmlns:a16="http://schemas.microsoft.com/office/drawing/2014/main" id="{C64C41A1-8373-4EE4-9B54-E522D1DE82AA}"/>
+                  </a:ext>
+                </a:extLst>
+              </p:cNvPr>
+              <p:cNvSpPr txBox="1"/>
+              <p:nvPr/>
+            </p:nvSpPr>
+            <p:spPr>
+              <a:xfrm>
+                <a:off x="3557858" y="2108261"/>
+                <a:ext cx="201632" cy="230832"/>
+              </a:xfrm>
+              <a:prstGeom prst="rect">
+                <a:avLst/>
+              </a:prstGeom>
+              <a:noFill/>
+              <a:ln>
+                <a:noFill/>
+              </a:ln>
+            </p:spPr>
+            <p:txBody>
+              <a:bodyPr wrap="square" rtlCol="0">
+                <a:spAutoFit/>
+              </a:bodyPr>
+              <a:lstStyle/>
+              <a:p>
+                <a:r>
+                  <a:rPr lang="en-US" sz="900" dirty="0">
+                    <a:solidFill>
+                      <a:srgbClr val="FF0000"/>
+                    </a:solidFill>
+                  </a:rPr>
+                  <a:t>1</a:t>
+                </a:r>
+                <a:endParaRPr lang="en-GB" sz="900" dirty="0"/>
+              </a:p>
+            </p:txBody>
+          </p:sp>
+          <p:cxnSp>
+            <p:nvCxnSpPr>
+              <p:cNvPr id="757" name="Connecteur droit avec flèche 374">
+                <a:extLst>
+                  <a:ext uri="{FF2B5EF4-FFF2-40B4-BE49-F238E27FC236}">
+                    <a16:creationId xmlns:a16="http://schemas.microsoft.com/office/drawing/2014/main" id="{D1CF7CEE-AF02-4759-A858-9ADE8022D4D8}"/>
+                  </a:ext>
+                </a:extLst>
+              </p:cNvPr>
+              <p:cNvCxnSpPr>
+                <a:cxnSpLocks/>
+              </p:cNvCxnSpPr>
+              <p:nvPr/>
+            </p:nvCxnSpPr>
+            <p:spPr>
+              <a:xfrm>
+                <a:off x="3557858" y="2136657"/>
+                <a:ext cx="299102" cy="0"/>
+              </a:xfrm>
+              <a:prstGeom prst="straightConnector1">
+                <a:avLst/>
+              </a:prstGeom>
+              <a:ln>
+                <a:tailEnd type="triangle"/>
+              </a:ln>
+            </p:spPr>
+            <p:style>
+              <a:lnRef idx="1">
+                <a:schemeClr val="dk1"/>
+              </a:lnRef>
+              <a:fillRef idx="0">
+                <a:schemeClr val="dk1"/>
+              </a:fillRef>
+              <a:effectRef idx="0">
+                <a:schemeClr val="dk1"/>
+              </a:effectRef>
+              <a:fontRef idx="minor">
+                <a:schemeClr val="tx1"/>
+              </a:fontRef>
+            </p:style>
+          </p:cxnSp>
+        </p:grpSp>
+        <p:grpSp>
+          <p:nvGrpSpPr>
+            <p:cNvPr id="733" name="Groupe 375">
+              <a:extLst>
+                <a:ext uri="{FF2B5EF4-FFF2-40B4-BE49-F238E27FC236}">
+                  <a16:creationId xmlns:a16="http://schemas.microsoft.com/office/drawing/2014/main" id="{EF207903-F8E0-4CE1-863C-12522948FB36}"/>
+                </a:ext>
+              </a:extLst>
+            </p:cNvPr>
+            <p:cNvGrpSpPr/>
+            <p:nvPr/>
+          </p:nvGrpSpPr>
+          <p:grpSpPr>
+            <a:xfrm>
+              <a:off x="4795396" y="2031828"/>
+              <a:ext cx="299102" cy="230832"/>
+              <a:chOff x="3557858" y="2108261"/>
+              <a:chExt cx="299102" cy="230832"/>
+            </a:xfrm>
+          </p:grpSpPr>
+          <p:sp>
+            <p:nvSpPr>
+              <p:cNvPr id="750" name="TextBox 352">
+                <a:extLst>
+                  <a:ext uri="{FF2B5EF4-FFF2-40B4-BE49-F238E27FC236}">
+                    <a16:creationId xmlns:a16="http://schemas.microsoft.com/office/drawing/2014/main" id="{84F7C4A4-370A-432E-BC99-9DF475658530}"/>
+                  </a:ext>
+                </a:extLst>
+              </p:cNvPr>
+              <p:cNvSpPr txBox="1"/>
+              <p:nvPr/>
+            </p:nvSpPr>
+            <p:spPr>
+              <a:xfrm>
+                <a:off x="3557858" y="2108261"/>
+                <a:ext cx="201632" cy="230832"/>
+              </a:xfrm>
+              <a:prstGeom prst="rect">
+                <a:avLst/>
+              </a:prstGeom>
+              <a:noFill/>
+              <a:ln>
+                <a:noFill/>
+              </a:ln>
+            </p:spPr>
+            <p:txBody>
+              <a:bodyPr wrap="square" rtlCol="0">
+                <a:spAutoFit/>
+              </a:bodyPr>
+              <a:lstStyle/>
+              <a:p>
+                <a:r>
+                  <a:rPr lang="en-US" sz="900" dirty="0">
+                    <a:solidFill>
+                      <a:srgbClr val="FF0000"/>
+                    </a:solidFill>
+                  </a:rPr>
+                  <a:t>2</a:t>
+                </a:r>
+                <a:endParaRPr lang="en-GB" sz="900" dirty="0"/>
+              </a:p>
+            </p:txBody>
+          </p:sp>
+          <p:cxnSp>
+            <p:nvCxnSpPr>
+              <p:cNvPr id="751" name="Connecteur droit avec flèche 377">
+                <a:extLst>
+                  <a:ext uri="{FF2B5EF4-FFF2-40B4-BE49-F238E27FC236}">
+                    <a16:creationId xmlns:a16="http://schemas.microsoft.com/office/drawing/2014/main" id="{50802DA8-9F3E-42E2-9C72-9529884CEEFE}"/>
+                  </a:ext>
+                </a:extLst>
+              </p:cNvPr>
+              <p:cNvCxnSpPr>
+                <a:cxnSpLocks/>
+              </p:cNvCxnSpPr>
+              <p:nvPr/>
+            </p:nvCxnSpPr>
+            <p:spPr>
+              <a:xfrm>
+                <a:off x="3557858" y="2136657"/>
+                <a:ext cx="299102" cy="0"/>
+              </a:xfrm>
+              <a:prstGeom prst="straightConnector1">
+                <a:avLst/>
+              </a:prstGeom>
+              <a:ln>
+                <a:tailEnd type="triangle"/>
+              </a:ln>
+            </p:spPr>
+            <p:style>
+              <a:lnRef idx="1">
+                <a:schemeClr val="dk1"/>
+              </a:lnRef>
+              <a:fillRef idx="0">
+                <a:schemeClr val="dk1"/>
+              </a:fillRef>
+              <a:effectRef idx="0">
+                <a:schemeClr val="dk1"/>
+              </a:effectRef>
+              <a:fontRef idx="minor">
+                <a:schemeClr val="tx1"/>
+              </a:fontRef>
+            </p:style>
+          </p:cxnSp>
+        </p:grpSp>
+        <p:grpSp>
+          <p:nvGrpSpPr>
+            <p:cNvPr id="734" name="Groupe 378">
+              <a:extLst>
+                <a:ext uri="{FF2B5EF4-FFF2-40B4-BE49-F238E27FC236}">
+                  <a16:creationId xmlns:a16="http://schemas.microsoft.com/office/drawing/2014/main" id="{1D7916F6-CA8F-476E-82DE-837C2AAE05CB}"/>
+                </a:ext>
+              </a:extLst>
+            </p:cNvPr>
+            <p:cNvGrpSpPr/>
+            <p:nvPr/>
+          </p:nvGrpSpPr>
+          <p:grpSpPr>
+            <a:xfrm>
+              <a:off x="5426299" y="2034844"/>
+              <a:ext cx="299102" cy="230832"/>
+              <a:chOff x="3557858" y="2108261"/>
+              <a:chExt cx="299102" cy="230832"/>
+            </a:xfrm>
+          </p:grpSpPr>
+          <p:sp>
+            <p:nvSpPr>
+              <p:cNvPr id="744" name="TextBox 352">
+                <a:extLst>
+                  <a:ext uri="{FF2B5EF4-FFF2-40B4-BE49-F238E27FC236}">
+                    <a16:creationId xmlns:a16="http://schemas.microsoft.com/office/drawing/2014/main" id="{23B2B919-914E-459A-B6D1-B8623290031A}"/>
+                  </a:ext>
+                </a:extLst>
+              </p:cNvPr>
+              <p:cNvSpPr txBox="1"/>
+              <p:nvPr/>
+            </p:nvSpPr>
+            <p:spPr>
+              <a:xfrm>
+                <a:off x="3557858" y="2108261"/>
+                <a:ext cx="201632" cy="230832"/>
+              </a:xfrm>
+              <a:prstGeom prst="rect">
+                <a:avLst/>
+              </a:prstGeom>
+              <a:noFill/>
+              <a:ln>
+                <a:noFill/>
+              </a:ln>
+            </p:spPr>
+            <p:txBody>
+              <a:bodyPr wrap="square" rtlCol="0">
+                <a:spAutoFit/>
+              </a:bodyPr>
+              <a:lstStyle/>
+              <a:p>
+                <a:r>
+                  <a:rPr lang="en-US" sz="900" dirty="0">
+                    <a:solidFill>
+                      <a:srgbClr val="FF0000"/>
+                    </a:solidFill>
+                  </a:rPr>
+                  <a:t>3</a:t>
+                </a:r>
+                <a:endParaRPr lang="en-GB" sz="900" dirty="0"/>
+              </a:p>
+            </p:txBody>
+          </p:sp>
+          <p:cxnSp>
+            <p:nvCxnSpPr>
+              <p:cNvPr id="749" name="Connecteur droit avec flèche 380">
+                <a:extLst>
+                  <a:ext uri="{FF2B5EF4-FFF2-40B4-BE49-F238E27FC236}">
+                    <a16:creationId xmlns:a16="http://schemas.microsoft.com/office/drawing/2014/main" id="{80C2E9AB-C81E-459C-A9F4-388C67ADAE35}"/>
+                  </a:ext>
+                </a:extLst>
+              </p:cNvPr>
+              <p:cNvCxnSpPr>
+                <a:cxnSpLocks/>
+              </p:cNvCxnSpPr>
+              <p:nvPr/>
+            </p:nvCxnSpPr>
+            <p:spPr>
+              <a:xfrm>
+                <a:off x="3557858" y="2136657"/>
+                <a:ext cx="299102" cy="0"/>
+              </a:xfrm>
+              <a:prstGeom prst="straightConnector1">
+                <a:avLst/>
+              </a:prstGeom>
+              <a:ln>
+                <a:tailEnd type="triangle"/>
+              </a:ln>
+            </p:spPr>
+            <p:style>
+              <a:lnRef idx="1">
+                <a:schemeClr val="dk1"/>
+              </a:lnRef>
+              <a:fillRef idx="0">
+                <a:schemeClr val="dk1"/>
+              </a:fillRef>
+              <a:effectRef idx="0">
+                <a:schemeClr val="dk1"/>
+              </a:effectRef>
+              <a:fontRef idx="minor">
+                <a:schemeClr val="tx1"/>
+              </a:fontRef>
+            </p:style>
+          </p:cxnSp>
+        </p:grpSp>
+        <p:grpSp>
+          <p:nvGrpSpPr>
+            <p:cNvPr id="735" name="Groupe 381">
+              <a:extLst>
+                <a:ext uri="{FF2B5EF4-FFF2-40B4-BE49-F238E27FC236}">
+                  <a16:creationId xmlns:a16="http://schemas.microsoft.com/office/drawing/2014/main" id="{A813F9C0-DD35-4449-A41D-0B257422AECB}"/>
+                </a:ext>
+              </a:extLst>
+            </p:cNvPr>
+            <p:cNvGrpSpPr/>
+            <p:nvPr/>
+          </p:nvGrpSpPr>
+          <p:grpSpPr>
+            <a:xfrm>
+              <a:off x="6080829" y="2034844"/>
+              <a:ext cx="299102" cy="230832"/>
+              <a:chOff x="3557858" y="2108261"/>
+              <a:chExt cx="299102" cy="230832"/>
+            </a:xfrm>
+          </p:grpSpPr>
+          <p:sp>
+            <p:nvSpPr>
+              <p:cNvPr id="742" name="TextBox 352">
+                <a:extLst>
+                  <a:ext uri="{FF2B5EF4-FFF2-40B4-BE49-F238E27FC236}">
+                    <a16:creationId xmlns:a16="http://schemas.microsoft.com/office/drawing/2014/main" id="{33A350B0-5B6F-4C96-8BA3-1C43D07E63DE}"/>
+                  </a:ext>
+                </a:extLst>
+              </p:cNvPr>
+              <p:cNvSpPr txBox="1"/>
+              <p:nvPr/>
+            </p:nvSpPr>
+            <p:spPr>
+              <a:xfrm>
+                <a:off x="3557858" y="2108261"/>
+                <a:ext cx="201632" cy="230832"/>
+              </a:xfrm>
+              <a:prstGeom prst="rect">
+                <a:avLst/>
+              </a:prstGeom>
+              <a:noFill/>
+              <a:ln>
+                <a:noFill/>
+              </a:ln>
+            </p:spPr>
+            <p:txBody>
+              <a:bodyPr wrap="square" rtlCol="0">
+                <a:spAutoFit/>
+              </a:bodyPr>
+              <a:lstStyle/>
+              <a:p>
+                <a:r>
+                  <a:rPr lang="en-US" sz="900" dirty="0">
+                    <a:solidFill>
+                      <a:srgbClr val="FF0000"/>
+                    </a:solidFill>
+                  </a:rPr>
+                  <a:t>4</a:t>
+                </a:r>
+                <a:endParaRPr lang="en-GB" sz="900" dirty="0"/>
+              </a:p>
+            </p:txBody>
+          </p:sp>
+          <p:cxnSp>
+            <p:nvCxnSpPr>
+              <p:cNvPr id="743" name="Connecteur droit avec flèche 383">
+                <a:extLst>
+                  <a:ext uri="{FF2B5EF4-FFF2-40B4-BE49-F238E27FC236}">
+                    <a16:creationId xmlns:a16="http://schemas.microsoft.com/office/drawing/2014/main" id="{CD689FA5-6155-4ABE-985B-6BC64D017BDD}"/>
+                  </a:ext>
+                </a:extLst>
+              </p:cNvPr>
+              <p:cNvCxnSpPr>
+                <a:cxnSpLocks/>
+              </p:cNvCxnSpPr>
+              <p:nvPr/>
+            </p:nvCxnSpPr>
+            <p:spPr>
+              <a:xfrm>
+                <a:off x="3557858" y="2136657"/>
+                <a:ext cx="299102" cy="0"/>
+              </a:xfrm>
+              <a:prstGeom prst="straightConnector1">
+                <a:avLst/>
+              </a:prstGeom>
+              <a:ln>
+                <a:tailEnd type="triangle"/>
+              </a:ln>
+            </p:spPr>
+            <p:style>
+              <a:lnRef idx="1">
+                <a:schemeClr val="dk1"/>
+              </a:lnRef>
+              <a:fillRef idx="0">
+                <a:schemeClr val="dk1"/>
+              </a:fillRef>
+              <a:effectRef idx="0">
+                <a:schemeClr val="dk1"/>
+              </a:effectRef>
+              <a:fontRef idx="minor">
+                <a:schemeClr val="tx1"/>
+              </a:fontRef>
+            </p:style>
+          </p:cxnSp>
+        </p:grpSp>
+        <mc:AlternateContent xmlns:mc="http://schemas.openxmlformats.org/markup-compatibility/2006" xmlns:a14="http://schemas.microsoft.com/office/drawing/2010/main">
+          <mc:Choice Requires="a14">
+            <p:sp>
+              <p:nvSpPr>
+                <p:cNvPr id="736" name="ZoneTexte 31">
+                  <a:extLst>
+                    <a:ext uri="{FF2B5EF4-FFF2-40B4-BE49-F238E27FC236}">
+                      <a16:creationId xmlns:a16="http://schemas.microsoft.com/office/drawing/2014/main" id="{DFB79021-6C50-4C7B-BE0E-210A5EF58B38}"/>
+                    </a:ext>
+                  </a:extLst>
+                </p:cNvPr>
+                <p:cNvSpPr txBox="1"/>
+                <p:nvPr/>
+              </p:nvSpPr>
+              <p:spPr>
+                <a:xfrm>
+                  <a:off x="3199310" y="2037540"/>
+                  <a:ext cx="135101" cy="138499"/>
+                </a:xfrm>
+                <a:prstGeom prst="rect">
+                  <a:avLst/>
+                </a:prstGeom>
+                <a:noFill/>
+              </p:spPr>
+              <p:txBody>
+                <a:bodyPr wrap="none" lIns="0" tIns="0" rIns="0" bIns="0" rtlCol="0">
+                  <a:spAutoFit/>
+                </a:bodyPr>
+                <a:lstStyle/>
+                <a:p>
+                  <a:pPr/>
+                  <a14:m>
+                    <m:oMathPara xmlns:m="http://schemas.openxmlformats.org/officeDocument/2006/math">
+                      <m:oMathParaPr>
+                        <m:jc m:val="centerGroup"/>
+                      </m:oMathParaPr>
+                      <m:oMath xmlns:m="http://schemas.openxmlformats.org/officeDocument/2006/math">
+                        <m:sSub>
+                          <m:sSubPr>
+                            <m:ctrlPr>
+                              <a:rPr lang="fr-CH" sz="900" i="1" smtClean="0">
+                                <a:solidFill>
+                                  <a:srgbClr val="836967"/>
+                                </a:solidFill>
+                                <a:latin typeface="Cambria Math" panose="02040503050406030204" pitchFamily="18" charset="0"/>
+                              </a:rPr>
+                            </m:ctrlPr>
+                          </m:sSubPr>
+                          <m:e>
+                            <m:r>
+                              <a:rPr lang="fr-CH" sz="900" i="1" smtClean="0">
+                                <a:latin typeface="Cambria Math" panose="02040503050406030204" pitchFamily="18" charset="0"/>
+                              </a:rPr>
+                              <m:t>𝑇</m:t>
+                            </m:r>
+                          </m:e>
+                          <m:sub>
+                            <m:r>
+                              <a:rPr lang="fr-CH" sz="900" i="1" smtClean="0">
+                                <a:latin typeface="Cambria Math" panose="02040503050406030204" pitchFamily="18" charset="0"/>
+                              </a:rPr>
+                              <m:t>0</m:t>
+                            </m:r>
+                          </m:sub>
+                        </m:sSub>
+                      </m:oMath>
+                    </m:oMathPara>
+                  </a14:m>
+                  <a:endParaRPr lang="fr-CH" sz="900" dirty="0"/>
+                </a:p>
+              </p:txBody>
+            </p:sp>
+          </mc:Choice>
+          <mc:Fallback xmlns="">
+            <p:sp>
+              <p:nvSpPr>
+                <p:cNvPr id="32" name="ZoneTexte 31">
+                  <a:extLst>
+                    <a:ext uri="{FF2B5EF4-FFF2-40B4-BE49-F238E27FC236}">
+                      <a16:creationId xmlns:a16="http://schemas.microsoft.com/office/drawing/2014/main" id="{77B446F0-E526-448F-84DF-DD16F6CA1C59}"/>
+                    </a:ext>
+                  </a:extLst>
+                </p:cNvPr>
+                <p:cNvSpPr txBox="1">
+                  <a:spLocks noRot="1" noChangeAspect="1" noMove="1" noResize="1" noEditPoints="1" noAdjustHandles="1" noChangeArrowheads="1" noChangeShapeType="1" noTextEdit="1"/>
+                </p:cNvSpPr>
+                <p:nvPr/>
+              </p:nvSpPr>
+              <p:spPr>
+                <a:xfrm>
+                  <a:off x="3199310" y="2037540"/>
+                  <a:ext cx="135101" cy="138499"/>
+                </a:xfrm>
+                <a:prstGeom prst="rect">
+                  <a:avLst/>
+                </a:prstGeom>
+                <a:blipFill>
+                  <a:blip r:embed="rId7"/>
+                  <a:stretch>
+                    <a:fillRect l="-22727" r="-9091" b="-22727"/>
+                  </a:stretch>
+                </a:blipFill>
+              </p:spPr>
+              <p:txBody>
+                <a:bodyPr/>
+                <a:lstStyle/>
+                <a:p>
+                  <a:r>
+                    <a:rPr lang="fr-CH">
+                      <a:noFill/>
+                    </a:rPr>
+                    <a:t> </a:t>
+                  </a:r>
+                </a:p>
+              </p:txBody>
+            </p:sp>
+          </mc:Fallback>
+        </mc:AlternateContent>
+        <p:sp>
+          <p:nvSpPr>
+            <p:cNvPr id="737" name="Ellipse 478">
+              <a:extLst>
+                <a:ext uri="{FF2B5EF4-FFF2-40B4-BE49-F238E27FC236}">
+                  <a16:creationId xmlns:a16="http://schemas.microsoft.com/office/drawing/2014/main" id="{296495A1-9030-407F-B68D-529207D234E1}"/>
+                </a:ext>
+              </a:extLst>
+            </p:cNvPr>
+            <p:cNvSpPr/>
+            <p:nvPr/>
+          </p:nvSpPr>
+          <p:spPr>
+            <a:xfrm>
+              <a:off x="3183660" y="1883521"/>
+              <a:ext cx="135101" cy="142858"/>
+            </a:xfrm>
+            <a:prstGeom prst="ellipse">
+              <a:avLst/>
+            </a:prstGeom>
+            <a:solidFill>
+              <a:schemeClr val="bg1"/>
+            </a:solidFill>
+            <a:ln w="12700">
+              <a:solidFill>
+                <a:srgbClr val="FF0000"/>
+              </a:solidFill>
+            </a:ln>
+          </p:spPr>
+          <p:style>
+            <a:lnRef idx="2">
+              <a:schemeClr val="accent1">
+                <a:shade val="50000"/>
+              </a:schemeClr>
+            </a:lnRef>
+            <a:fillRef idx="1">
+              <a:schemeClr val="accent1"/>
+            </a:fillRef>
+            <a:effectRef idx="0">
+              <a:schemeClr val="accent1"/>
+            </a:effectRef>
+            <a:fontRef idx="minor">
+              <a:schemeClr val="lt1"/>
+            </a:fontRef>
+          </p:style>
+          <p:txBody>
+            <a:bodyPr rtlCol="0" anchor="ctr"/>
+            <a:lstStyle/>
+            <a:p>
+              <a:pPr algn="ctr"/>
+              <a:endParaRPr lang="fr-CH"/>
+            </a:p>
+          </p:txBody>
+        </p:sp>
+        <p:sp>
+          <p:nvSpPr>
+            <p:cNvPr id="738" name="ZoneTexte 20">
+              <a:extLst>
+                <a:ext uri="{FF2B5EF4-FFF2-40B4-BE49-F238E27FC236}">
+                  <a16:creationId xmlns:a16="http://schemas.microsoft.com/office/drawing/2014/main" id="{0512BF01-578C-4430-851E-839172F2B4F9}"/>
+                </a:ext>
+              </a:extLst>
+            </p:cNvPr>
+            <p:cNvSpPr txBox="1"/>
+            <p:nvPr/>
+          </p:nvSpPr>
+          <p:spPr>
+            <a:xfrm>
+              <a:off x="3101778" y="1835942"/>
+              <a:ext cx="303288" cy="230832"/>
+            </a:xfrm>
+            <a:prstGeom prst="rect">
+              <a:avLst/>
+            </a:prstGeom>
+            <a:noFill/>
+          </p:spPr>
+          <p:txBody>
+            <a:bodyPr wrap="none" rtlCol="0">
+              <a:spAutoFit/>
+            </a:bodyPr>
+            <a:lstStyle/>
+            <a:p>
+              <a:r>
+                <a:rPr lang="fr-CH" sz="900" dirty="0"/>
+                <a:t>- +</a:t>
+              </a:r>
+            </a:p>
+          </p:txBody>
+        </p:sp>
+        <p:sp>
+          <p:nvSpPr>
+            <p:cNvPr id="739" name="Ellipse 93">
+              <a:extLst>
+                <a:ext uri="{FF2B5EF4-FFF2-40B4-BE49-F238E27FC236}">
+                  <a16:creationId xmlns:a16="http://schemas.microsoft.com/office/drawing/2014/main" id="{F049A56A-62D9-43DE-837C-CF208D2A29F1}"/>
+                </a:ext>
+              </a:extLst>
+            </p:cNvPr>
+            <p:cNvSpPr/>
+            <p:nvPr/>
+          </p:nvSpPr>
+          <p:spPr>
+            <a:xfrm>
+              <a:off x="3977609" y="1946454"/>
+              <a:ext cx="30412" cy="28618"/>
+            </a:xfrm>
+            <a:prstGeom prst="ellipse">
+              <a:avLst/>
+            </a:prstGeom>
+            <a:solidFill>
+              <a:srgbClr val="FF0000"/>
+            </a:solidFill>
+            <a:ln>
+              <a:solidFill>
+                <a:srgbClr val="FF0000"/>
+              </a:solidFill>
+            </a:ln>
+          </p:spPr>
+          <p:style>
+            <a:lnRef idx="2">
+              <a:schemeClr val="accent1">
+                <a:shade val="50000"/>
+              </a:schemeClr>
+            </a:lnRef>
+            <a:fillRef idx="1">
+              <a:schemeClr val="accent1"/>
+            </a:fillRef>
+            <a:effectRef idx="0">
+              <a:schemeClr val="accent1"/>
+            </a:effectRef>
+            <a:fontRef idx="minor">
+              <a:schemeClr val="lt1"/>
+            </a:fontRef>
+          </p:style>
+          <p:txBody>
+            <a:bodyPr rtlCol="0" anchor="ctr"/>
+            <a:lstStyle/>
+            <a:p>
+              <a:pPr algn="ctr"/>
+              <a:endParaRPr lang="fr-CH" sz="900"/>
+            </a:p>
+          </p:txBody>
+        </p:sp>
+        <p:cxnSp>
+          <p:nvCxnSpPr>
+            <p:cNvPr id="740" name="Connecteur droit avec flèche 74">
+              <a:extLst>
+                <a:ext uri="{FF2B5EF4-FFF2-40B4-BE49-F238E27FC236}">
+                  <a16:creationId xmlns:a16="http://schemas.microsoft.com/office/drawing/2014/main" id="{0678B149-EB63-41D9-A161-C18377D1C5FC}"/>
+                </a:ext>
+              </a:extLst>
+            </p:cNvPr>
+            <p:cNvCxnSpPr>
+              <a:cxnSpLocks/>
+              <a:stCxn id="711" idx="4"/>
+              <a:endCxn id="711" idx="0"/>
+            </p:cNvCxnSpPr>
+            <p:nvPr/>
+          </p:nvCxnSpPr>
+          <p:spPr>
+            <a:xfrm flipV="1">
+              <a:off x="3994318" y="2054288"/>
+              <a:ext cx="0" cy="114573"/>
+            </a:xfrm>
+            <a:prstGeom prst="straightConnector1">
+              <a:avLst/>
+            </a:prstGeom>
+            <a:ln w="3175">
+              <a:solidFill>
+                <a:schemeClr val="accent2"/>
+              </a:solidFill>
+              <a:headEnd type="none" w="med" len="sm"/>
+              <a:tailEnd type="triangle" w="sm" len="sm"/>
+            </a:ln>
+          </p:spPr>
+          <p:style>
+            <a:lnRef idx="1">
+              <a:schemeClr val="accent1"/>
+            </a:lnRef>
+            <a:fillRef idx="0">
+              <a:schemeClr val="accent1"/>
+            </a:fillRef>
+            <a:effectRef idx="0">
+              <a:schemeClr val="accent1"/>
+            </a:effectRef>
+            <a:fontRef idx="minor">
+              <a:schemeClr val="tx1"/>
+            </a:fontRef>
+          </p:style>
+        </p:cxnSp>
+        <p:cxnSp>
+          <p:nvCxnSpPr>
+            <p:cNvPr id="741" name="Connecteur droit avec flèche 485">
+              <a:extLst>
+                <a:ext uri="{FF2B5EF4-FFF2-40B4-BE49-F238E27FC236}">
+                  <a16:creationId xmlns:a16="http://schemas.microsoft.com/office/drawing/2014/main" id="{71493983-2CB4-489B-A049-A4844CE28F69}"/>
+                </a:ext>
+              </a:extLst>
+            </p:cNvPr>
+            <p:cNvCxnSpPr>
+              <a:cxnSpLocks/>
+              <a:stCxn id="928" idx="4"/>
+              <a:endCxn id="928" idx="0"/>
+            </p:cNvCxnSpPr>
+            <p:nvPr/>
+          </p:nvCxnSpPr>
+          <p:spPr>
+            <a:xfrm>
+              <a:off x="6518936" y="1746529"/>
+              <a:ext cx="0" cy="114573"/>
+            </a:xfrm>
+            <a:prstGeom prst="straightConnector1">
+              <a:avLst/>
+            </a:prstGeom>
+            <a:ln w="3175">
+              <a:solidFill>
+                <a:schemeClr val="accent2"/>
+              </a:solidFill>
+              <a:headEnd type="none" w="med" len="sm"/>
+              <a:tailEnd type="triangle" w="sm" len="sm"/>
+            </a:ln>
+          </p:spPr>
+          <p:style>
+            <a:lnRef idx="1">
+              <a:schemeClr val="accent1"/>
+            </a:lnRef>
+            <a:fillRef idx="0">
+              <a:schemeClr val="accent1"/>
+            </a:fillRef>
+            <a:effectRef idx="0">
+              <a:schemeClr val="accent1"/>
+            </a:effectRef>
+            <a:fontRef idx="minor">
+              <a:schemeClr val="tx1"/>
+            </a:fontRef>
+          </p:style>
+        </p:cxnSp>
+      </p:grpSp>
+      <p:grpSp>
+        <p:nvGrpSpPr>
+          <p:cNvPr id="961" name="Groupe 278">
+            <a:extLst>
+              <a:ext uri="{FF2B5EF4-FFF2-40B4-BE49-F238E27FC236}">
+                <a16:creationId xmlns:a16="http://schemas.microsoft.com/office/drawing/2014/main" id="{AF2C0ACA-8622-4E17-A060-E1EA3007BD88}"/>
+              </a:ext>
+            </a:extLst>
+          </p:cNvPr>
+          <p:cNvGrpSpPr/>
+          <p:nvPr/>
+        </p:nvGrpSpPr>
+        <p:grpSpPr>
+          <a:xfrm>
+            <a:off x="9048806" y="3101757"/>
+            <a:ext cx="658556" cy="118015"/>
+            <a:chOff x="7701483" y="2472628"/>
+            <a:chExt cx="990030" cy="188536"/>
+          </a:xfrm>
+        </p:grpSpPr>
+        <p:sp>
+          <p:nvSpPr>
+            <p:cNvPr id="962" name="Rectangle 961">
+              <a:extLst>
+                <a:ext uri="{FF2B5EF4-FFF2-40B4-BE49-F238E27FC236}">
+                  <a16:creationId xmlns:a16="http://schemas.microsoft.com/office/drawing/2014/main" id="{BAC82495-EE33-45DC-A737-1B843FD792C6}"/>
+                </a:ext>
+              </a:extLst>
+            </p:cNvPr>
+            <p:cNvSpPr/>
+            <p:nvPr/>
+          </p:nvSpPr>
+          <p:spPr>
+            <a:xfrm>
+              <a:off x="7923674" y="2472628"/>
+              <a:ext cx="556181" cy="188536"/>
+            </a:xfrm>
+            <a:prstGeom prst="rect">
+              <a:avLst/>
+            </a:prstGeom>
+            <a:solidFill>
+              <a:schemeClr val="bg1"/>
+            </a:solidFill>
+            <a:ln w="12700">
+              <a:solidFill>
+                <a:schemeClr val="accent3"/>
+              </a:solidFill>
+            </a:ln>
+          </p:spPr>
+          <p:style>
+            <a:lnRef idx="2">
+              <a:schemeClr val="accent1">
+                <a:shade val="50000"/>
+              </a:schemeClr>
+            </a:lnRef>
+            <a:fillRef idx="1">
+              <a:schemeClr val="accent1"/>
+            </a:fillRef>
+            <a:effectRef idx="0">
+              <a:schemeClr val="accent1"/>
+            </a:effectRef>
+            <a:fontRef idx="minor">
+              <a:schemeClr val="lt1"/>
+            </a:fontRef>
+          </p:style>
+          <p:txBody>
+            <a:bodyPr rtlCol="0" anchor="ctr"/>
+            <a:lstStyle/>
+            <a:p>
+              <a:pPr algn="ctr"/>
+              <a:endParaRPr lang="fr-CH"/>
+            </a:p>
+          </p:txBody>
+        </p:sp>
+        <p:cxnSp>
+          <p:nvCxnSpPr>
+            <p:cNvPr id="963" name="Connecteur droit 280">
+              <a:extLst>
+                <a:ext uri="{FF2B5EF4-FFF2-40B4-BE49-F238E27FC236}">
+                  <a16:creationId xmlns:a16="http://schemas.microsoft.com/office/drawing/2014/main" id="{7B341E2D-AC72-4721-981F-22D43E505EBB}"/>
+                </a:ext>
+              </a:extLst>
+            </p:cNvPr>
+            <p:cNvCxnSpPr>
+              <a:cxnSpLocks/>
+            </p:cNvCxnSpPr>
+            <p:nvPr/>
+          </p:nvCxnSpPr>
+          <p:spPr>
+            <a:xfrm flipV="1">
+              <a:off x="8479857" y="2562832"/>
+              <a:ext cx="211656" cy="1316"/>
+            </a:xfrm>
+            <a:prstGeom prst="line">
+              <a:avLst/>
+            </a:prstGeom>
+            <a:ln w="12700">
+              <a:solidFill>
+                <a:schemeClr val="accent3"/>
+              </a:solidFill>
+            </a:ln>
+          </p:spPr>
+          <p:style>
+            <a:lnRef idx="1">
+              <a:schemeClr val="accent1"/>
+            </a:lnRef>
+            <a:fillRef idx="0">
+              <a:schemeClr val="accent1"/>
+            </a:fillRef>
+            <a:effectRef idx="0">
+              <a:schemeClr val="accent1"/>
+            </a:effectRef>
+            <a:fontRef idx="minor">
+              <a:schemeClr val="tx1"/>
+            </a:fontRef>
+          </p:style>
+        </p:cxnSp>
+        <p:cxnSp>
+          <p:nvCxnSpPr>
+            <p:cNvPr id="964" name="Connecteur droit 281">
+              <a:extLst>
+                <a:ext uri="{FF2B5EF4-FFF2-40B4-BE49-F238E27FC236}">
+                  <a16:creationId xmlns:a16="http://schemas.microsoft.com/office/drawing/2014/main" id="{A4F0AEF4-BFEB-4A3C-A0E0-99A919A118FB}"/>
+                </a:ext>
+              </a:extLst>
+            </p:cNvPr>
+            <p:cNvCxnSpPr>
+              <a:cxnSpLocks/>
+            </p:cNvCxnSpPr>
+            <p:nvPr/>
+          </p:nvCxnSpPr>
+          <p:spPr>
+            <a:xfrm flipV="1">
+              <a:off x="7712020" y="2562832"/>
+              <a:ext cx="211656" cy="1316"/>
+            </a:xfrm>
+            <a:prstGeom prst="line">
+              <a:avLst/>
+            </a:prstGeom>
+            <a:ln w="12700">
+              <a:solidFill>
+                <a:schemeClr val="accent3"/>
+              </a:solidFill>
+            </a:ln>
+          </p:spPr>
+          <p:style>
+            <a:lnRef idx="1">
+              <a:schemeClr val="accent1"/>
+            </a:lnRef>
+            <a:fillRef idx="0">
+              <a:schemeClr val="accent1"/>
+            </a:fillRef>
+            <a:effectRef idx="0">
+              <a:schemeClr val="accent1"/>
+            </a:effectRef>
+            <a:fontRef idx="minor">
+              <a:schemeClr val="tx1"/>
+            </a:fontRef>
+          </p:style>
+        </p:cxnSp>
+        <p:sp>
+          <p:nvSpPr>
+            <p:cNvPr id="965" name="Ellipse 282">
+              <a:extLst>
+                <a:ext uri="{FF2B5EF4-FFF2-40B4-BE49-F238E27FC236}">
+                  <a16:creationId xmlns:a16="http://schemas.microsoft.com/office/drawing/2014/main" id="{1125313D-B670-45A7-8AFC-C2EE51FCE95B}"/>
+                </a:ext>
+              </a:extLst>
+            </p:cNvPr>
+            <p:cNvSpPr/>
+            <p:nvPr/>
+          </p:nvSpPr>
+          <p:spPr>
+            <a:xfrm>
+              <a:off x="7701483" y="2540629"/>
+              <a:ext cx="45719" cy="45719"/>
+            </a:xfrm>
+            <a:prstGeom prst="ellipse">
+              <a:avLst/>
+            </a:prstGeom>
+            <a:solidFill>
+              <a:schemeClr val="accent3"/>
+            </a:solidFill>
+            <a:ln>
+              <a:solidFill>
+                <a:schemeClr val="accent3"/>
+              </a:solidFill>
+            </a:ln>
+          </p:spPr>
+          <p:style>
+            <a:lnRef idx="2">
+              <a:schemeClr val="accent1">
+                <a:shade val="50000"/>
+              </a:schemeClr>
+            </a:lnRef>
+            <a:fillRef idx="1">
+              <a:schemeClr val="accent1"/>
+            </a:fillRef>
+            <a:effectRef idx="0">
+              <a:schemeClr val="accent1"/>
+            </a:effectRef>
+            <a:fontRef idx="minor">
+              <a:schemeClr val="lt1"/>
+            </a:fontRef>
+          </p:style>
+          <p:txBody>
+            <a:bodyPr rtlCol="0" anchor="ctr"/>
+            <a:lstStyle/>
+            <a:p>
+              <a:pPr algn="ctr"/>
+              <a:endParaRPr lang="fr-CH"/>
+            </a:p>
+          </p:txBody>
+        </p:sp>
+      </p:grpSp>
+      <p:cxnSp>
+        <p:nvCxnSpPr>
+          <p:cNvPr id="966" name="Connecteur droit 301">
+            <a:extLst>
+              <a:ext uri="{FF2B5EF4-FFF2-40B4-BE49-F238E27FC236}">
+                <a16:creationId xmlns:a16="http://schemas.microsoft.com/office/drawing/2014/main" id="{8C4D33DE-06F3-429B-9958-11BD1D429647}"/>
+              </a:ext>
+            </a:extLst>
+          </p:cNvPr>
+          <p:cNvCxnSpPr>
+            <a:cxnSpLocks/>
+            <a:endCxn id="233" idx="1"/>
+          </p:cNvCxnSpPr>
+          <p:nvPr/>
+        </p:nvCxnSpPr>
+        <p:spPr>
+          <a:xfrm>
+            <a:off x="9704832" y="3157728"/>
+            <a:ext cx="429958" cy="234846"/>
+          </a:xfrm>
+          <a:prstGeom prst="line">
+            <a:avLst/>
+          </a:prstGeom>
+          <a:ln w="12700">
+            <a:solidFill>
+              <a:schemeClr val="accent3"/>
+            </a:solidFill>
+          </a:ln>
+        </p:spPr>
+        <p:style>
+          <a:lnRef idx="1">
+            <a:schemeClr val="accent1"/>
+          </a:lnRef>
+          <a:fillRef idx="0">
+            <a:schemeClr val="accent1"/>
+          </a:fillRef>
+          <a:effectRef idx="0">
+            <a:schemeClr val="accent1"/>
+          </a:effectRef>
+          <a:fontRef idx="minor">
+            <a:schemeClr val="tx1"/>
+          </a:fontRef>
+        </p:style>
+      </p:cxnSp>
+      <p:cxnSp>
+        <p:nvCxnSpPr>
+          <p:cNvPr id="967" name="Connecteur droit avec flèche 410">
+            <a:extLst>
+              <a:ext uri="{FF2B5EF4-FFF2-40B4-BE49-F238E27FC236}">
+                <a16:creationId xmlns:a16="http://schemas.microsoft.com/office/drawing/2014/main" id="{DB1340A5-2FCF-4FCF-BF16-646515ED2046}"/>
+              </a:ext>
+            </a:extLst>
+          </p:cNvPr>
+          <p:cNvCxnSpPr>
+            <a:cxnSpLocks/>
+          </p:cNvCxnSpPr>
+          <p:nvPr/>
+        </p:nvCxnSpPr>
+        <p:spPr>
+          <a:xfrm>
+            <a:off x="9223900" y="3257698"/>
+            <a:ext cx="299102" cy="0"/>
+          </a:xfrm>
+          <a:prstGeom prst="straightConnector1">
+            <a:avLst/>
+          </a:prstGeom>
+          <a:ln>
+            <a:tailEnd type="triangle"/>
+          </a:ln>
+        </p:spPr>
+        <p:style>
+          <a:lnRef idx="1">
+            <a:schemeClr val="dk1"/>
+          </a:lnRef>
+          <a:fillRef idx="0">
+            <a:schemeClr val="dk1"/>
+          </a:fillRef>
+          <a:effectRef idx="0">
+            <a:schemeClr val="dk1"/>
+          </a:effectRef>
+          <a:fontRef idx="minor">
+            <a:schemeClr val="tx1"/>
+          </a:fontRef>
+        </p:style>
+      </p:cxnSp>
+      <p:sp>
+        <p:nvSpPr>
+          <p:cNvPr id="968" name="TextBox 348">
+            <a:extLst>
+              <a:ext uri="{FF2B5EF4-FFF2-40B4-BE49-F238E27FC236}">
+                <a16:creationId xmlns:a16="http://schemas.microsoft.com/office/drawing/2014/main" id="{BE4253A2-B20A-458E-B480-C47067D744F5}"/>
+              </a:ext>
+            </a:extLst>
+          </p:cNvPr>
+          <p:cNvSpPr txBox="1"/>
+          <p:nvPr/>
+        </p:nvSpPr>
+        <p:spPr>
+          <a:xfrm>
+            <a:off x="8942088" y="3144549"/>
+            <a:ext cx="236562" cy="230832"/>
+          </a:xfrm>
+          <a:prstGeom prst="rect">
+            <a:avLst/>
+          </a:prstGeom>
+          <a:noFill/>
+          <a:ln>
+            <a:noFill/>
+          </a:ln>
+        </p:spPr>
+        <p:txBody>
+          <a:bodyPr wrap="square" rtlCol="0">
+            <a:spAutoFit/>
+          </a:bodyPr>
+          <a:lstStyle/>
+          <a:p>
+            <a:r>
+              <a:rPr lang="en-US" sz="900" dirty="0">
+                <a:solidFill>
+                  <a:schemeClr val="accent3"/>
+                </a:solidFill>
+              </a:rPr>
+              <a:t>4</a:t>
+            </a:r>
+            <a:endParaRPr lang="en-GB" sz="900" dirty="0">
+              <a:solidFill>
+                <a:schemeClr val="accent3"/>
+              </a:solidFill>
+            </a:endParaRPr>
+          </a:p>
+        </p:txBody>
+      </p:sp>
+      <p:sp>
+        <p:nvSpPr>
+          <p:cNvPr id="973" name="TextBox 352">
+            <a:extLst>
+              <a:ext uri="{FF2B5EF4-FFF2-40B4-BE49-F238E27FC236}">
+                <a16:creationId xmlns:a16="http://schemas.microsoft.com/office/drawing/2014/main" id="{EB6E219B-9F9E-4137-AF5C-4139BB5F2C5D}"/>
+              </a:ext>
+            </a:extLst>
+          </p:cNvPr>
+          <p:cNvSpPr txBox="1"/>
+          <p:nvPr/>
+        </p:nvSpPr>
+        <p:spPr>
+          <a:xfrm>
+            <a:off x="9255455" y="3216548"/>
+            <a:ext cx="201632" cy="230832"/>
+          </a:xfrm>
+          <a:prstGeom prst="rect">
+            <a:avLst/>
+          </a:prstGeom>
+          <a:noFill/>
+          <a:ln>
+            <a:noFill/>
+          </a:ln>
+        </p:spPr>
+        <p:txBody>
+          <a:bodyPr wrap="square" rtlCol="0">
+            <a:spAutoFit/>
+          </a:bodyPr>
+          <a:lstStyle/>
+          <a:p>
+            <a:r>
+              <a:rPr lang="en-US" sz="900" dirty="0">
+                <a:solidFill>
+                  <a:schemeClr val="accent3"/>
+                </a:solidFill>
+              </a:rPr>
+              <a:t>3</a:t>
+            </a:r>
+            <a:endParaRPr lang="en-GB" sz="900" dirty="0">
+              <a:solidFill>
+                <a:schemeClr val="accent3"/>
+              </a:solidFill>
+            </a:endParaRPr>
+          </a:p>
+        </p:txBody>
+      </p:sp>
+      <p:cxnSp>
+        <p:nvCxnSpPr>
+          <p:cNvPr id="974" name="Connecteur droit 612">
+            <a:extLst>
+              <a:ext uri="{FF2B5EF4-FFF2-40B4-BE49-F238E27FC236}">
+                <a16:creationId xmlns:a16="http://schemas.microsoft.com/office/drawing/2014/main" id="{55D3093E-EC1A-4D43-9FB4-2796A135B8DA}"/>
+              </a:ext>
+            </a:extLst>
+          </p:cNvPr>
+          <p:cNvCxnSpPr>
+            <a:cxnSpLocks/>
+            <a:stCxn id="965" idx="2"/>
+          </p:cNvCxnSpPr>
+          <p:nvPr/>
+        </p:nvCxnSpPr>
+        <p:spPr>
+          <a:xfrm flipH="1" flipV="1">
+            <a:off x="6515132" y="3034844"/>
+            <a:ext cx="2533674" cy="123788"/>
+          </a:xfrm>
+          <a:prstGeom prst="line">
+            <a:avLst/>
+          </a:prstGeom>
+          <a:ln w="12700">
+            <a:solidFill>
+              <a:schemeClr val="tx2"/>
+            </a:solidFill>
+            <a:prstDash val="dash"/>
+          </a:ln>
+        </p:spPr>
+        <p:style>
+          <a:lnRef idx="1">
+            <a:schemeClr val="accent1"/>
+          </a:lnRef>
+          <a:fillRef idx="0">
+            <a:schemeClr val="accent1"/>
+          </a:fillRef>
+          <a:effectRef idx="0">
+            <a:schemeClr val="accent1"/>
+          </a:effectRef>
+          <a:fontRef idx="minor">
+            <a:schemeClr val="tx1"/>
+          </a:fontRef>
+        </p:style>
+      </p:cxnSp>
     </p:spTree>
     <p:extLst>
       <p:ext uri="{BB962C8B-B14F-4D97-AF65-F5344CB8AC3E}">

--- a/Model.pptx
+++ b/Model.pptx
@@ -5,10 +5,12 @@
     <p:sldMasterId id="2147483648" r:id="rId1"/>
   </p:sldMasterIdLst>
   <p:notesMasterIdLst>
-    <p:notesMasterId r:id="rId3"/>
+    <p:notesMasterId r:id="rId5"/>
   </p:notesMasterIdLst>
   <p:sldIdLst>
     <p:sldId id="263" r:id="rId2"/>
+    <p:sldId id="264" r:id="rId3"/>
+    <p:sldId id="265" r:id="rId4"/>
   </p:sldIdLst>
   <p:sldSz cx="12192000" cy="6858000"/>
   <p:notesSz cx="6858000" cy="9144000"/>
@@ -197,7 +199,7 @@
           <a:p>
             <a:fld id="{14D1BE04-9263-435A-81F5-73C17F0C20C1}" type="datetimeFigureOut">
               <a:rPr lang="fr-CH" smtClean="0"/>
-              <a:t>24.11.2021</a:t>
+              <a:t>25.11.2021</a:t>
             </a:fld>
             <a:endParaRPr lang="fr-CH"/>
           </a:p>
@@ -614,7 +616,7 @@
           <a:p>
             <a:fld id="{9E145323-7D54-4AB4-83D4-5EF3B368BC69}" type="datetimeFigureOut">
               <a:rPr lang="fr-CH" smtClean="0"/>
-              <a:t>24.11.2021</a:t>
+              <a:t>25.11.2021</a:t>
             </a:fld>
             <a:endParaRPr lang="fr-CH"/>
           </a:p>
@@ -814,7 +816,7 @@
           <a:p>
             <a:fld id="{9E145323-7D54-4AB4-83D4-5EF3B368BC69}" type="datetimeFigureOut">
               <a:rPr lang="fr-CH" smtClean="0"/>
-              <a:t>24.11.2021</a:t>
+              <a:t>25.11.2021</a:t>
             </a:fld>
             <a:endParaRPr lang="fr-CH"/>
           </a:p>
@@ -1024,7 +1026,7 @@
           <a:p>
             <a:fld id="{9E145323-7D54-4AB4-83D4-5EF3B368BC69}" type="datetimeFigureOut">
               <a:rPr lang="fr-CH" smtClean="0"/>
-              <a:t>24.11.2021</a:t>
+              <a:t>25.11.2021</a:t>
             </a:fld>
             <a:endParaRPr lang="fr-CH"/>
           </a:p>
@@ -1224,7 +1226,7 @@
           <a:p>
             <a:fld id="{9E145323-7D54-4AB4-83D4-5EF3B368BC69}" type="datetimeFigureOut">
               <a:rPr lang="fr-CH" smtClean="0"/>
-              <a:t>24.11.2021</a:t>
+              <a:t>25.11.2021</a:t>
             </a:fld>
             <a:endParaRPr lang="fr-CH"/>
           </a:p>
@@ -1500,7 +1502,7 @@
           <a:p>
             <a:fld id="{9E145323-7D54-4AB4-83D4-5EF3B368BC69}" type="datetimeFigureOut">
               <a:rPr lang="fr-CH" smtClean="0"/>
-              <a:t>24.11.2021</a:t>
+              <a:t>25.11.2021</a:t>
             </a:fld>
             <a:endParaRPr lang="fr-CH"/>
           </a:p>
@@ -1768,7 +1770,7 @@
           <a:p>
             <a:fld id="{9E145323-7D54-4AB4-83D4-5EF3B368BC69}" type="datetimeFigureOut">
               <a:rPr lang="fr-CH" smtClean="0"/>
-              <a:t>24.11.2021</a:t>
+              <a:t>25.11.2021</a:t>
             </a:fld>
             <a:endParaRPr lang="fr-CH"/>
           </a:p>
@@ -2183,7 +2185,7 @@
           <a:p>
             <a:fld id="{9E145323-7D54-4AB4-83D4-5EF3B368BC69}" type="datetimeFigureOut">
               <a:rPr lang="fr-CH" smtClean="0"/>
-              <a:t>24.11.2021</a:t>
+              <a:t>25.11.2021</a:t>
             </a:fld>
             <a:endParaRPr lang="fr-CH"/>
           </a:p>
@@ -2325,7 +2327,7 @@
           <a:p>
             <a:fld id="{9E145323-7D54-4AB4-83D4-5EF3B368BC69}" type="datetimeFigureOut">
               <a:rPr lang="fr-CH" smtClean="0"/>
-              <a:t>24.11.2021</a:t>
+              <a:t>25.11.2021</a:t>
             </a:fld>
             <a:endParaRPr lang="fr-CH"/>
           </a:p>
@@ -2438,7 +2440,7 @@
           <a:p>
             <a:fld id="{9E145323-7D54-4AB4-83D4-5EF3B368BC69}" type="datetimeFigureOut">
               <a:rPr lang="fr-CH" smtClean="0"/>
-              <a:t>24.11.2021</a:t>
+              <a:t>25.11.2021</a:t>
             </a:fld>
             <a:endParaRPr lang="fr-CH"/>
           </a:p>
@@ -2751,7 +2753,7 @@
           <a:p>
             <a:fld id="{9E145323-7D54-4AB4-83D4-5EF3B368BC69}" type="datetimeFigureOut">
               <a:rPr lang="fr-CH" smtClean="0"/>
-              <a:t>24.11.2021</a:t>
+              <a:t>25.11.2021</a:t>
             </a:fld>
             <a:endParaRPr lang="fr-CH"/>
           </a:p>
@@ -3040,7 +3042,7 @@
           <a:p>
             <a:fld id="{9E145323-7D54-4AB4-83D4-5EF3B368BC69}" type="datetimeFigureOut">
               <a:rPr lang="fr-CH" smtClean="0"/>
-              <a:t>24.11.2021</a:t>
+              <a:t>25.11.2021</a:t>
             </a:fld>
             <a:endParaRPr lang="fr-CH"/>
           </a:p>
@@ -3283,7 +3285,7 @@
           <a:p>
             <a:fld id="{9E145323-7D54-4AB4-83D4-5EF3B368BC69}" type="datetimeFigureOut">
               <a:rPr lang="fr-CH" smtClean="0"/>
-              <a:t>24.11.2021</a:t>
+              <a:t>25.11.2021</a:t>
             </a:fld>
             <a:endParaRPr lang="fr-CH"/>
           </a:p>
@@ -8370,8 +8372,8 @@
           </a:p>
         </p:txBody>
       </p:sp>
-      <mc:AlternateContent xmlns:mc="http://schemas.openxmlformats.org/markup-compatibility/2006">
-        <mc:Choice xmlns:a14="http://schemas.microsoft.com/office/drawing/2010/main" Requires="a14">
+      <mc:AlternateContent xmlns:mc="http://schemas.openxmlformats.org/markup-compatibility/2006" xmlns:a14="http://schemas.microsoft.com/office/drawing/2010/main">
+        <mc:Choice Requires="a14">
           <p:sp>
             <p:nvSpPr>
               <p:cNvPr id="31" name="ZoneTexte 30">
@@ -8449,7 +8451,7 @@
             </p:txBody>
           </p:sp>
         </mc:Choice>
-        <mc:Fallback>
+        <mc:Fallback xmlns="">
           <p:sp>
             <p:nvSpPr>
               <p:cNvPr id="31" name="ZoneTexte 30">
@@ -8494,8 +8496,8 @@
           </p:sp>
         </mc:Fallback>
       </mc:AlternateContent>
-      <mc:AlternateContent xmlns:mc="http://schemas.openxmlformats.org/markup-compatibility/2006">
-        <mc:Choice xmlns:a14="http://schemas.microsoft.com/office/drawing/2010/main" Requires="a14">
+      <mc:AlternateContent xmlns:mc="http://schemas.openxmlformats.org/markup-compatibility/2006" xmlns:a14="http://schemas.microsoft.com/office/drawing/2010/main">
+        <mc:Choice Requires="a14">
           <p:sp>
             <p:nvSpPr>
               <p:cNvPr id="388" name="ZoneTexte 387">
@@ -8573,7 +8575,7 @@
             </p:txBody>
           </p:sp>
         </mc:Choice>
-        <mc:Fallback>
+        <mc:Fallback xmlns="">
           <p:sp>
             <p:nvSpPr>
               <p:cNvPr id="388" name="ZoneTexte 387">
@@ -23691,8 +23693,8 @@
           </a:p>
         </p:txBody>
       </p:sp>
-      <mc:AlternateContent xmlns:mc="http://schemas.openxmlformats.org/markup-compatibility/2006">
-        <mc:Choice xmlns:a14="http://schemas.microsoft.com/office/drawing/2010/main" Requires="a14">
+      <mc:AlternateContent xmlns:mc="http://schemas.openxmlformats.org/markup-compatibility/2006" xmlns:a14="http://schemas.microsoft.com/office/drawing/2010/main">
+        <mc:Choice Requires="a14">
           <p:sp>
             <p:nvSpPr>
               <p:cNvPr id="843" name="ZoneTexte 842">
@@ -23770,7 +23772,7 @@
             </p:txBody>
           </p:sp>
         </mc:Choice>
-        <mc:Fallback>
+        <mc:Fallback xmlns="">
           <p:sp>
             <p:nvSpPr>
               <p:cNvPr id="843" name="ZoneTexte 842">
@@ -23815,8 +23817,8 @@
           </p:sp>
         </mc:Fallback>
       </mc:AlternateContent>
-      <mc:AlternateContent xmlns:mc="http://schemas.openxmlformats.org/markup-compatibility/2006">
-        <mc:Choice xmlns:a14="http://schemas.microsoft.com/office/drawing/2010/main" Requires="a14">
+      <mc:AlternateContent xmlns:mc="http://schemas.openxmlformats.org/markup-compatibility/2006" xmlns:a14="http://schemas.microsoft.com/office/drawing/2010/main">
+        <mc:Choice Requires="a14">
           <p:sp>
             <p:nvSpPr>
               <p:cNvPr id="844" name="ZoneTexte 843">
@@ -23894,7 +23896,7 @@
             </p:txBody>
           </p:sp>
         </mc:Choice>
-        <mc:Fallback>
+        <mc:Fallback xmlns="">
           <p:sp>
             <p:nvSpPr>
               <p:cNvPr id="844" name="ZoneTexte 843">
@@ -24819,8 +24821,8 @@
           </a:fontRef>
         </p:style>
       </p:cxnSp>
-      <mc:AlternateContent xmlns:mc="http://schemas.openxmlformats.org/markup-compatibility/2006">
-        <mc:Choice xmlns:a14="http://schemas.microsoft.com/office/drawing/2010/main" Requires="a14">
+      <mc:AlternateContent xmlns:mc="http://schemas.openxmlformats.org/markup-compatibility/2006" xmlns:a14="http://schemas.microsoft.com/office/drawing/2010/main">
+        <mc:Choice Requires="a14">
           <p:sp>
             <p:nvSpPr>
               <p:cNvPr id="574" name="ZoneTexte 573">
@@ -24898,7 +24900,7 @@
             </p:txBody>
           </p:sp>
         </mc:Choice>
-        <mc:Fallback>
+        <mc:Fallback xmlns="">
           <p:sp>
             <p:nvSpPr>
               <p:cNvPr id="574" name="ZoneTexte 573">
@@ -24943,8 +24945,8 @@
           </p:sp>
         </mc:Fallback>
       </mc:AlternateContent>
-      <mc:AlternateContent xmlns:mc="http://schemas.openxmlformats.org/markup-compatibility/2006">
-        <mc:Choice xmlns:a14="http://schemas.microsoft.com/office/drawing/2010/main" Requires="a14">
+      <mc:AlternateContent xmlns:mc="http://schemas.openxmlformats.org/markup-compatibility/2006" xmlns:a14="http://schemas.microsoft.com/office/drawing/2010/main">
+        <mc:Choice Requires="a14">
           <p:sp>
             <p:nvSpPr>
               <p:cNvPr id="758" name="ZoneTexte 757">
@@ -25022,7 +25024,7 @@
             </p:txBody>
           </p:sp>
         </mc:Choice>
-        <mc:Fallback>
+        <mc:Fallback xmlns="">
           <p:sp>
             <p:nvSpPr>
               <p:cNvPr id="758" name="ZoneTexte 757">
@@ -31440,8 +31442,8 @@
           </a:p>
         </p:txBody>
       </p:sp>
-      <mc:AlternateContent xmlns:mc="http://schemas.openxmlformats.org/markup-compatibility/2006">
-        <mc:Choice xmlns:a14="http://schemas.microsoft.com/office/drawing/2010/main" Requires="a14">
+      <mc:AlternateContent xmlns:mc="http://schemas.openxmlformats.org/markup-compatibility/2006" xmlns:a14="http://schemas.microsoft.com/office/drawing/2010/main">
+        <mc:Choice Requires="a14">
           <p:sp>
             <p:nvSpPr>
               <p:cNvPr id="697" name="ZoneTexte 30">
@@ -31519,7 +31521,7 @@
             </p:txBody>
           </p:sp>
         </mc:Choice>
-        <mc:Fallback>
+        <mc:Fallback xmlns="">
           <p:sp>
             <p:nvSpPr>
               <p:cNvPr id="697" name="ZoneTexte 30">
@@ -31564,8 +31566,8 @@
           </p:sp>
         </mc:Fallback>
       </mc:AlternateContent>
-      <mc:AlternateContent xmlns:mc="http://schemas.openxmlformats.org/markup-compatibility/2006">
-        <mc:Choice xmlns:a14="http://schemas.microsoft.com/office/drawing/2010/main" Requires="a14">
+      <mc:AlternateContent xmlns:mc="http://schemas.openxmlformats.org/markup-compatibility/2006" xmlns:a14="http://schemas.microsoft.com/office/drawing/2010/main">
+        <mc:Choice Requires="a14">
           <p:sp>
             <p:nvSpPr>
               <p:cNvPr id="698" name="ZoneTexte 387">
@@ -31643,7 +31645,7 @@
             </p:txBody>
           </p:sp>
         </mc:Choice>
-        <mc:Fallback>
+        <mc:Fallback xmlns="">
           <p:sp>
             <p:nvSpPr>
               <p:cNvPr id="698" name="ZoneTexte 387">
@@ -35604,6 +35606,913 @@
 </p:sld>
 </file>
 
+<file path=ppt/slides/slide2.xml><?xml version="1.0" encoding="utf-8"?>
+<p:sld xmlns:a="http://schemas.openxmlformats.org/drawingml/2006/main" xmlns:r="http://schemas.openxmlformats.org/officeDocument/2006/relationships" xmlns:p="http://schemas.openxmlformats.org/presentationml/2006/main">
+  <p:cSld>
+    <p:spTree>
+      <p:nvGrpSpPr>
+        <p:cNvPr id="1" name=""/>
+        <p:cNvGrpSpPr/>
+        <p:nvPr/>
+      </p:nvGrpSpPr>
+      <p:grpSpPr>
+        <a:xfrm>
+          <a:off x="0" y="0"/>
+          <a:ext cx="0" cy="0"/>
+          <a:chOff x="0" y="0"/>
+          <a:chExt cx="0" cy="0"/>
+        </a:xfrm>
+      </p:grpSpPr>
+      <p:pic>
+        <p:nvPicPr>
+          <p:cNvPr id="22" name="Picture 21">
+            <a:extLst>
+              <a:ext uri="{FF2B5EF4-FFF2-40B4-BE49-F238E27FC236}">
+                <a16:creationId xmlns:a16="http://schemas.microsoft.com/office/drawing/2014/main" id="{9D23E6F0-9C86-46E8-9F87-062930F276D4}"/>
+              </a:ext>
+            </a:extLst>
+          </p:cNvPr>
+          <p:cNvPicPr>
+            <a:picLocks noChangeAspect="1"/>
+          </p:cNvPicPr>
+          <p:nvPr/>
+        </p:nvPicPr>
+        <p:blipFill>
+          <a:blip r:embed="rId2"/>
+          <a:stretch>
+            <a:fillRect/>
+          </a:stretch>
+        </p:blipFill>
+        <p:spPr>
+          <a:xfrm>
+            <a:off x="269236" y="1398707"/>
+            <a:ext cx="11646440" cy="4060586"/>
+          </a:xfrm>
+          <a:prstGeom prst="rect">
+            <a:avLst/>
+          </a:prstGeom>
+        </p:spPr>
+      </p:pic>
+      <p:pic>
+        <p:nvPicPr>
+          <p:cNvPr id="5" name="Picture 4">
+            <a:extLst>
+              <a:ext uri="{FF2B5EF4-FFF2-40B4-BE49-F238E27FC236}">
+                <a16:creationId xmlns:a16="http://schemas.microsoft.com/office/drawing/2014/main" id="{E6F1435C-4F0F-4B92-9424-80AD1D3E16CD}"/>
+              </a:ext>
+            </a:extLst>
+          </p:cNvPr>
+          <p:cNvPicPr>
+            <a:picLocks noChangeAspect="1"/>
+          </p:cNvPicPr>
+          <p:nvPr/>
+        </p:nvPicPr>
+        <p:blipFill>
+          <a:blip r:embed="rId2"/>
+          <a:stretch>
+            <a:fillRect/>
+          </a:stretch>
+        </p:blipFill>
+        <p:spPr>
+          <a:xfrm>
+            <a:off x="272780" y="1398707"/>
+            <a:ext cx="11646440" cy="4060586"/>
+          </a:xfrm>
+          <a:prstGeom prst="rect">
+            <a:avLst/>
+          </a:prstGeom>
+        </p:spPr>
+      </p:pic>
+      <p:cxnSp>
+        <p:nvCxnSpPr>
+          <p:cNvPr id="7" name="Straight Arrow Connector 6">
+            <a:extLst>
+              <a:ext uri="{FF2B5EF4-FFF2-40B4-BE49-F238E27FC236}">
+                <a16:creationId xmlns:a16="http://schemas.microsoft.com/office/drawing/2014/main" id="{78FDFBF8-6282-42B8-A41F-52338E4AD773}"/>
+              </a:ext>
+            </a:extLst>
+          </p:cNvPr>
+          <p:cNvCxnSpPr/>
+          <p:nvPr/>
+        </p:nvCxnSpPr>
+        <p:spPr>
+          <a:xfrm>
+            <a:off x="499730" y="5337544"/>
+            <a:ext cx="5114261" cy="0"/>
+          </a:xfrm>
+          <a:prstGeom prst="straightConnector1">
+            <a:avLst/>
+          </a:prstGeom>
+          <a:ln>
+            <a:headEnd type="triangle"/>
+            <a:tailEnd type="triangle"/>
+          </a:ln>
+        </p:spPr>
+        <p:style>
+          <a:lnRef idx="1">
+            <a:schemeClr val="accent1"/>
+          </a:lnRef>
+          <a:fillRef idx="0">
+            <a:schemeClr val="accent1"/>
+          </a:fillRef>
+          <a:effectRef idx="0">
+            <a:schemeClr val="accent1"/>
+          </a:effectRef>
+          <a:fontRef idx="minor">
+            <a:schemeClr val="tx1"/>
+          </a:fontRef>
+        </p:style>
+      </p:cxnSp>
+      <p:cxnSp>
+        <p:nvCxnSpPr>
+          <p:cNvPr id="9" name="Straight Arrow Connector 8">
+            <a:extLst>
+              <a:ext uri="{FF2B5EF4-FFF2-40B4-BE49-F238E27FC236}">
+                <a16:creationId xmlns:a16="http://schemas.microsoft.com/office/drawing/2014/main" id="{AD966112-45CD-4BC5-A05C-210FC5A101C1}"/>
+              </a:ext>
+            </a:extLst>
+          </p:cNvPr>
+          <p:cNvCxnSpPr>
+            <a:cxnSpLocks/>
+          </p:cNvCxnSpPr>
+          <p:nvPr/>
+        </p:nvCxnSpPr>
+        <p:spPr>
+          <a:xfrm flipV="1">
+            <a:off x="6096000" y="2796363"/>
+            <a:ext cx="0" cy="1658680"/>
+          </a:xfrm>
+          <a:prstGeom prst="straightConnector1">
+            <a:avLst/>
+          </a:prstGeom>
+          <a:ln>
+            <a:headEnd type="triangle"/>
+            <a:tailEnd type="triangle"/>
+          </a:ln>
+        </p:spPr>
+        <p:style>
+          <a:lnRef idx="1">
+            <a:schemeClr val="accent1"/>
+          </a:lnRef>
+          <a:fillRef idx="0">
+            <a:schemeClr val="accent1"/>
+          </a:fillRef>
+          <a:effectRef idx="0">
+            <a:schemeClr val="accent1"/>
+          </a:effectRef>
+          <a:fontRef idx="minor">
+            <a:schemeClr val="tx1"/>
+          </a:fontRef>
+        </p:style>
+      </p:cxnSp>
+      <p:cxnSp>
+        <p:nvCxnSpPr>
+          <p:cNvPr id="11" name="Straight Arrow Connector 10">
+            <a:extLst>
+              <a:ext uri="{FF2B5EF4-FFF2-40B4-BE49-F238E27FC236}">
+                <a16:creationId xmlns:a16="http://schemas.microsoft.com/office/drawing/2014/main" id="{3F514C38-20CC-4651-96A1-CD8D63511CAE}"/>
+              </a:ext>
+            </a:extLst>
+          </p:cNvPr>
+          <p:cNvCxnSpPr>
+            <a:cxnSpLocks/>
+          </p:cNvCxnSpPr>
+          <p:nvPr/>
+        </p:nvCxnSpPr>
+        <p:spPr>
+          <a:xfrm>
+            <a:off x="8708066" y="5202865"/>
+            <a:ext cx="2466753" cy="0"/>
+          </a:xfrm>
+          <a:prstGeom prst="straightConnector1">
+            <a:avLst/>
+          </a:prstGeom>
+          <a:ln>
+            <a:headEnd type="triangle"/>
+            <a:tailEnd type="triangle"/>
+          </a:ln>
+        </p:spPr>
+        <p:style>
+          <a:lnRef idx="1">
+            <a:schemeClr val="accent1"/>
+          </a:lnRef>
+          <a:fillRef idx="0">
+            <a:schemeClr val="accent1"/>
+          </a:fillRef>
+          <a:effectRef idx="0">
+            <a:schemeClr val="accent1"/>
+          </a:effectRef>
+          <a:fontRef idx="minor">
+            <a:schemeClr val="tx1"/>
+          </a:fontRef>
+        </p:style>
+      </p:cxnSp>
+      <p:sp>
+        <p:nvSpPr>
+          <p:cNvPr id="13" name="TextBox 12">
+            <a:extLst>
+              <a:ext uri="{FF2B5EF4-FFF2-40B4-BE49-F238E27FC236}">
+                <a16:creationId xmlns:a16="http://schemas.microsoft.com/office/drawing/2014/main" id="{56953D0E-75CE-4023-B629-51E6BEF64D43}"/>
+              </a:ext>
+            </a:extLst>
+          </p:cNvPr>
+          <p:cNvSpPr txBox="1"/>
+          <p:nvPr/>
+        </p:nvSpPr>
+        <p:spPr>
+          <a:xfrm>
+            <a:off x="2743202" y="5335501"/>
+            <a:ext cx="1116414" cy="369332"/>
+          </a:xfrm>
+          <a:prstGeom prst="rect">
+            <a:avLst/>
+          </a:prstGeom>
+          <a:noFill/>
+        </p:spPr>
+        <p:txBody>
+          <a:bodyPr wrap="square" rtlCol="0">
+            <a:spAutoFit/>
+          </a:bodyPr>
+          <a:lstStyle/>
+          <a:p>
+            <a:r>
+              <a:rPr lang="en-US" dirty="0"/>
+              <a:t>14.5 m</a:t>
+            </a:r>
+            <a:endParaRPr lang="en-GB" dirty="0"/>
+          </a:p>
+        </p:txBody>
+      </p:sp>
+      <p:sp>
+        <p:nvSpPr>
+          <p:cNvPr id="14" name="TextBox 13">
+            <a:extLst>
+              <a:ext uri="{FF2B5EF4-FFF2-40B4-BE49-F238E27FC236}">
+                <a16:creationId xmlns:a16="http://schemas.microsoft.com/office/drawing/2014/main" id="{946B6E80-4D8E-4D70-90DA-B357340A4630}"/>
+              </a:ext>
+            </a:extLst>
+          </p:cNvPr>
+          <p:cNvSpPr txBox="1"/>
+          <p:nvPr/>
+        </p:nvSpPr>
+        <p:spPr>
+          <a:xfrm>
+            <a:off x="6244853" y="3256371"/>
+            <a:ext cx="1116414" cy="369332"/>
+          </a:xfrm>
+          <a:prstGeom prst="rect">
+            <a:avLst/>
+          </a:prstGeom>
+          <a:noFill/>
+        </p:spPr>
+        <p:txBody>
+          <a:bodyPr wrap="square" rtlCol="0">
+            <a:spAutoFit/>
+          </a:bodyPr>
+          <a:lstStyle/>
+          <a:p>
+            <a:r>
+              <a:rPr lang="en-US" dirty="0"/>
+              <a:t>5 m</a:t>
+            </a:r>
+            <a:endParaRPr lang="en-GB" dirty="0"/>
+          </a:p>
+        </p:txBody>
+      </p:sp>
+      <p:sp>
+        <p:nvSpPr>
+          <p:cNvPr id="15" name="TextBox 14">
+            <a:extLst>
+              <a:ext uri="{FF2B5EF4-FFF2-40B4-BE49-F238E27FC236}">
+                <a16:creationId xmlns:a16="http://schemas.microsoft.com/office/drawing/2014/main" id="{0A733C82-E59F-48BB-821F-38B87114F630}"/>
+              </a:ext>
+            </a:extLst>
+          </p:cNvPr>
+          <p:cNvSpPr txBox="1"/>
+          <p:nvPr/>
+        </p:nvSpPr>
+        <p:spPr>
+          <a:xfrm>
+            <a:off x="9672081" y="5274627"/>
+            <a:ext cx="1116414" cy="369332"/>
+          </a:xfrm>
+          <a:prstGeom prst="rect">
+            <a:avLst/>
+          </a:prstGeom>
+          <a:noFill/>
+        </p:spPr>
+        <p:txBody>
+          <a:bodyPr wrap="square" rtlCol="0">
+            <a:spAutoFit/>
+          </a:bodyPr>
+          <a:lstStyle/>
+          <a:p>
+            <a:r>
+              <a:rPr lang="en-US" dirty="0"/>
+              <a:t>7 m</a:t>
+            </a:r>
+            <a:endParaRPr lang="en-GB" dirty="0"/>
+          </a:p>
+        </p:txBody>
+      </p:sp>
+      <p:cxnSp>
+        <p:nvCxnSpPr>
+          <p:cNvPr id="17" name="Straight Arrow Connector 16">
+            <a:extLst>
+              <a:ext uri="{FF2B5EF4-FFF2-40B4-BE49-F238E27FC236}">
+                <a16:creationId xmlns:a16="http://schemas.microsoft.com/office/drawing/2014/main" id="{4E1629F5-6632-4FEE-B69E-9821A6FDB5F7}"/>
+              </a:ext>
+            </a:extLst>
+          </p:cNvPr>
+          <p:cNvCxnSpPr>
+            <a:cxnSpLocks/>
+          </p:cNvCxnSpPr>
+          <p:nvPr/>
+        </p:nvCxnSpPr>
+        <p:spPr>
+          <a:xfrm flipV="1">
+            <a:off x="6092456" y="1807535"/>
+            <a:ext cx="0" cy="988828"/>
+          </a:xfrm>
+          <a:prstGeom prst="straightConnector1">
+            <a:avLst/>
+          </a:prstGeom>
+          <a:ln>
+            <a:headEnd type="triangle"/>
+            <a:tailEnd type="triangle"/>
+          </a:ln>
+        </p:spPr>
+        <p:style>
+          <a:lnRef idx="1">
+            <a:schemeClr val="accent1"/>
+          </a:lnRef>
+          <a:fillRef idx="0">
+            <a:schemeClr val="accent1"/>
+          </a:fillRef>
+          <a:effectRef idx="0">
+            <a:schemeClr val="accent1"/>
+          </a:effectRef>
+          <a:fontRef idx="minor">
+            <a:schemeClr val="tx1"/>
+          </a:fontRef>
+        </p:style>
+      </p:cxnSp>
+      <p:sp>
+        <p:nvSpPr>
+          <p:cNvPr id="19" name="TextBox 18">
+            <a:extLst>
+              <a:ext uri="{FF2B5EF4-FFF2-40B4-BE49-F238E27FC236}">
+                <a16:creationId xmlns:a16="http://schemas.microsoft.com/office/drawing/2014/main" id="{E5B42095-A782-4D20-A5B3-52ED1368C4C7}"/>
+              </a:ext>
+            </a:extLst>
+          </p:cNvPr>
+          <p:cNvSpPr txBox="1"/>
+          <p:nvPr/>
+        </p:nvSpPr>
+        <p:spPr>
+          <a:xfrm>
+            <a:off x="6274973" y="2117283"/>
+            <a:ext cx="1116414" cy="369332"/>
+          </a:xfrm>
+          <a:prstGeom prst="rect">
+            <a:avLst/>
+          </a:prstGeom>
+          <a:noFill/>
+        </p:spPr>
+        <p:txBody>
+          <a:bodyPr wrap="square" rtlCol="0">
+            <a:spAutoFit/>
+          </a:bodyPr>
+          <a:lstStyle/>
+          <a:p>
+            <a:r>
+              <a:rPr lang="en-US" dirty="0"/>
+              <a:t>2 m</a:t>
+            </a:r>
+            <a:endParaRPr lang="en-GB" dirty="0"/>
+          </a:p>
+        </p:txBody>
+      </p:sp>
+    </p:spTree>
+    <p:extLst>
+      <p:ext uri="{BB962C8B-B14F-4D97-AF65-F5344CB8AC3E}">
+        <p14:creationId xmlns:p14="http://schemas.microsoft.com/office/powerpoint/2010/main" val="2216805819"/>
+      </p:ext>
+    </p:extLst>
+  </p:cSld>
+  <p:clrMapOvr>
+    <a:masterClrMapping/>
+  </p:clrMapOvr>
+</p:sld>
+</file>
+
+<file path=ppt/slides/slide3.xml><?xml version="1.0" encoding="utf-8"?>
+<p:sld xmlns:a="http://schemas.openxmlformats.org/drawingml/2006/main" xmlns:r="http://schemas.openxmlformats.org/officeDocument/2006/relationships" xmlns:p="http://schemas.openxmlformats.org/presentationml/2006/main">
+  <p:cSld>
+    <p:spTree>
+      <p:nvGrpSpPr>
+        <p:cNvPr id="1" name=""/>
+        <p:cNvGrpSpPr/>
+        <p:nvPr/>
+      </p:nvGrpSpPr>
+      <p:grpSpPr>
+        <a:xfrm>
+          <a:off x="0" y="0"/>
+          <a:ext cx="0" cy="0"/>
+          <a:chOff x="0" y="0"/>
+          <a:chExt cx="0" cy="0"/>
+        </a:xfrm>
+      </p:grpSpPr>
+      <p:pic>
+        <p:nvPicPr>
+          <p:cNvPr id="5" name="Picture 4">
+            <a:extLst>
+              <a:ext uri="{FF2B5EF4-FFF2-40B4-BE49-F238E27FC236}">
+                <a16:creationId xmlns:a16="http://schemas.microsoft.com/office/drawing/2014/main" id="{2E013748-E050-4C6A-80FD-7EFC3D2867DB}"/>
+              </a:ext>
+            </a:extLst>
+          </p:cNvPr>
+          <p:cNvPicPr>
+            <a:picLocks noChangeAspect="1"/>
+          </p:cNvPicPr>
+          <p:nvPr/>
+        </p:nvPicPr>
+        <p:blipFill rotWithShape="1">
+          <a:blip r:embed="rId2"/>
+          <a:srcRect l="30804" t="29060"/>
+          <a:stretch/>
+        </p:blipFill>
+        <p:spPr>
+          <a:xfrm>
+            <a:off x="3839017" y="1913859"/>
+            <a:ext cx="5804049" cy="4540103"/>
+          </a:xfrm>
+          <a:prstGeom prst="rect">
+            <a:avLst/>
+          </a:prstGeom>
+        </p:spPr>
+      </p:pic>
+      <p:sp>
+        <p:nvSpPr>
+          <p:cNvPr id="6" name="Oval 5">
+            <a:extLst>
+              <a:ext uri="{FF2B5EF4-FFF2-40B4-BE49-F238E27FC236}">
+                <a16:creationId xmlns:a16="http://schemas.microsoft.com/office/drawing/2014/main" id="{6DFBDCD4-91DC-4BFB-BD6B-4804C968D7FA}"/>
+              </a:ext>
+            </a:extLst>
+          </p:cNvPr>
+          <p:cNvSpPr/>
+          <p:nvPr/>
+        </p:nvSpPr>
+        <p:spPr>
+          <a:xfrm>
+            <a:off x="3519377" y="1382233"/>
+            <a:ext cx="3221665" cy="2908004"/>
+          </a:xfrm>
+          <a:prstGeom prst="ellipse">
+            <a:avLst/>
+          </a:prstGeom>
+          <a:noFill/>
+          <a:ln w="28575">
+            <a:solidFill>
+              <a:srgbClr val="FF0000"/>
+            </a:solidFill>
+          </a:ln>
+        </p:spPr>
+        <p:style>
+          <a:lnRef idx="2">
+            <a:schemeClr val="accent1">
+              <a:shade val="50000"/>
+            </a:schemeClr>
+          </a:lnRef>
+          <a:fillRef idx="1">
+            <a:schemeClr val="accent1"/>
+          </a:fillRef>
+          <a:effectRef idx="0">
+            <a:schemeClr val="accent1"/>
+          </a:effectRef>
+          <a:fontRef idx="minor">
+            <a:schemeClr val="lt1"/>
+          </a:fontRef>
+        </p:style>
+        <p:txBody>
+          <a:bodyPr rtlCol="0" anchor="ctr"/>
+          <a:lstStyle/>
+          <a:p>
+            <a:pPr algn="ctr"/>
+            <a:endParaRPr lang="en-GB"/>
+          </a:p>
+        </p:txBody>
+      </p:sp>
+      <p:sp>
+        <p:nvSpPr>
+          <p:cNvPr id="7" name="TextBox 6">
+            <a:extLst>
+              <a:ext uri="{FF2B5EF4-FFF2-40B4-BE49-F238E27FC236}">
+                <a16:creationId xmlns:a16="http://schemas.microsoft.com/office/drawing/2014/main" id="{BA3A11A6-74F1-4455-91A5-6470F7EE06C6}"/>
+              </a:ext>
+            </a:extLst>
+          </p:cNvPr>
+          <p:cNvSpPr txBox="1"/>
+          <p:nvPr/>
+        </p:nvSpPr>
+        <p:spPr>
+          <a:xfrm>
+            <a:off x="4345169" y="2193116"/>
+            <a:ext cx="1116414" cy="369332"/>
+          </a:xfrm>
+          <a:prstGeom prst="rect">
+            <a:avLst/>
+          </a:prstGeom>
+          <a:noFill/>
+        </p:spPr>
+        <p:txBody>
+          <a:bodyPr wrap="square" rtlCol="0">
+            <a:spAutoFit/>
+          </a:bodyPr>
+          <a:lstStyle/>
+          <a:p>
+            <a:r>
+              <a:rPr lang="en-US" dirty="0"/>
+              <a:t>W1</a:t>
+            </a:r>
+            <a:endParaRPr lang="en-GB" dirty="0"/>
+          </a:p>
+        </p:txBody>
+      </p:sp>
+      <p:sp>
+        <p:nvSpPr>
+          <p:cNvPr id="8" name="TextBox 7">
+            <a:extLst>
+              <a:ext uri="{FF2B5EF4-FFF2-40B4-BE49-F238E27FC236}">
+                <a16:creationId xmlns:a16="http://schemas.microsoft.com/office/drawing/2014/main" id="{EAC62947-7183-413A-A9B5-4BAC692F3755}"/>
+              </a:ext>
+            </a:extLst>
+          </p:cNvPr>
+          <p:cNvSpPr txBox="1"/>
+          <p:nvPr/>
+        </p:nvSpPr>
+        <p:spPr>
+          <a:xfrm>
+            <a:off x="4903376" y="2651569"/>
+            <a:ext cx="1116414" cy="369332"/>
+          </a:xfrm>
+          <a:prstGeom prst="rect">
+            <a:avLst/>
+          </a:prstGeom>
+          <a:noFill/>
+        </p:spPr>
+        <p:txBody>
+          <a:bodyPr wrap="square" rtlCol="0">
+            <a:spAutoFit/>
+          </a:bodyPr>
+          <a:lstStyle/>
+          <a:p>
+            <a:r>
+              <a:rPr lang="en-US" dirty="0"/>
+              <a:t>R1</a:t>
+            </a:r>
+            <a:endParaRPr lang="en-GB" dirty="0"/>
+          </a:p>
+        </p:txBody>
+      </p:sp>
+      <p:sp>
+        <p:nvSpPr>
+          <p:cNvPr id="9" name="TextBox 8">
+            <a:extLst>
+              <a:ext uri="{FF2B5EF4-FFF2-40B4-BE49-F238E27FC236}">
+                <a16:creationId xmlns:a16="http://schemas.microsoft.com/office/drawing/2014/main" id="{910B6194-6E62-4470-859A-3B16F08C7138}"/>
+              </a:ext>
+            </a:extLst>
+          </p:cNvPr>
+          <p:cNvSpPr txBox="1"/>
+          <p:nvPr/>
+        </p:nvSpPr>
+        <p:spPr>
+          <a:xfrm>
+            <a:off x="5130209" y="3090312"/>
+            <a:ext cx="1116414" cy="369332"/>
+          </a:xfrm>
+          <a:prstGeom prst="rect">
+            <a:avLst/>
+          </a:prstGeom>
+          <a:noFill/>
+        </p:spPr>
+        <p:txBody>
+          <a:bodyPr wrap="square" rtlCol="0">
+            <a:spAutoFit/>
+          </a:bodyPr>
+          <a:lstStyle/>
+          <a:p>
+            <a:r>
+              <a:rPr lang="en-US" dirty="0"/>
+              <a:t>R2</a:t>
+            </a:r>
+            <a:endParaRPr lang="en-GB" dirty="0"/>
+          </a:p>
+        </p:txBody>
+      </p:sp>
+      <p:sp>
+        <p:nvSpPr>
+          <p:cNvPr id="10" name="TextBox 9">
+            <a:extLst>
+              <a:ext uri="{FF2B5EF4-FFF2-40B4-BE49-F238E27FC236}">
+                <a16:creationId xmlns:a16="http://schemas.microsoft.com/office/drawing/2014/main" id="{7B1656F8-AC5E-4C98-AF4D-19137FA616C4}"/>
+              </a:ext>
+            </a:extLst>
+          </p:cNvPr>
+          <p:cNvSpPr txBox="1"/>
+          <p:nvPr/>
+        </p:nvSpPr>
+        <p:spPr>
+          <a:xfrm>
+            <a:off x="5781223" y="1890387"/>
+            <a:ext cx="1116414" cy="369332"/>
+          </a:xfrm>
+          <a:prstGeom prst="rect">
+            <a:avLst/>
+          </a:prstGeom>
+          <a:noFill/>
+        </p:spPr>
+        <p:txBody>
+          <a:bodyPr wrap="square" rtlCol="0">
+            <a:spAutoFit/>
+          </a:bodyPr>
+          <a:lstStyle/>
+          <a:p>
+            <a:r>
+              <a:rPr lang="en-US" dirty="0"/>
+              <a:t>W2</a:t>
+            </a:r>
+            <a:endParaRPr lang="en-GB" dirty="0"/>
+          </a:p>
+        </p:txBody>
+      </p:sp>
+      <p:sp>
+        <p:nvSpPr>
+          <p:cNvPr id="11" name="TextBox 10">
+            <a:extLst>
+              <a:ext uri="{FF2B5EF4-FFF2-40B4-BE49-F238E27FC236}">
+                <a16:creationId xmlns:a16="http://schemas.microsoft.com/office/drawing/2014/main" id="{D953E17D-E114-4F98-9B4F-43FAA98F3448}"/>
+              </a:ext>
+            </a:extLst>
+          </p:cNvPr>
+          <p:cNvSpPr txBox="1"/>
+          <p:nvPr/>
+        </p:nvSpPr>
+        <p:spPr>
+          <a:xfrm>
+            <a:off x="5624627" y="3317031"/>
+            <a:ext cx="1116414" cy="369332"/>
+          </a:xfrm>
+          <a:prstGeom prst="rect">
+            <a:avLst/>
+          </a:prstGeom>
+          <a:noFill/>
+        </p:spPr>
+        <p:txBody>
+          <a:bodyPr wrap="square" rtlCol="0">
+            <a:spAutoFit/>
+          </a:bodyPr>
+          <a:lstStyle/>
+          <a:p>
+            <a:r>
+              <a:rPr lang="en-US" dirty="0"/>
+              <a:t>W3</a:t>
+            </a:r>
+            <a:endParaRPr lang="en-GB" dirty="0"/>
+          </a:p>
+        </p:txBody>
+      </p:sp>
+      <p:sp>
+        <p:nvSpPr>
+          <p:cNvPr id="12" name="TextBox 11">
+            <a:extLst>
+              <a:ext uri="{FF2B5EF4-FFF2-40B4-BE49-F238E27FC236}">
+                <a16:creationId xmlns:a16="http://schemas.microsoft.com/office/drawing/2014/main" id="{712E826E-D35A-4DA9-8512-1CB5D3756D77}"/>
+              </a:ext>
+            </a:extLst>
+          </p:cNvPr>
+          <p:cNvSpPr txBox="1"/>
+          <p:nvPr/>
+        </p:nvSpPr>
+        <p:spPr>
+          <a:xfrm>
+            <a:off x="4013795" y="3686363"/>
+            <a:ext cx="1116414" cy="369332"/>
+          </a:xfrm>
+          <a:prstGeom prst="rect">
+            <a:avLst/>
+          </a:prstGeom>
+          <a:noFill/>
+        </p:spPr>
+        <p:txBody>
+          <a:bodyPr wrap="square" rtlCol="0">
+            <a:spAutoFit/>
+          </a:bodyPr>
+          <a:lstStyle/>
+          <a:p>
+            <a:r>
+              <a:rPr lang="en-US" dirty="0"/>
+              <a:t>W4</a:t>
+            </a:r>
+            <a:endParaRPr lang="en-GB" dirty="0"/>
+          </a:p>
+        </p:txBody>
+      </p:sp>
+      <p:sp>
+        <p:nvSpPr>
+          <p:cNvPr id="13" name="TextBox 12">
+            <a:extLst>
+              <a:ext uri="{FF2B5EF4-FFF2-40B4-BE49-F238E27FC236}">
+                <a16:creationId xmlns:a16="http://schemas.microsoft.com/office/drawing/2014/main" id="{4782FB1B-A7CC-402B-9942-B6C27DC62E7B}"/>
+              </a:ext>
+            </a:extLst>
+          </p:cNvPr>
+          <p:cNvSpPr txBox="1"/>
+          <p:nvPr/>
+        </p:nvSpPr>
+        <p:spPr>
+          <a:xfrm>
+            <a:off x="5304987" y="3573945"/>
+            <a:ext cx="1116414" cy="369332"/>
+          </a:xfrm>
+          <a:prstGeom prst="rect">
+            <a:avLst/>
+          </a:prstGeom>
+          <a:noFill/>
+        </p:spPr>
+        <p:txBody>
+          <a:bodyPr wrap="square" rtlCol="0">
+            <a:spAutoFit/>
+          </a:bodyPr>
+          <a:lstStyle/>
+          <a:p>
+            <a:r>
+              <a:rPr lang="en-US" dirty="0"/>
+              <a:t>G1</a:t>
+            </a:r>
+            <a:endParaRPr lang="en-GB" dirty="0"/>
+          </a:p>
+        </p:txBody>
+      </p:sp>
+      <p:sp>
+        <p:nvSpPr>
+          <p:cNvPr id="14" name="TextBox 13">
+            <a:extLst>
+              <a:ext uri="{FF2B5EF4-FFF2-40B4-BE49-F238E27FC236}">
+                <a16:creationId xmlns:a16="http://schemas.microsoft.com/office/drawing/2014/main" id="{69285301-2A01-4819-9DC5-157FC7AE2E3E}"/>
+              </a:ext>
+            </a:extLst>
+          </p:cNvPr>
+          <p:cNvSpPr txBox="1"/>
+          <p:nvPr/>
+        </p:nvSpPr>
+        <p:spPr>
+          <a:xfrm>
+            <a:off x="6019790" y="3932164"/>
+            <a:ext cx="1116414" cy="369332"/>
+          </a:xfrm>
+          <a:prstGeom prst="rect">
+            <a:avLst/>
+          </a:prstGeom>
+          <a:noFill/>
+        </p:spPr>
+        <p:txBody>
+          <a:bodyPr wrap="square" rtlCol="0">
+            <a:spAutoFit/>
+          </a:bodyPr>
+          <a:lstStyle/>
+          <a:p>
+            <a:r>
+              <a:rPr lang="en-US" dirty="0"/>
+              <a:t>-45</a:t>
+            </a:r>
+            <a:endParaRPr lang="en-GB" dirty="0"/>
+          </a:p>
+        </p:txBody>
+      </p:sp>
+      <p:sp>
+        <p:nvSpPr>
+          <p:cNvPr id="15" name="TextBox 14">
+            <a:extLst>
+              <a:ext uri="{FF2B5EF4-FFF2-40B4-BE49-F238E27FC236}">
+                <a16:creationId xmlns:a16="http://schemas.microsoft.com/office/drawing/2014/main" id="{FE514781-61F4-4F86-A283-FC402E055D99}"/>
+              </a:ext>
+            </a:extLst>
+          </p:cNvPr>
+          <p:cNvSpPr txBox="1"/>
+          <p:nvPr/>
+        </p:nvSpPr>
+        <p:spPr>
+          <a:xfrm>
+            <a:off x="3537095" y="1411922"/>
+            <a:ext cx="1116414" cy="369332"/>
+          </a:xfrm>
+          <a:prstGeom prst="rect">
+            <a:avLst/>
+          </a:prstGeom>
+          <a:noFill/>
+        </p:spPr>
+        <p:txBody>
+          <a:bodyPr wrap="square" rtlCol="0">
+            <a:spAutoFit/>
+          </a:bodyPr>
+          <a:lstStyle/>
+          <a:p>
+            <a:r>
+              <a:rPr lang="en-US" dirty="0"/>
+              <a:t>135</a:t>
+            </a:r>
+            <a:endParaRPr lang="en-GB" dirty="0"/>
+          </a:p>
+        </p:txBody>
+      </p:sp>
+      <p:sp>
+        <p:nvSpPr>
+          <p:cNvPr id="16" name="TextBox 15">
+            <a:extLst>
+              <a:ext uri="{FF2B5EF4-FFF2-40B4-BE49-F238E27FC236}">
+                <a16:creationId xmlns:a16="http://schemas.microsoft.com/office/drawing/2014/main" id="{0718FB67-5A8C-4CAE-B06B-4D1277A38507}"/>
+              </a:ext>
+            </a:extLst>
+          </p:cNvPr>
+          <p:cNvSpPr txBox="1"/>
+          <p:nvPr/>
+        </p:nvSpPr>
+        <p:spPr>
+          <a:xfrm>
+            <a:off x="3653169" y="4017228"/>
+            <a:ext cx="1116414" cy="369332"/>
+          </a:xfrm>
+          <a:prstGeom prst="rect">
+            <a:avLst/>
+          </a:prstGeom>
+          <a:noFill/>
+        </p:spPr>
+        <p:txBody>
+          <a:bodyPr wrap="square" rtlCol="0">
+            <a:spAutoFit/>
+          </a:bodyPr>
+          <a:lstStyle/>
+          <a:p>
+            <a:r>
+              <a:rPr lang="en-US" dirty="0"/>
+              <a:t>45</a:t>
+            </a:r>
+            <a:endParaRPr lang="en-GB" dirty="0"/>
+          </a:p>
+        </p:txBody>
+      </p:sp>
+      <p:sp>
+        <p:nvSpPr>
+          <p:cNvPr id="17" name="TextBox 16">
+            <a:extLst>
+              <a:ext uri="{FF2B5EF4-FFF2-40B4-BE49-F238E27FC236}">
+                <a16:creationId xmlns:a16="http://schemas.microsoft.com/office/drawing/2014/main" id="{AE1A10B5-906E-483D-8956-E2256B549EC2}"/>
+              </a:ext>
+            </a:extLst>
+          </p:cNvPr>
+          <p:cNvSpPr txBox="1"/>
+          <p:nvPr/>
+        </p:nvSpPr>
+        <p:spPr>
+          <a:xfrm>
+            <a:off x="6246623" y="1382233"/>
+            <a:ext cx="1116414" cy="369332"/>
+          </a:xfrm>
+          <a:prstGeom prst="rect">
+            <a:avLst/>
+          </a:prstGeom>
+          <a:noFill/>
+        </p:spPr>
+        <p:txBody>
+          <a:bodyPr wrap="square" rtlCol="0">
+            <a:spAutoFit/>
+          </a:bodyPr>
+          <a:lstStyle/>
+          <a:p>
+            <a:r>
+              <a:rPr lang="en-US" dirty="0"/>
+              <a:t>-135</a:t>
+            </a:r>
+            <a:endParaRPr lang="en-GB" dirty="0"/>
+          </a:p>
+        </p:txBody>
+      </p:sp>
+    </p:spTree>
+    <p:extLst>
+      <p:ext uri="{BB962C8B-B14F-4D97-AF65-F5344CB8AC3E}">
+        <p14:creationId xmlns:p14="http://schemas.microsoft.com/office/powerpoint/2010/main" val="305309606"/>
+      </p:ext>
+    </p:extLst>
+  </p:cSld>
+  <p:clrMapOvr>
+    <a:masterClrMapping/>
+  </p:clrMapOvr>
+</p:sld>
+</file>
+
 <file path=ppt/theme/theme1.xml><?xml version="1.0" encoding="utf-8"?>
 <a:theme xmlns:a="http://schemas.openxmlformats.org/drawingml/2006/main" name="Thème Office">
   <a:themeElements>
